--- a/git-workshop-three-tree.pptx
+++ b/git-workshop-three-tree.pptx
@@ -13,17 +13,6 @@
     <p:sldId id="258" r:id="rId8"/>
     <p:sldId id="259" r:id="rId9"/>
     <p:sldId id="260" r:id="rId10"/>
-    <p:sldId id="261" r:id="rId11"/>
-    <p:sldId id="262" r:id="rId12"/>
-    <p:sldId id="263" r:id="rId13"/>
-    <p:sldId id="264" r:id="rId14"/>
-    <p:sldId id="265" r:id="rId15"/>
-    <p:sldId id="266" r:id="rId16"/>
-    <p:sldId id="267" r:id="rId17"/>
-    <p:sldId id="268" r:id="rId18"/>
-    <p:sldId id="269" r:id="rId19"/>
-    <p:sldId id="270" r:id="rId20"/>
-    <p:sldId id="271" r:id="rId21"/>
   </p:sldIdLst>
   <p:sldSz cy="5143500" cx="9144000"/>
   <p:notesSz cx="6858000" cy="9144000"/>
@@ -800,699 +789,6 @@
 </p:notes>
 </file>
 
-<file path=ppt/notesSlides/notesSlide10.xml><?xml version="1.0" encoding="utf-8"?>
-<p:notes xmlns:a="http://schemas.openxmlformats.org/drawingml/2006/main" xmlns:r="http://schemas.openxmlformats.org/officeDocument/2006/relationships" xmlns:mc="http://schemas.openxmlformats.org/markup-compatibility/2006" xmlns:mv="urn:schemas-microsoft-com:mac:vml" xmlns:p="http://schemas.openxmlformats.org/presentationml/2006/main" xmlns:c="http://schemas.openxmlformats.org/drawingml/2006/chart" xmlns:dgm="http://schemas.openxmlformats.org/drawingml/2006/diagram" xmlns:o="urn:schemas-microsoft-com:office:office" xmlns:v="urn:schemas-microsoft-com:vml" xmlns:pvml="urn:schemas-microsoft-com:office:powerpoint" xmlns:com="http://schemas.openxmlformats.org/drawingml/2006/compatibility" xmlns:p14="http://schemas.microsoft.com/office/powerpoint/2010/main" xmlns:p15="http://schemas.microsoft.com/office/powerpoint/2012/main" showMasterPhAnim="0" showMasterSp="0">
-  <p:cSld>
-    <p:spTree>
-      <p:nvGrpSpPr>
-        <p:cNvPr id="113" name="Shape 113"/>
-        <p:cNvGrpSpPr/>
-        <p:nvPr/>
-      </p:nvGrpSpPr>
-      <p:grpSpPr>
-        <a:xfrm>
-          <a:off x="0" y="0"/>
-          <a:ext cx="0" cy="0"/>
-          <a:chOff x="0" y="0"/>
-          <a:chExt cx="0" cy="0"/>
-        </a:xfrm>
-      </p:grpSpPr>
-      <p:sp>
-        <p:nvSpPr>
-          <p:cNvPr id="114" name="Google Shape;114;g6336b6ec6f_0_144:notes"/>
-          <p:cNvSpPr/>
-          <p:nvPr>
-            <p:ph idx="2" type="sldImg"/>
-          </p:nvPr>
-        </p:nvSpPr>
-        <p:spPr>
-          <a:xfrm>
-            <a:off x="381300" y="685800"/>
-            <a:ext cx="6096000" cy="3429000"/>
-          </a:xfrm>
-          <a:custGeom>
-            <a:rect b="b" l="l" r="r" t="t"/>
-            <a:pathLst>
-              <a:path extrusionOk="0" h="120000" w="120000">
-                <a:moveTo>
-                  <a:pt x="0" y="0"/>
-                </a:moveTo>
-                <a:lnTo>
-                  <a:pt x="120000" y="0"/>
-                </a:lnTo>
-                <a:lnTo>
-                  <a:pt x="120000" y="120000"/>
-                </a:lnTo>
-                <a:lnTo>
-                  <a:pt x="0" y="120000"/>
-                </a:lnTo>
-                <a:close/>
-              </a:path>
-            </a:pathLst>
-          </a:custGeom>
-        </p:spPr>
-      </p:sp>
-      <p:sp>
-        <p:nvSpPr>
-          <p:cNvPr id="115" name="Google Shape;115;g6336b6ec6f_0_144:notes"/>
-          <p:cNvSpPr txBox="1"/>
-          <p:nvPr>
-            <p:ph idx="1" type="body"/>
-          </p:nvPr>
-        </p:nvSpPr>
-        <p:spPr>
-          <a:xfrm>
-            <a:off x="685800" y="4343400"/>
-            <a:ext cx="5486400" cy="4114800"/>
-          </a:xfrm>
-          <a:prstGeom prst="rect">
-            <a:avLst/>
-          </a:prstGeom>
-        </p:spPr>
-        <p:txBody>
-          <a:bodyPr anchorCtr="0" anchor="t" bIns="91425" lIns="91425" spcFirstLastPara="1" rIns="91425" wrap="square" tIns="91425">
-            <a:noAutofit/>
-          </a:bodyPr>
-          <a:lstStyle/>
-          <a:p>
-            <a:pPr indent="0" lvl="0" marL="0" rtl="0" algn="l">
-              <a:spcBef>
-                <a:spcPts val="0"/>
-              </a:spcBef>
-              <a:spcAft>
-                <a:spcPts val="0"/>
-              </a:spcAft>
-              <a:buNone/>
-            </a:pPr>
-            <a:r>
-              <a:t/>
-            </a:r>
-            <a:endParaRPr/>
-          </a:p>
-        </p:txBody>
-      </p:sp>
-    </p:spTree>
-  </p:cSld>
-  <p:clrMapOvr>
-    <a:masterClrMapping/>
-  </p:clrMapOvr>
-</p:notes>
-</file>
-
-<file path=ppt/notesSlides/notesSlide11.xml><?xml version="1.0" encoding="utf-8"?>
-<p:notes xmlns:a="http://schemas.openxmlformats.org/drawingml/2006/main" xmlns:r="http://schemas.openxmlformats.org/officeDocument/2006/relationships" xmlns:mc="http://schemas.openxmlformats.org/markup-compatibility/2006" xmlns:mv="urn:schemas-microsoft-com:mac:vml" xmlns:p="http://schemas.openxmlformats.org/presentationml/2006/main" xmlns:c="http://schemas.openxmlformats.org/drawingml/2006/chart" xmlns:dgm="http://schemas.openxmlformats.org/drawingml/2006/diagram" xmlns:o="urn:schemas-microsoft-com:office:office" xmlns:v="urn:schemas-microsoft-com:vml" xmlns:pvml="urn:schemas-microsoft-com:office:powerpoint" xmlns:com="http://schemas.openxmlformats.org/drawingml/2006/compatibility" xmlns:p14="http://schemas.microsoft.com/office/powerpoint/2010/main" xmlns:p15="http://schemas.microsoft.com/office/powerpoint/2012/main" showMasterPhAnim="0" showMasterSp="0">
-  <p:cSld>
-    <p:spTree>
-      <p:nvGrpSpPr>
-        <p:cNvPr id="122" name="Shape 122"/>
-        <p:cNvGrpSpPr/>
-        <p:nvPr/>
-      </p:nvGrpSpPr>
-      <p:grpSpPr>
-        <a:xfrm>
-          <a:off x="0" y="0"/>
-          <a:ext cx="0" cy="0"/>
-          <a:chOff x="0" y="0"/>
-          <a:chExt cx="0" cy="0"/>
-        </a:xfrm>
-      </p:grpSpPr>
-      <p:sp>
-        <p:nvSpPr>
-          <p:cNvPr id="123" name="Google Shape;123;g6336b6ec6f_0_161:notes"/>
-          <p:cNvSpPr/>
-          <p:nvPr>
-            <p:ph idx="2" type="sldImg"/>
-          </p:nvPr>
-        </p:nvSpPr>
-        <p:spPr>
-          <a:xfrm>
-            <a:off x="381300" y="685800"/>
-            <a:ext cx="6096000" cy="3429000"/>
-          </a:xfrm>
-          <a:custGeom>
-            <a:rect b="b" l="l" r="r" t="t"/>
-            <a:pathLst>
-              <a:path extrusionOk="0" h="120000" w="120000">
-                <a:moveTo>
-                  <a:pt x="0" y="0"/>
-                </a:moveTo>
-                <a:lnTo>
-                  <a:pt x="120000" y="0"/>
-                </a:lnTo>
-                <a:lnTo>
-                  <a:pt x="120000" y="120000"/>
-                </a:lnTo>
-                <a:lnTo>
-                  <a:pt x="0" y="120000"/>
-                </a:lnTo>
-                <a:close/>
-              </a:path>
-            </a:pathLst>
-          </a:custGeom>
-        </p:spPr>
-      </p:sp>
-      <p:sp>
-        <p:nvSpPr>
-          <p:cNvPr id="124" name="Google Shape;124;g6336b6ec6f_0_161:notes"/>
-          <p:cNvSpPr txBox="1"/>
-          <p:nvPr>
-            <p:ph idx="1" type="body"/>
-          </p:nvPr>
-        </p:nvSpPr>
-        <p:spPr>
-          <a:xfrm>
-            <a:off x="685800" y="4343400"/>
-            <a:ext cx="5486400" cy="4114800"/>
-          </a:xfrm>
-          <a:prstGeom prst="rect">
-            <a:avLst/>
-          </a:prstGeom>
-        </p:spPr>
-        <p:txBody>
-          <a:bodyPr anchorCtr="0" anchor="t" bIns="91425" lIns="91425" spcFirstLastPara="1" rIns="91425" wrap="square" tIns="91425">
-            <a:noAutofit/>
-          </a:bodyPr>
-          <a:lstStyle/>
-          <a:p>
-            <a:pPr indent="0" lvl="0" marL="0" rtl="0" algn="l">
-              <a:spcBef>
-                <a:spcPts val="0"/>
-              </a:spcBef>
-              <a:spcAft>
-                <a:spcPts val="0"/>
-              </a:spcAft>
-              <a:buNone/>
-            </a:pPr>
-            <a:r>
-              <a:t/>
-            </a:r>
-            <a:endParaRPr/>
-          </a:p>
-        </p:txBody>
-      </p:sp>
-    </p:spTree>
-  </p:cSld>
-  <p:clrMapOvr>
-    <a:masterClrMapping/>
-  </p:clrMapOvr>
-</p:notes>
-</file>
-
-<file path=ppt/notesSlides/notesSlide12.xml><?xml version="1.0" encoding="utf-8"?>
-<p:notes xmlns:a="http://schemas.openxmlformats.org/drawingml/2006/main" xmlns:r="http://schemas.openxmlformats.org/officeDocument/2006/relationships" xmlns:mc="http://schemas.openxmlformats.org/markup-compatibility/2006" xmlns:mv="urn:schemas-microsoft-com:mac:vml" xmlns:p="http://schemas.openxmlformats.org/presentationml/2006/main" xmlns:c="http://schemas.openxmlformats.org/drawingml/2006/chart" xmlns:dgm="http://schemas.openxmlformats.org/drawingml/2006/diagram" xmlns:o="urn:schemas-microsoft-com:office:office" xmlns:v="urn:schemas-microsoft-com:vml" xmlns:pvml="urn:schemas-microsoft-com:office:powerpoint" xmlns:com="http://schemas.openxmlformats.org/drawingml/2006/compatibility" xmlns:p14="http://schemas.microsoft.com/office/powerpoint/2010/main" xmlns:p15="http://schemas.microsoft.com/office/powerpoint/2012/main" showMasterPhAnim="0" showMasterSp="0">
-  <p:cSld>
-    <p:spTree>
-      <p:nvGrpSpPr>
-        <p:cNvPr id="131" name="Shape 131"/>
-        <p:cNvGrpSpPr/>
-        <p:nvPr/>
-      </p:nvGrpSpPr>
-      <p:grpSpPr>
-        <a:xfrm>
-          <a:off x="0" y="0"/>
-          <a:ext cx="0" cy="0"/>
-          <a:chOff x="0" y="0"/>
-          <a:chExt cx="0" cy="0"/>
-        </a:xfrm>
-      </p:grpSpPr>
-      <p:sp>
-        <p:nvSpPr>
-          <p:cNvPr id="132" name="Google Shape;132;g6336b6ec6f_0_114:notes"/>
-          <p:cNvSpPr/>
-          <p:nvPr>
-            <p:ph idx="2" type="sldImg"/>
-          </p:nvPr>
-        </p:nvSpPr>
-        <p:spPr>
-          <a:xfrm>
-            <a:off x="381300" y="685800"/>
-            <a:ext cx="6096000" cy="3429000"/>
-          </a:xfrm>
-          <a:custGeom>
-            <a:rect b="b" l="l" r="r" t="t"/>
-            <a:pathLst>
-              <a:path extrusionOk="0" h="120000" w="120000">
-                <a:moveTo>
-                  <a:pt x="0" y="0"/>
-                </a:moveTo>
-                <a:lnTo>
-                  <a:pt x="120000" y="0"/>
-                </a:lnTo>
-                <a:lnTo>
-                  <a:pt x="120000" y="120000"/>
-                </a:lnTo>
-                <a:lnTo>
-                  <a:pt x="0" y="120000"/>
-                </a:lnTo>
-                <a:close/>
-              </a:path>
-            </a:pathLst>
-          </a:custGeom>
-        </p:spPr>
-      </p:sp>
-      <p:sp>
-        <p:nvSpPr>
-          <p:cNvPr id="133" name="Google Shape;133;g6336b6ec6f_0_114:notes"/>
-          <p:cNvSpPr txBox="1"/>
-          <p:nvPr>
-            <p:ph idx="1" type="body"/>
-          </p:nvPr>
-        </p:nvSpPr>
-        <p:spPr>
-          <a:xfrm>
-            <a:off x="685800" y="4343400"/>
-            <a:ext cx="5486400" cy="4114800"/>
-          </a:xfrm>
-          <a:prstGeom prst="rect">
-            <a:avLst/>
-          </a:prstGeom>
-        </p:spPr>
-        <p:txBody>
-          <a:bodyPr anchorCtr="0" anchor="t" bIns="91425" lIns="91425" spcFirstLastPara="1" rIns="91425" wrap="square" tIns="91425">
-            <a:noAutofit/>
-          </a:bodyPr>
-          <a:lstStyle/>
-          <a:p>
-            <a:pPr indent="0" lvl="0" marL="0" rtl="0" algn="l">
-              <a:spcBef>
-                <a:spcPts val="0"/>
-              </a:spcBef>
-              <a:spcAft>
-                <a:spcPts val="0"/>
-              </a:spcAft>
-              <a:buNone/>
-            </a:pPr>
-            <a:r>
-              <a:t/>
-            </a:r>
-            <a:endParaRPr/>
-          </a:p>
-        </p:txBody>
-      </p:sp>
-    </p:spTree>
-  </p:cSld>
-  <p:clrMapOvr>
-    <a:masterClrMapping/>
-  </p:clrMapOvr>
-</p:notes>
-</file>
-
-<file path=ppt/notesSlides/notesSlide13.xml><?xml version="1.0" encoding="utf-8"?>
-<p:notes xmlns:a="http://schemas.openxmlformats.org/drawingml/2006/main" xmlns:r="http://schemas.openxmlformats.org/officeDocument/2006/relationships" xmlns:mc="http://schemas.openxmlformats.org/markup-compatibility/2006" xmlns:mv="urn:schemas-microsoft-com:mac:vml" xmlns:p="http://schemas.openxmlformats.org/presentationml/2006/main" xmlns:c="http://schemas.openxmlformats.org/drawingml/2006/chart" xmlns:dgm="http://schemas.openxmlformats.org/drawingml/2006/diagram" xmlns:o="urn:schemas-microsoft-com:office:office" xmlns:v="urn:schemas-microsoft-com:vml" xmlns:pvml="urn:schemas-microsoft-com:office:powerpoint" xmlns:com="http://schemas.openxmlformats.org/drawingml/2006/compatibility" xmlns:p14="http://schemas.microsoft.com/office/powerpoint/2010/main" xmlns:p15="http://schemas.microsoft.com/office/powerpoint/2012/main" showMasterPhAnim="0" showMasterSp="0">
-  <p:cSld>
-    <p:spTree>
-      <p:nvGrpSpPr>
-        <p:cNvPr id="143" name="Shape 143"/>
-        <p:cNvGrpSpPr/>
-        <p:nvPr/>
-      </p:nvGrpSpPr>
-      <p:grpSpPr>
-        <a:xfrm>
-          <a:off x="0" y="0"/>
-          <a:ext cx="0" cy="0"/>
-          <a:chOff x="0" y="0"/>
-          <a:chExt cx="0" cy="0"/>
-        </a:xfrm>
-      </p:grpSpPr>
-      <p:sp>
-        <p:nvSpPr>
-          <p:cNvPr id="144" name="Google Shape;144;g6336b6ec6f_0_131:notes"/>
-          <p:cNvSpPr/>
-          <p:nvPr>
-            <p:ph idx="2" type="sldImg"/>
-          </p:nvPr>
-        </p:nvSpPr>
-        <p:spPr>
-          <a:xfrm>
-            <a:off x="381300" y="685800"/>
-            <a:ext cx="6096000" cy="3429000"/>
-          </a:xfrm>
-          <a:custGeom>
-            <a:rect b="b" l="l" r="r" t="t"/>
-            <a:pathLst>
-              <a:path extrusionOk="0" h="120000" w="120000">
-                <a:moveTo>
-                  <a:pt x="0" y="0"/>
-                </a:moveTo>
-                <a:lnTo>
-                  <a:pt x="120000" y="0"/>
-                </a:lnTo>
-                <a:lnTo>
-                  <a:pt x="120000" y="120000"/>
-                </a:lnTo>
-                <a:lnTo>
-                  <a:pt x="0" y="120000"/>
-                </a:lnTo>
-                <a:close/>
-              </a:path>
-            </a:pathLst>
-          </a:custGeom>
-        </p:spPr>
-      </p:sp>
-      <p:sp>
-        <p:nvSpPr>
-          <p:cNvPr id="145" name="Google Shape;145;g6336b6ec6f_0_131:notes"/>
-          <p:cNvSpPr txBox="1"/>
-          <p:nvPr>
-            <p:ph idx="1" type="body"/>
-          </p:nvPr>
-        </p:nvSpPr>
-        <p:spPr>
-          <a:xfrm>
-            <a:off x="685800" y="4343400"/>
-            <a:ext cx="5486400" cy="4114800"/>
-          </a:xfrm>
-          <a:prstGeom prst="rect">
-            <a:avLst/>
-          </a:prstGeom>
-        </p:spPr>
-        <p:txBody>
-          <a:bodyPr anchorCtr="0" anchor="t" bIns="91425" lIns="91425" spcFirstLastPara="1" rIns="91425" wrap="square" tIns="91425">
-            <a:noAutofit/>
-          </a:bodyPr>
-          <a:lstStyle/>
-          <a:p>
-            <a:pPr indent="0" lvl="0" marL="0" rtl="0" algn="l">
-              <a:spcBef>
-                <a:spcPts val="0"/>
-              </a:spcBef>
-              <a:spcAft>
-                <a:spcPts val="0"/>
-              </a:spcAft>
-              <a:buNone/>
-            </a:pPr>
-            <a:r>
-              <a:t/>
-            </a:r>
-            <a:endParaRPr/>
-          </a:p>
-        </p:txBody>
-      </p:sp>
-    </p:spTree>
-  </p:cSld>
-  <p:clrMapOvr>
-    <a:masterClrMapping/>
-  </p:clrMapOvr>
-</p:notes>
-</file>
-
-<file path=ppt/notesSlides/notesSlide14.xml><?xml version="1.0" encoding="utf-8"?>
-<p:notes xmlns:a="http://schemas.openxmlformats.org/drawingml/2006/main" xmlns:r="http://schemas.openxmlformats.org/officeDocument/2006/relationships" xmlns:mc="http://schemas.openxmlformats.org/markup-compatibility/2006" xmlns:mv="urn:schemas-microsoft-com:mac:vml" xmlns:p="http://schemas.openxmlformats.org/presentationml/2006/main" xmlns:c="http://schemas.openxmlformats.org/drawingml/2006/chart" xmlns:dgm="http://schemas.openxmlformats.org/drawingml/2006/diagram" xmlns:o="urn:schemas-microsoft-com:office:office" xmlns:v="urn:schemas-microsoft-com:vml" xmlns:pvml="urn:schemas-microsoft-com:office:powerpoint" xmlns:com="http://schemas.openxmlformats.org/drawingml/2006/compatibility" xmlns:p14="http://schemas.microsoft.com/office/powerpoint/2010/main" xmlns:p15="http://schemas.microsoft.com/office/powerpoint/2012/main" showMasterPhAnim="0" showMasterSp="0">
-  <p:cSld>
-    <p:spTree>
-      <p:nvGrpSpPr>
-        <p:cNvPr id="158" name="Shape 158"/>
-        <p:cNvGrpSpPr/>
-        <p:nvPr/>
-      </p:nvGrpSpPr>
-      <p:grpSpPr>
-        <a:xfrm>
-          <a:off x="0" y="0"/>
-          <a:ext cx="0" cy="0"/>
-          <a:chOff x="0" y="0"/>
-          <a:chExt cx="0" cy="0"/>
-        </a:xfrm>
-      </p:grpSpPr>
-      <p:sp>
-        <p:nvSpPr>
-          <p:cNvPr id="159" name="Google Shape;159;g6336b6ec6f_0_97:notes"/>
-          <p:cNvSpPr/>
-          <p:nvPr>
-            <p:ph idx="2" type="sldImg"/>
-          </p:nvPr>
-        </p:nvSpPr>
-        <p:spPr>
-          <a:xfrm>
-            <a:off x="381300" y="685800"/>
-            <a:ext cx="6096000" cy="3429000"/>
-          </a:xfrm>
-          <a:custGeom>
-            <a:rect b="b" l="l" r="r" t="t"/>
-            <a:pathLst>
-              <a:path extrusionOk="0" h="120000" w="120000">
-                <a:moveTo>
-                  <a:pt x="0" y="0"/>
-                </a:moveTo>
-                <a:lnTo>
-                  <a:pt x="120000" y="0"/>
-                </a:lnTo>
-                <a:lnTo>
-                  <a:pt x="120000" y="120000"/>
-                </a:lnTo>
-                <a:lnTo>
-                  <a:pt x="0" y="120000"/>
-                </a:lnTo>
-                <a:close/>
-              </a:path>
-            </a:pathLst>
-          </a:custGeom>
-        </p:spPr>
-      </p:sp>
-      <p:sp>
-        <p:nvSpPr>
-          <p:cNvPr id="160" name="Google Shape;160;g6336b6ec6f_0_97:notes"/>
-          <p:cNvSpPr txBox="1"/>
-          <p:nvPr>
-            <p:ph idx="1" type="body"/>
-          </p:nvPr>
-        </p:nvSpPr>
-        <p:spPr>
-          <a:xfrm>
-            <a:off x="685800" y="4343400"/>
-            <a:ext cx="5486400" cy="4114800"/>
-          </a:xfrm>
-          <a:prstGeom prst="rect">
-            <a:avLst/>
-          </a:prstGeom>
-        </p:spPr>
-        <p:txBody>
-          <a:bodyPr anchorCtr="0" anchor="t" bIns="91425" lIns="91425" spcFirstLastPara="1" rIns="91425" wrap="square" tIns="91425">
-            <a:noAutofit/>
-          </a:bodyPr>
-          <a:lstStyle/>
-          <a:p>
-            <a:pPr indent="0" lvl="0" marL="0" rtl="0" algn="l">
-              <a:spcBef>
-                <a:spcPts val="0"/>
-              </a:spcBef>
-              <a:spcAft>
-                <a:spcPts val="0"/>
-              </a:spcAft>
-              <a:buNone/>
-            </a:pPr>
-            <a:r>
-              <a:t/>
-            </a:r>
-            <a:endParaRPr/>
-          </a:p>
-        </p:txBody>
-      </p:sp>
-    </p:spTree>
-  </p:cSld>
-  <p:clrMapOvr>
-    <a:masterClrMapping/>
-  </p:clrMapOvr>
-</p:notes>
-</file>
-
-<file path=ppt/notesSlides/notesSlide15.xml><?xml version="1.0" encoding="utf-8"?>
-<p:notes xmlns:a="http://schemas.openxmlformats.org/drawingml/2006/main" xmlns:r="http://schemas.openxmlformats.org/officeDocument/2006/relationships" xmlns:mc="http://schemas.openxmlformats.org/markup-compatibility/2006" xmlns:mv="urn:schemas-microsoft-com:mac:vml" xmlns:p="http://schemas.openxmlformats.org/presentationml/2006/main" xmlns:c="http://schemas.openxmlformats.org/drawingml/2006/chart" xmlns:dgm="http://schemas.openxmlformats.org/drawingml/2006/diagram" xmlns:o="urn:schemas-microsoft-com:office:office" xmlns:v="urn:schemas-microsoft-com:vml" xmlns:pvml="urn:schemas-microsoft-com:office:powerpoint" xmlns:com="http://schemas.openxmlformats.org/drawingml/2006/compatibility" xmlns:p14="http://schemas.microsoft.com/office/powerpoint/2010/main" xmlns:p15="http://schemas.microsoft.com/office/powerpoint/2012/main" showMasterPhAnim="0" showMasterSp="0">
-  <p:cSld>
-    <p:spTree>
-      <p:nvGrpSpPr>
-        <p:cNvPr id="177" name="Shape 177"/>
-        <p:cNvGrpSpPr/>
-        <p:nvPr/>
-      </p:nvGrpSpPr>
-      <p:grpSpPr>
-        <a:xfrm>
-          <a:off x="0" y="0"/>
-          <a:ext cx="0" cy="0"/>
-          <a:chOff x="0" y="0"/>
-          <a:chExt cx="0" cy="0"/>
-        </a:xfrm>
-      </p:grpSpPr>
-      <p:sp>
-        <p:nvSpPr>
-          <p:cNvPr id="178" name="Google Shape;178;g6336b6ec6f_0_168:notes"/>
-          <p:cNvSpPr/>
-          <p:nvPr>
-            <p:ph idx="2" type="sldImg"/>
-          </p:nvPr>
-        </p:nvSpPr>
-        <p:spPr>
-          <a:xfrm>
-            <a:off x="381300" y="685800"/>
-            <a:ext cx="6096000" cy="3429000"/>
-          </a:xfrm>
-          <a:custGeom>
-            <a:rect b="b" l="l" r="r" t="t"/>
-            <a:pathLst>
-              <a:path extrusionOk="0" h="120000" w="120000">
-                <a:moveTo>
-                  <a:pt x="0" y="0"/>
-                </a:moveTo>
-                <a:lnTo>
-                  <a:pt x="120000" y="0"/>
-                </a:lnTo>
-                <a:lnTo>
-                  <a:pt x="120000" y="120000"/>
-                </a:lnTo>
-                <a:lnTo>
-                  <a:pt x="0" y="120000"/>
-                </a:lnTo>
-                <a:close/>
-              </a:path>
-            </a:pathLst>
-          </a:custGeom>
-        </p:spPr>
-      </p:sp>
-      <p:sp>
-        <p:nvSpPr>
-          <p:cNvPr id="179" name="Google Shape;179;g6336b6ec6f_0_168:notes"/>
-          <p:cNvSpPr txBox="1"/>
-          <p:nvPr>
-            <p:ph idx="1" type="body"/>
-          </p:nvPr>
-        </p:nvSpPr>
-        <p:spPr>
-          <a:xfrm>
-            <a:off x="685800" y="4343400"/>
-            <a:ext cx="5486400" cy="4114800"/>
-          </a:xfrm>
-          <a:prstGeom prst="rect">
-            <a:avLst/>
-          </a:prstGeom>
-        </p:spPr>
-        <p:txBody>
-          <a:bodyPr anchorCtr="0" anchor="t" bIns="91425" lIns="91425" spcFirstLastPara="1" rIns="91425" wrap="square" tIns="91425">
-            <a:noAutofit/>
-          </a:bodyPr>
-          <a:lstStyle/>
-          <a:p>
-            <a:pPr indent="0" lvl="0" marL="0" rtl="0" algn="l">
-              <a:spcBef>
-                <a:spcPts val="0"/>
-              </a:spcBef>
-              <a:spcAft>
-                <a:spcPts val="0"/>
-              </a:spcAft>
-              <a:buNone/>
-            </a:pPr>
-            <a:r>
-              <a:t/>
-            </a:r>
-            <a:endParaRPr/>
-          </a:p>
-        </p:txBody>
-      </p:sp>
-    </p:spTree>
-  </p:cSld>
-  <p:clrMapOvr>
-    <a:masterClrMapping/>
-  </p:clrMapOvr>
-</p:notes>
-</file>
-
-<file path=ppt/notesSlides/notesSlide16.xml><?xml version="1.0" encoding="utf-8"?>
-<p:notes xmlns:a="http://schemas.openxmlformats.org/drawingml/2006/main" xmlns:r="http://schemas.openxmlformats.org/officeDocument/2006/relationships" xmlns:mc="http://schemas.openxmlformats.org/markup-compatibility/2006" xmlns:mv="urn:schemas-microsoft-com:mac:vml" xmlns:p="http://schemas.openxmlformats.org/presentationml/2006/main" xmlns:c="http://schemas.openxmlformats.org/drawingml/2006/chart" xmlns:dgm="http://schemas.openxmlformats.org/drawingml/2006/diagram" xmlns:o="urn:schemas-microsoft-com:office:office" xmlns:v="urn:schemas-microsoft-com:vml" xmlns:pvml="urn:schemas-microsoft-com:office:powerpoint" xmlns:com="http://schemas.openxmlformats.org/drawingml/2006/compatibility" xmlns:p14="http://schemas.microsoft.com/office/powerpoint/2010/main" xmlns:p15="http://schemas.microsoft.com/office/powerpoint/2012/main" showMasterPhAnim="0" showMasterSp="0">
-  <p:cSld>
-    <p:spTree>
-      <p:nvGrpSpPr>
-        <p:cNvPr id="195" name="Shape 195"/>
-        <p:cNvGrpSpPr/>
-        <p:nvPr/>
-      </p:nvGrpSpPr>
-      <p:grpSpPr>
-        <a:xfrm>
-          <a:off x="0" y="0"/>
-          <a:ext cx="0" cy="0"/>
-          <a:chOff x="0" y="0"/>
-          <a:chExt cx="0" cy="0"/>
-        </a:xfrm>
-      </p:grpSpPr>
-      <p:sp>
-        <p:nvSpPr>
-          <p:cNvPr id="196" name="Google Shape;196;g6336b6ec6f_0_192:notes"/>
-          <p:cNvSpPr/>
-          <p:nvPr>
-            <p:ph idx="2" type="sldImg"/>
-          </p:nvPr>
-        </p:nvSpPr>
-        <p:spPr>
-          <a:xfrm>
-            <a:off x="381300" y="685800"/>
-            <a:ext cx="6096000" cy="3429000"/>
-          </a:xfrm>
-          <a:custGeom>
-            <a:rect b="b" l="l" r="r" t="t"/>
-            <a:pathLst>
-              <a:path extrusionOk="0" h="120000" w="120000">
-                <a:moveTo>
-                  <a:pt x="0" y="0"/>
-                </a:moveTo>
-                <a:lnTo>
-                  <a:pt x="120000" y="0"/>
-                </a:lnTo>
-                <a:lnTo>
-                  <a:pt x="120000" y="120000"/>
-                </a:lnTo>
-                <a:lnTo>
-                  <a:pt x="0" y="120000"/>
-                </a:lnTo>
-                <a:close/>
-              </a:path>
-            </a:pathLst>
-          </a:custGeom>
-        </p:spPr>
-      </p:sp>
-      <p:sp>
-        <p:nvSpPr>
-          <p:cNvPr id="197" name="Google Shape;197;g6336b6ec6f_0_192:notes"/>
-          <p:cNvSpPr txBox="1"/>
-          <p:nvPr>
-            <p:ph idx="1" type="body"/>
-          </p:nvPr>
-        </p:nvSpPr>
-        <p:spPr>
-          <a:xfrm>
-            <a:off x="685800" y="4343400"/>
-            <a:ext cx="5486400" cy="4114800"/>
-          </a:xfrm>
-          <a:prstGeom prst="rect">
-            <a:avLst/>
-          </a:prstGeom>
-        </p:spPr>
-        <p:txBody>
-          <a:bodyPr anchorCtr="0" anchor="t" bIns="91425" lIns="91425" spcFirstLastPara="1" rIns="91425" wrap="square" tIns="91425">
-            <a:noAutofit/>
-          </a:bodyPr>
-          <a:lstStyle/>
-          <a:p>
-            <a:pPr indent="0" lvl="0" marL="0" rtl="0" algn="l">
-              <a:spcBef>
-                <a:spcPts val="0"/>
-              </a:spcBef>
-              <a:spcAft>
-                <a:spcPts val="0"/>
-              </a:spcAft>
-              <a:buNone/>
-            </a:pPr>
-            <a:r>
-              <a:t/>
-            </a:r>
-            <a:endParaRPr/>
-          </a:p>
-        </p:txBody>
-      </p:sp>
-    </p:spTree>
-  </p:cSld>
-  <p:clrMapOvr>
-    <a:masterClrMapping/>
-  </p:clrMapOvr>
-</p:notes>
-</file>
-
 <file path=ppt/notesSlides/notesSlide2.xml><?xml version="1.0" encoding="utf-8"?>
 <p:notes xmlns:a="http://schemas.openxmlformats.org/drawingml/2006/main" xmlns:r="http://schemas.openxmlformats.org/officeDocument/2006/relationships" xmlns:mc="http://schemas.openxmlformats.org/markup-compatibility/2006" xmlns:mv="urn:schemas-microsoft-com:mac:vml" xmlns:p="http://schemas.openxmlformats.org/presentationml/2006/main" xmlns:c="http://schemas.openxmlformats.org/drawingml/2006/chart" xmlns:dgm="http://schemas.openxmlformats.org/drawingml/2006/diagram" xmlns:o="urn:schemas-microsoft-com:office:office" xmlns:v="urn:schemas-microsoft-com:vml" xmlns:pvml="urn:schemas-microsoft-com:office:powerpoint" xmlns:com="http://schemas.openxmlformats.org/drawingml/2006/compatibility" xmlns:p14="http://schemas.microsoft.com/office/powerpoint/2010/main" xmlns:p15="http://schemas.microsoft.com/office/powerpoint/2012/main" showMasterPhAnim="0" showMasterSp="0">
   <p:cSld>
@@ -1845,402 +1141,6 @@
       <p:sp>
         <p:nvSpPr>
           <p:cNvPr id="72" name="Google Shape;72;g6336b6ec6f_0_5:notes"/>
-          <p:cNvSpPr txBox="1"/>
-          <p:nvPr>
-            <p:ph idx="1" type="body"/>
-          </p:nvPr>
-        </p:nvSpPr>
-        <p:spPr>
-          <a:xfrm>
-            <a:off x="685800" y="4343400"/>
-            <a:ext cx="5486400" cy="4114800"/>
-          </a:xfrm>
-          <a:prstGeom prst="rect">
-            <a:avLst/>
-          </a:prstGeom>
-        </p:spPr>
-        <p:txBody>
-          <a:bodyPr anchorCtr="0" anchor="t" bIns="91425" lIns="91425" spcFirstLastPara="1" rIns="91425" wrap="square" tIns="91425">
-            <a:noAutofit/>
-          </a:bodyPr>
-          <a:lstStyle/>
-          <a:p>
-            <a:pPr indent="0" lvl="0" marL="0" rtl="0" algn="l">
-              <a:spcBef>
-                <a:spcPts val="0"/>
-              </a:spcBef>
-              <a:spcAft>
-                <a:spcPts val="0"/>
-              </a:spcAft>
-              <a:buNone/>
-            </a:pPr>
-            <a:r>
-              <a:t/>
-            </a:r>
-            <a:endParaRPr/>
-          </a:p>
-        </p:txBody>
-      </p:sp>
-    </p:spTree>
-  </p:cSld>
-  <p:clrMapOvr>
-    <a:masterClrMapping/>
-  </p:clrMapOvr>
-</p:notes>
-</file>
-
-<file path=ppt/notesSlides/notesSlide6.xml><?xml version="1.0" encoding="utf-8"?>
-<p:notes xmlns:a="http://schemas.openxmlformats.org/drawingml/2006/main" xmlns:r="http://schemas.openxmlformats.org/officeDocument/2006/relationships" xmlns:mc="http://schemas.openxmlformats.org/markup-compatibility/2006" xmlns:mv="urn:schemas-microsoft-com:mac:vml" xmlns:p="http://schemas.openxmlformats.org/presentationml/2006/main" xmlns:c="http://schemas.openxmlformats.org/drawingml/2006/chart" xmlns:dgm="http://schemas.openxmlformats.org/drawingml/2006/diagram" xmlns:o="urn:schemas-microsoft-com:office:office" xmlns:v="urn:schemas-microsoft-com:vml" xmlns:pvml="urn:schemas-microsoft-com:office:powerpoint" xmlns:com="http://schemas.openxmlformats.org/drawingml/2006/compatibility" xmlns:p14="http://schemas.microsoft.com/office/powerpoint/2010/main" xmlns:p15="http://schemas.microsoft.com/office/powerpoint/2012/main" showMasterPhAnim="0" showMasterSp="0">
-  <p:cSld>
-    <p:spTree>
-      <p:nvGrpSpPr>
-        <p:cNvPr id="75" name="Shape 75"/>
-        <p:cNvGrpSpPr/>
-        <p:nvPr/>
-      </p:nvGrpSpPr>
-      <p:grpSpPr>
-        <a:xfrm>
-          <a:off x="0" y="0"/>
-          <a:ext cx="0" cy="0"/>
-          <a:chOff x="0" y="0"/>
-          <a:chExt cx="0" cy="0"/>
-        </a:xfrm>
-      </p:grpSpPr>
-      <p:sp>
-        <p:nvSpPr>
-          <p:cNvPr id="76" name="Google Shape;76;p:notes"/>
-          <p:cNvSpPr/>
-          <p:nvPr>
-            <p:ph idx="2" type="sldImg"/>
-          </p:nvPr>
-        </p:nvSpPr>
-        <p:spPr>
-          <a:xfrm>
-            <a:off x="381300" y="685800"/>
-            <a:ext cx="6096075" cy="3429000"/>
-          </a:xfrm>
-          <a:custGeom>
-            <a:rect b="b" l="l" r="r" t="t"/>
-            <a:pathLst>
-              <a:path extrusionOk="0" h="120000" w="120000">
-                <a:moveTo>
-                  <a:pt x="0" y="0"/>
-                </a:moveTo>
-                <a:lnTo>
-                  <a:pt x="120000" y="0"/>
-                </a:lnTo>
-                <a:lnTo>
-                  <a:pt x="120000" y="120000"/>
-                </a:lnTo>
-                <a:lnTo>
-                  <a:pt x="0" y="120000"/>
-                </a:lnTo>
-                <a:close/>
-              </a:path>
-            </a:pathLst>
-          </a:custGeom>
-        </p:spPr>
-      </p:sp>
-      <p:sp>
-        <p:nvSpPr>
-          <p:cNvPr id="77" name="Google Shape;77;p:notes"/>
-          <p:cNvSpPr txBox="1"/>
-          <p:nvPr>
-            <p:ph idx="1" type="body"/>
-          </p:nvPr>
-        </p:nvSpPr>
-        <p:spPr>
-          <a:xfrm>
-            <a:off x="685800" y="4343400"/>
-            <a:ext cx="5486400" cy="4114800"/>
-          </a:xfrm>
-          <a:prstGeom prst="rect">
-            <a:avLst/>
-          </a:prstGeom>
-        </p:spPr>
-        <p:txBody>
-          <a:bodyPr anchorCtr="0" anchor="t" bIns="91425" lIns="91425" spcFirstLastPara="1" rIns="91425" wrap="square" tIns="91425">
-            <a:noAutofit/>
-          </a:bodyPr>
-          <a:lstStyle/>
-          <a:p>
-            <a:pPr indent="0" lvl="0" marL="0" rtl="0" algn="l">
-              <a:spcBef>
-                <a:spcPts val="0"/>
-              </a:spcBef>
-              <a:spcAft>
-                <a:spcPts val="0"/>
-              </a:spcAft>
-              <a:buNone/>
-            </a:pPr>
-            <a:r>
-              <a:t/>
-            </a:r>
-            <a:endParaRPr/>
-          </a:p>
-        </p:txBody>
-      </p:sp>
-    </p:spTree>
-  </p:cSld>
-  <p:clrMapOvr>
-    <a:masterClrMapping/>
-  </p:clrMapOvr>
-</p:notes>
-</file>
-
-<file path=ppt/notesSlides/notesSlide7.xml><?xml version="1.0" encoding="utf-8"?>
-<p:notes xmlns:a="http://schemas.openxmlformats.org/drawingml/2006/main" xmlns:r="http://schemas.openxmlformats.org/officeDocument/2006/relationships" xmlns:mc="http://schemas.openxmlformats.org/markup-compatibility/2006" xmlns:mv="urn:schemas-microsoft-com:mac:vml" xmlns:p="http://schemas.openxmlformats.org/presentationml/2006/main" xmlns:c="http://schemas.openxmlformats.org/drawingml/2006/chart" xmlns:dgm="http://schemas.openxmlformats.org/drawingml/2006/diagram" xmlns:o="urn:schemas-microsoft-com:office:office" xmlns:v="urn:schemas-microsoft-com:vml" xmlns:pvml="urn:schemas-microsoft-com:office:powerpoint" xmlns:com="http://schemas.openxmlformats.org/drawingml/2006/compatibility" xmlns:p14="http://schemas.microsoft.com/office/powerpoint/2010/main" xmlns:p15="http://schemas.microsoft.com/office/powerpoint/2012/main" showMasterPhAnim="0" showMasterSp="0">
-  <p:cSld>
-    <p:spTree>
-      <p:nvGrpSpPr>
-        <p:cNvPr id="82" name="Shape 82"/>
-        <p:cNvGrpSpPr/>
-        <p:nvPr/>
-      </p:nvGrpSpPr>
-      <p:grpSpPr>
-        <a:xfrm>
-          <a:off x="0" y="0"/>
-          <a:ext cx="0" cy="0"/>
-          <a:chOff x="0" y="0"/>
-          <a:chExt cx="0" cy="0"/>
-        </a:xfrm>
-      </p:grpSpPr>
-      <p:sp>
-        <p:nvSpPr>
-          <p:cNvPr id="83" name="Google Shape;83;g6336b6ec6f_0_51:notes"/>
-          <p:cNvSpPr/>
-          <p:nvPr>
-            <p:ph idx="2" type="sldImg"/>
-          </p:nvPr>
-        </p:nvSpPr>
-        <p:spPr>
-          <a:xfrm>
-            <a:off x="381300" y="685800"/>
-            <a:ext cx="6096000" cy="3429000"/>
-          </a:xfrm>
-          <a:custGeom>
-            <a:rect b="b" l="l" r="r" t="t"/>
-            <a:pathLst>
-              <a:path extrusionOk="0" h="120000" w="120000">
-                <a:moveTo>
-                  <a:pt x="0" y="0"/>
-                </a:moveTo>
-                <a:lnTo>
-                  <a:pt x="120000" y="0"/>
-                </a:lnTo>
-                <a:lnTo>
-                  <a:pt x="120000" y="120000"/>
-                </a:lnTo>
-                <a:lnTo>
-                  <a:pt x="0" y="120000"/>
-                </a:lnTo>
-                <a:close/>
-              </a:path>
-            </a:pathLst>
-          </a:custGeom>
-        </p:spPr>
-      </p:sp>
-      <p:sp>
-        <p:nvSpPr>
-          <p:cNvPr id="84" name="Google Shape;84;g6336b6ec6f_0_51:notes"/>
-          <p:cNvSpPr txBox="1"/>
-          <p:nvPr>
-            <p:ph idx="1" type="body"/>
-          </p:nvPr>
-        </p:nvSpPr>
-        <p:spPr>
-          <a:xfrm>
-            <a:off x="685800" y="4343400"/>
-            <a:ext cx="5486400" cy="4114800"/>
-          </a:xfrm>
-          <a:prstGeom prst="rect">
-            <a:avLst/>
-          </a:prstGeom>
-        </p:spPr>
-        <p:txBody>
-          <a:bodyPr anchorCtr="0" anchor="t" bIns="91425" lIns="91425" spcFirstLastPara="1" rIns="91425" wrap="square" tIns="91425">
-            <a:noAutofit/>
-          </a:bodyPr>
-          <a:lstStyle/>
-          <a:p>
-            <a:pPr indent="0" lvl="0" marL="0" rtl="0" algn="l">
-              <a:spcBef>
-                <a:spcPts val="0"/>
-              </a:spcBef>
-              <a:spcAft>
-                <a:spcPts val="0"/>
-              </a:spcAft>
-              <a:buNone/>
-            </a:pPr>
-            <a:r>
-              <a:t/>
-            </a:r>
-            <a:endParaRPr/>
-          </a:p>
-        </p:txBody>
-      </p:sp>
-    </p:spTree>
-  </p:cSld>
-  <p:clrMapOvr>
-    <a:masterClrMapping/>
-  </p:clrMapOvr>
-</p:notes>
-</file>
-
-<file path=ppt/notesSlides/notesSlide8.xml><?xml version="1.0" encoding="utf-8"?>
-<p:notes xmlns:a="http://schemas.openxmlformats.org/drawingml/2006/main" xmlns:r="http://schemas.openxmlformats.org/officeDocument/2006/relationships" xmlns:mc="http://schemas.openxmlformats.org/markup-compatibility/2006" xmlns:mv="urn:schemas-microsoft-com:mac:vml" xmlns:p="http://schemas.openxmlformats.org/presentationml/2006/main" xmlns:c="http://schemas.openxmlformats.org/drawingml/2006/chart" xmlns:dgm="http://schemas.openxmlformats.org/drawingml/2006/diagram" xmlns:o="urn:schemas-microsoft-com:office:office" xmlns:v="urn:schemas-microsoft-com:vml" xmlns:pvml="urn:schemas-microsoft-com:office:powerpoint" xmlns:com="http://schemas.openxmlformats.org/drawingml/2006/compatibility" xmlns:p14="http://schemas.microsoft.com/office/powerpoint/2010/main" xmlns:p15="http://schemas.microsoft.com/office/powerpoint/2012/main" showMasterPhAnim="0" showMasterSp="0">
-  <p:cSld>
-    <p:spTree>
-      <p:nvGrpSpPr>
-        <p:cNvPr id="92" name="Shape 92"/>
-        <p:cNvGrpSpPr/>
-        <p:nvPr/>
-      </p:nvGrpSpPr>
-      <p:grpSpPr>
-        <a:xfrm>
-          <a:off x="0" y="0"/>
-          <a:ext cx="0" cy="0"/>
-          <a:chOff x="0" y="0"/>
-          <a:chExt cx="0" cy="0"/>
-        </a:xfrm>
-      </p:grpSpPr>
-      <p:sp>
-        <p:nvSpPr>
-          <p:cNvPr id="93" name="Google Shape;93;g6336b6ec6f_0_39:notes"/>
-          <p:cNvSpPr/>
-          <p:nvPr>
-            <p:ph idx="2" type="sldImg"/>
-          </p:nvPr>
-        </p:nvSpPr>
-        <p:spPr>
-          <a:xfrm>
-            <a:off x="381300" y="685800"/>
-            <a:ext cx="6096000" cy="3429000"/>
-          </a:xfrm>
-          <a:custGeom>
-            <a:rect b="b" l="l" r="r" t="t"/>
-            <a:pathLst>
-              <a:path extrusionOk="0" h="120000" w="120000">
-                <a:moveTo>
-                  <a:pt x="0" y="0"/>
-                </a:moveTo>
-                <a:lnTo>
-                  <a:pt x="120000" y="0"/>
-                </a:lnTo>
-                <a:lnTo>
-                  <a:pt x="120000" y="120000"/>
-                </a:lnTo>
-                <a:lnTo>
-                  <a:pt x="0" y="120000"/>
-                </a:lnTo>
-                <a:close/>
-              </a:path>
-            </a:pathLst>
-          </a:custGeom>
-        </p:spPr>
-      </p:sp>
-      <p:sp>
-        <p:nvSpPr>
-          <p:cNvPr id="94" name="Google Shape;94;g6336b6ec6f_0_39:notes"/>
-          <p:cNvSpPr txBox="1"/>
-          <p:nvPr>
-            <p:ph idx="1" type="body"/>
-          </p:nvPr>
-        </p:nvSpPr>
-        <p:spPr>
-          <a:xfrm>
-            <a:off x="685800" y="4343400"/>
-            <a:ext cx="5486400" cy="4114800"/>
-          </a:xfrm>
-          <a:prstGeom prst="rect">
-            <a:avLst/>
-          </a:prstGeom>
-        </p:spPr>
-        <p:txBody>
-          <a:bodyPr anchorCtr="0" anchor="t" bIns="91425" lIns="91425" spcFirstLastPara="1" rIns="91425" wrap="square" tIns="91425">
-            <a:noAutofit/>
-          </a:bodyPr>
-          <a:lstStyle/>
-          <a:p>
-            <a:pPr indent="0" lvl="0" marL="0" rtl="0" algn="l">
-              <a:spcBef>
-                <a:spcPts val="0"/>
-              </a:spcBef>
-              <a:spcAft>
-                <a:spcPts val="0"/>
-              </a:spcAft>
-              <a:buNone/>
-            </a:pPr>
-            <a:r>
-              <a:t/>
-            </a:r>
-            <a:endParaRPr/>
-          </a:p>
-        </p:txBody>
-      </p:sp>
-    </p:spTree>
-  </p:cSld>
-  <p:clrMapOvr>
-    <a:masterClrMapping/>
-  </p:clrMapOvr>
-</p:notes>
-</file>
-
-<file path=ppt/notesSlides/notesSlide9.xml><?xml version="1.0" encoding="utf-8"?>
-<p:notes xmlns:a="http://schemas.openxmlformats.org/drawingml/2006/main" xmlns:r="http://schemas.openxmlformats.org/officeDocument/2006/relationships" xmlns:mc="http://schemas.openxmlformats.org/markup-compatibility/2006" xmlns:mv="urn:schemas-microsoft-com:mac:vml" xmlns:p="http://schemas.openxmlformats.org/presentationml/2006/main" xmlns:c="http://schemas.openxmlformats.org/drawingml/2006/chart" xmlns:dgm="http://schemas.openxmlformats.org/drawingml/2006/diagram" xmlns:o="urn:schemas-microsoft-com:office:office" xmlns:v="urn:schemas-microsoft-com:vml" xmlns:pvml="urn:schemas-microsoft-com:office:powerpoint" xmlns:com="http://schemas.openxmlformats.org/drawingml/2006/compatibility" xmlns:p14="http://schemas.microsoft.com/office/powerpoint/2010/main" xmlns:p15="http://schemas.microsoft.com/office/powerpoint/2012/main" showMasterPhAnim="0" showMasterSp="0">
-  <p:cSld>
-    <p:spTree>
-      <p:nvGrpSpPr>
-        <p:cNvPr id="105" name="Shape 105"/>
-        <p:cNvGrpSpPr/>
-        <p:nvPr/>
-      </p:nvGrpSpPr>
-      <p:grpSpPr>
-        <a:xfrm>
-          <a:off x="0" y="0"/>
-          <a:ext cx="0" cy="0"/>
-          <a:chOff x="0" y="0"/>
-          <a:chExt cx="0" cy="0"/>
-        </a:xfrm>
-      </p:grpSpPr>
-      <p:sp>
-        <p:nvSpPr>
-          <p:cNvPr id="106" name="Google Shape;106;g6336b6ec6f_0_154:notes"/>
-          <p:cNvSpPr/>
-          <p:nvPr>
-            <p:ph idx="2" type="sldImg"/>
-          </p:nvPr>
-        </p:nvSpPr>
-        <p:spPr>
-          <a:xfrm>
-            <a:off x="381300" y="685800"/>
-            <a:ext cx="6096000" cy="3429000"/>
-          </a:xfrm>
-          <a:custGeom>
-            <a:rect b="b" l="l" r="r" t="t"/>
-            <a:pathLst>
-              <a:path extrusionOk="0" h="120000" w="120000">
-                <a:moveTo>
-                  <a:pt x="0" y="0"/>
-                </a:moveTo>
-                <a:lnTo>
-                  <a:pt x="120000" y="0"/>
-                </a:lnTo>
-                <a:lnTo>
-                  <a:pt x="120000" y="120000"/>
-                </a:lnTo>
-                <a:lnTo>
-                  <a:pt x="0" y="120000"/>
-                </a:lnTo>
-                <a:close/>
-              </a:path>
-            </a:pathLst>
-          </a:custGeom>
-        </p:spPr>
-      </p:sp>
-      <p:sp>
-        <p:nvSpPr>
-          <p:cNvPr id="107" name="Google Shape;107;g6336b6ec6f_0_154:notes"/>
           <p:cNvSpPr txBox="1"/>
           <p:nvPr>
             <p:ph idx="1" type="body"/>
@@ -6987,3211 +5887,6 @@
 </p:sld>
 </file>
 
-<file path=ppt/slides/slide10.xml><?xml version="1.0" encoding="utf-8"?>
-<p:sld xmlns:a="http://schemas.openxmlformats.org/drawingml/2006/main" xmlns:r="http://schemas.openxmlformats.org/officeDocument/2006/relationships" xmlns:mc="http://schemas.openxmlformats.org/markup-compatibility/2006" xmlns:mv="urn:schemas-microsoft-com:mac:vml" xmlns:p="http://schemas.openxmlformats.org/presentationml/2006/main" xmlns:c="http://schemas.openxmlformats.org/drawingml/2006/chart" xmlns:dgm="http://schemas.openxmlformats.org/drawingml/2006/diagram" xmlns:o="urn:schemas-microsoft-com:office:office" xmlns:v="urn:schemas-microsoft-com:vml" xmlns:pvml="urn:schemas-microsoft-com:office:powerpoint" xmlns:com="http://schemas.openxmlformats.org/drawingml/2006/compatibility" xmlns:p14="http://schemas.microsoft.com/office/powerpoint/2010/main" xmlns:p15="http://schemas.microsoft.com/office/powerpoint/2012/main">
-  <p:cSld>
-    <p:spTree>
-      <p:nvGrpSpPr>
-        <p:cNvPr id="116" name="Shape 116"/>
-        <p:cNvGrpSpPr/>
-        <p:nvPr/>
-      </p:nvGrpSpPr>
-      <p:grpSpPr>
-        <a:xfrm>
-          <a:off x="0" y="0"/>
-          <a:ext cx="0" cy="0"/>
-          <a:chOff x="0" y="0"/>
-          <a:chExt cx="0" cy="0"/>
-        </a:xfrm>
-      </p:grpSpPr>
-      <p:sp>
-        <p:nvSpPr>
-          <p:cNvPr id="117" name="Google Shape;117;p22"/>
-          <p:cNvSpPr/>
-          <p:nvPr/>
-        </p:nvSpPr>
-        <p:spPr>
-          <a:xfrm>
-            <a:off x="2852450" y="914400"/>
-            <a:ext cx="183000" cy="182100"/>
-          </a:xfrm>
-          <a:prstGeom prst="ellipse">
-            <a:avLst/>
-          </a:prstGeom>
-          <a:solidFill>
-            <a:schemeClr val="lt2"/>
-          </a:solidFill>
-          <a:ln cap="flat" cmpd="sng" w="9525">
-            <a:solidFill>
-              <a:schemeClr val="dk2"/>
-            </a:solidFill>
-            <a:prstDash val="solid"/>
-            <a:round/>
-            <a:headEnd len="sm" w="sm" type="none"/>
-            <a:tailEnd len="sm" w="sm" type="none"/>
-          </a:ln>
-        </p:spPr>
-        <p:txBody>
-          <a:bodyPr anchorCtr="0" anchor="ctr" bIns="91425" lIns="91425" spcFirstLastPara="1" rIns="91425" wrap="square" tIns="91425">
-            <a:noAutofit/>
-          </a:bodyPr>
-          <a:lstStyle/>
-          <a:p>
-            <a:pPr indent="0" lvl="0" marL="0" rtl="0" algn="l">
-              <a:spcBef>
-                <a:spcPts val="0"/>
-              </a:spcBef>
-              <a:spcAft>
-                <a:spcPts val="0"/>
-              </a:spcAft>
-              <a:buNone/>
-            </a:pPr>
-            <a:r>
-              <a:t/>
-            </a:r>
-            <a:endParaRPr/>
-          </a:p>
-        </p:txBody>
-      </p:sp>
-      <p:sp>
-        <p:nvSpPr>
-          <p:cNvPr id="118" name="Google Shape;118;p22"/>
-          <p:cNvSpPr txBox="1"/>
-          <p:nvPr/>
-        </p:nvSpPr>
-        <p:spPr>
-          <a:xfrm>
-            <a:off x="3568700" y="868350"/>
-            <a:ext cx="1097400" cy="274200"/>
-          </a:xfrm>
-          <a:prstGeom prst="rect">
-            <a:avLst/>
-          </a:prstGeom>
-          <a:noFill/>
-          <a:ln>
-            <a:noFill/>
-          </a:ln>
-        </p:spPr>
-        <p:txBody>
-          <a:bodyPr anchorCtr="0" anchor="t" bIns="0" lIns="0" spcFirstLastPara="1" rIns="0" wrap="square" tIns="0">
-            <a:noAutofit/>
-          </a:bodyPr>
-          <a:lstStyle/>
-          <a:p>
-            <a:pPr indent="0" lvl="0" marL="0" rtl="0" algn="l">
-              <a:spcBef>
-                <a:spcPts val="0"/>
-              </a:spcBef>
-              <a:spcAft>
-                <a:spcPts val="0"/>
-              </a:spcAft>
-              <a:buNone/>
-            </a:pPr>
-            <a:r>
-              <a:rPr lang="en"/>
-              <a:t>Initial commit</a:t>
-            </a:r>
-            <a:endParaRPr/>
-          </a:p>
-        </p:txBody>
-      </p:sp>
-      <p:sp>
-        <p:nvSpPr>
-          <p:cNvPr id="119" name="Google Shape;119;p22"/>
-          <p:cNvSpPr txBox="1"/>
-          <p:nvPr/>
-        </p:nvSpPr>
-        <p:spPr>
-          <a:xfrm>
-            <a:off x="2201350" y="914400"/>
-            <a:ext cx="479700" cy="182100"/>
-          </a:xfrm>
-          <a:prstGeom prst="rect">
-            <a:avLst/>
-          </a:prstGeom>
-          <a:solidFill>
-            <a:srgbClr val="DD7E6B"/>
-          </a:solidFill>
-          <a:ln>
-            <a:noFill/>
-          </a:ln>
-        </p:spPr>
-        <p:txBody>
-          <a:bodyPr anchorCtr="0" anchor="t" bIns="0" lIns="0" spcFirstLastPara="1" rIns="0" wrap="square" tIns="0">
-            <a:noAutofit/>
-          </a:bodyPr>
-          <a:lstStyle/>
-          <a:p>
-            <a:pPr indent="0" lvl="0" marL="0" rtl="0" algn="ctr">
-              <a:spcBef>
-                <a:spcPts val="0"/>
-              </a:spcBef>
-              <a:spcAft>
-                <a:spcPts val="0"/>
-              </a:spcAft>
-              <a:buNone/>
-            </a:pPr>
-            <a:r>
-              <a:rPr b="1" lang="en" sz="900"/>
-              <a:t>master</a:t>
-            </a:r>
-            <a:endParaRPr b="1" sz="900"/>
-          </a:p>
-        </p:txBody>
-      </p:sp>
-      <p:sp>
-        <p:nvSpPr>
-          <p:cNvPr id="120" name="Google Shape;120;p22"/>
-          <p:cNvSpPr txBox="1"/>
-          <p:nvPr/>
-        </p:nvSpPr>
-        <p:spPr>
-          <a:xfrm>
-            <a:off x="1667950" y="914400"/>
-            <a:ext cx="479700" cy="182100"/>
-          </a:xfrm>
-          <a:prstGeom prst="rect">
-            <a:avLst/>
-          </a:prstGeom>
-          <a:solidFill>
-            <a:srgbClr val="3D85C6"/>
-          </a:solidFill>
-          <a:ln>
-            <a:noFill/>
-          </a:ln>
-        </p:spPr>
-        <p:txBody>
-          <a:bodyPr anchorCtr="0" anchor="t" bIns="0" lIns="0" spcFirstLastPara="1" rIns="0" wrap="square" tIns="0">
-            <a:noAutofit/>
-          </a:bodyPr>
-          <a:lstStyle/>
-          <a:p>
-            <a:pPr indent="0" lvl="0" marL="0" rtl="0" algn="ctr">
-              <a:spcBef>
-                <a:spcPts val="0"/>
-              </a:spcBef>
-              <a:spcAft>
-                <a:spcPts val="0"/>
-              </a:spcAft>
-              <a:buNone/>
-            </a:pPr>
-            <a:r>
-              <a:rPr lang="en" sz="900"/>
-              <a:t>develop</a:t>
-            </a:r>
-            <a:endParaRPr sz="900"/>
-          </a:p>
-        </p:txBody>
-      </p:sp>
-      <p:sp>
-        <p:nvSpPr>
-          <p:cNvPr id="121" name="Google Shape;121;p22"/>
-          <p:cNvSpPr txBox="1"/>
-          <p:nvPr/>
-        </p:nvSpPr>
-        <p:spPr>
-          <a:xfrm>
-            <a:off x="0" y="0"/>
-            <a:ext cx="9144000" cy="474000"/>
-          </a:xfrm>
-          <a:prstGeom prst="rect">
-            <a:avLst/>
-          </a:prstGeom>
-          <a:solidFill>
-            <a:srgbClr val="D9D9D9"/>
-          </a:solidFill>
-          <a:ln>
-            <a:noFill/>
-          </a:ln>
-        </p:spPr>
-        <p:txBody>
-          <a:bodyPr anchorCtr="0" anchor="t" bIns="91425" lIns="91425" spcFirstLastPara="1" rIns="91425" wrap="square" tIns="137150">
-            <a:noAutofit/>
-          </a:bodyPr>
-          <a:lstStyle/>
-          <a:p>
-            <a:pPr indent="0" lvl="0" marL="0" rtl="0" algn="ctr">
-              <a:spcBef>
-                <a:spcPts val="0"/>
-              </a:spcBef>
-              <a:spcAft>
-                <a:spcPts val="0"/>
-              </a:spcAft>
-              <a:buNone/>
-            </a:pPr>
-            <a:r>
-              <a:rPr lang="en"/>
-              <a:t>MERGE</a:t>
-            </a:r>
-            <a:endParaRPr/>
-          </a:p>
-        </p:txBody>
-      </p:sp>
-    </p:spTree>
-  </p:cSld>
-  <p:clrMapOvr>
-    <a:masterClrMapping/>
-  </p:clrMapOvr>
-</p:sld>
-</file>
-
-<file path=ppt/slides/slide11.xml><?xml version="1.0" encoding="utf-8"?>
-<p:sld xmlns:a="http://schemas.openxmlformats.org/drawingml/2006/main" xmlns:r="http://schemas.openxmlformats.org/officeDocument/2006/relationships" xmlns:mc="http://schemas.openxmlformats.org/markup-compatibility/2006" xmlns:mv="urn:schemas-microsoft-com:mac:vml" xmlns:p="http://schemas.openxmlformats.org/presentationml/2006/main" xmlns:c="http://schemas.openxmlformats.org/drawingml/2006/chart" xmlns:dgm="http://schemas.openxmlformats.org/drawingml/2006/diagram" xmlns:o="urn:schemas-microsoft-com:office:office" xmlns:v="urn:schemas-microsoft-com:vml" xmlns:pvml="urn:schemas-microsoft-com:office:powerpoint" xmlns:com="http://schemas.openxmlformats.org/drawingml/2006/compatibility" xmlns:p14="http://schemas.microsoft.com/office/powerpoint/2010/main" xmlns:p15="http://schemas.microsoft.com/office/powerpoint/2012/main">
-  <p:cSld>
-    <p:spTree>
-      <p:nvGrpSpPr>
-        <p:cNvPr id="125" name="Shape 125"/>
-        <p:cNvGrpSpPr/>
-        <p:nvPr/>
-      </p:nvGrpSpPr>
-      <p:grpSpPr>
-        <a:xfrm>
-          <a:off x="0" y="0"/>
-          <a:ext cx="0" cy="0"/>
-          <a:chOff x="0" y="0"/>
-          <a:chExt cx="0" cy="0"/>
-        </a:xfrm>
-      </p:grpSpPr>
-      <p:sp>
-        <p:nvSpPr>
-          <p:cNvPr id="126" name="Google Shape;126;p23"/>
-          <p:cNvSpPr/>
-          <p:nvPr/>
-        </p:nvSpPr>
-        <p:spPr>
-          <a:xfrm>
-            <a:off x="2852450" y="914400"/>
-            <a:ext cx="183000" cy="182100"/>
-          </a:xfrm>
-          <a:prstGeom prst="ellipse">
-            <a:avLst/>
-          </a:prstGeom>
-          <a:solidFill>
-            <a:schemeClr val="lt2"/>
-          </a:solidFill>
-          <a:ln cap="flat" cmpd="sng" w="9525">
-            <a:solidFill>
-              <a:schemeClr val="dk2"/>
-            </a:solidFill>
-            <a:prstDash val="solid"/>
-            <a:round/>
-            <a:headEnd len="sm" w="sm" type="none"/>
-            <a:tailEnd len="sm" w="sm" type="none"/>
-          </a:ln>
-        </p:spPr>
-        <p:txBody>
-          <a:bodyPr anchorCtr="0" anchor="ctr" bIns="91425" lIns="91425" spcFirstLastPara="1" rIns="91425" wrap="square" tIns="91425">
-            <a:noAutofit/>
-          </a:bodyPr>
-          <a:lstStyle/>
-          <a:p>
-            <a:pPr indent="0" lvl="0" marL="0" rtl="0" algn="l">
-              <a:spcBef>
-                <a:spcPts val="0"/>
-              </a:spcBef>
-              <a:spcAft>
-                <a:spcPts val="0"/>
-              </a:spcAft>
-              <a:buNone/>
-            </a:pPr>
-            <a:r>
-              <a:t/>
-            </a:r>
-            <a:endParaRPr/>
-          </a:p>
-        </p:txBody>
-      </p:sp>
-      <p:sp>
-        <p:nvSpPr>
-          <p:cNvPr id="127" name="Google Shape;127;p23"/>
-          <p:cNvSpPr txBox="1"/>
-          <p:nvPr/>
-        </p:nvSpPr>
-        <p:spPr>
-          <a:xfrm>
-            <a:off x="3568700" y="868350"/>
-            <a:ext cx="1097400" cy="274200"/>
-          </a:xfrm>
-          <a:prstGeom prst="rect">
-            <a:avLst/>
-          </a:prstGeom>
-          <a:noFill/>
-          <a:ln>
-            <a:noFill/>
-          </a:ln>
-        </p:spPr>
-        <p:txBody>
-          <a:bodyPr anchorCtr="0" anchor="t" bIns="0" lIns="0" spcFirstLastPara="1" rIns="0" wrap="square" tIns="0">
-            <a:noAutofit/>
-          </a:bodyPr>
-          <a:lstStyle/>
-          <a:p>
-            <a:pPr indent="0" lvl="0" marL="0" rtl="0" algn="l">
-              <a:spcBef>
-                <a:spcPts val="0"/>
-              </a:spcBef>
-              <a:spcAft>
-                <a:spcPts val="0"/>
-              </a:spcAft>
-              <a:buNone/>
-            </a:pPr>
-            <a:r>
-              <a:rPr lang="en"/>
-              <a:t>Initial commit</a:t>
-            </a:r>
-            <a:endParaRPr/>
-          </a:p>
-        </p:txBody>
-      </p:sp>
-      <p:sp>
-        <p:nvSpPr>
-          <p:cNvPr id="128" name="Google Shape;128;p23"/>
-          <p:cNvSpPr txBox="1"/>
-          <p:nvPr/>
-        </p:nvSpPr>
-        <p:spPr>
-          <a:xfrm>
-            <a:off x="2201350" y="914400"/>
-            <a:ext cx="479700" cy="182100"/>
-          </a:xfrm>
-          <a:prstGeom prst="rect">
-            <a:avLst/>
-          </a:prstGeom>
-          <a:solidFill>
-            <a:srgbClr val="DD7E6B"/>
-          </a:solidFill>
-          <a:ln>
-            <a:noFill/>
-          </a:ln>
-        </p:spPr>
-        <p:txBody>
-          <a:bodyPr anchorCtr="0" anchor="t" bIns="0" lIns="0" spcFirstLastPara="1" rIns="0" wrap="square" tIns="0">
-            <a:noAutofit/>
-          </a:bodyPr>
-          <a:lstStyle/>
-          <a:p>
-            <a:pPr indent="0" lvl="0" marL="0" rtl="0" algn="ctr">
-              <a:spcBef>
-                <a:spcPts val="0"/>
-              </a:spcBef>
-              <a:spcAft>
-                <a:spcPts val="0"/>
-              </a:spcAft>
-              <a:buNone/>
-            </a:pPr>
-            <a:r>
-              <a:rPr lang="en" sz="900"/>
-              <a:t>master</a:t>
-            </a:r>
-            <a:endParaRPr sz="900"/>
-          </a:p>
-        </p:txBody>
-      </p:sp>
-      <p:sp>
-        <p:nvSpPr>
-          <p:cNvPr id="129" name="Google Shape;129;p23"/>
-          <p:cNvSpPr txBox="1"/>
-          <p:nvPr/>
-        </p:nvSpPr>
-        <p:spPr>
-          <a:xfrm>
-            <a:off x="1667950" y="914400"/>
-            <a:ext cx="479700" cy="182100"/>
-          </a:xfrm>
-          <a:prstGeom prst="rect">
-            <a:avLst/>
-          </a:prstGeom>
-          <a:solidFill>
-            <a:srgbClr val="3D85C6"/>
-          </a:solidFill>
-          <a:ln>
-            <a:noFill/>
-          </a:ln>
-        </p:spPr>
-        <p:txBody>
-          <a:bodyPr anchorCtr="0" anchor="t" bIns="0" lIns="0" spcFirstLastPara="1" rIns="0" wrap="square" tIns="0">
-            <a:noAutofit/>
-          </a:bodyPr>
-          <a:lstStyle/>
-          <a:p>
-            <a:pPr indent="0" lvl="0" marL="0" rtl="0" algn="ctr">
-              <a:spcBef>
-                <a:spcPts val="0"/>
-              </a:spcBef>
-              <a:spcAft>
-                <a:spcPts val="0"/>
-              </a:spcAft>
-              <a:buNone/>
-            </a:pPr>
-            <a:r>
-              <a:rPr b="1" lang="en" sz="900"/>
-              <a:t>develop</a:t>
-            </a:r>
-            <a:endParaRPr b="1" sz="900"/>
-          </a:p>
-        </p:txBody>
-      </p:sp>
-      <p:sp>
-        <p:nvSpPr>
-          <p:cNvPr id="130" name="Google Shape;130;p23"/>
-          <p:cNvSpPr txBox="1"/>
-          <p:nvPr/>
-        </p:nvSpPr>
-        <p:spPr>
-          <a:xfrm>
-            <a:off x="0" y="0"/>
-            <a:ext cx="9144000" cy="474000"/>
-          </a:xfrm>
-          <a:prstGeom prst="rect">
-            <a:avLst/>
-          </a:prstGeom>
-          <a:solidFill>
-            <a:srgbClr val="D9D9D9"/>
-          </a:solidFill>
-          <a:ln>
-            <a:noFill/>
-          </a:ln>
-        </p:spPr>
-        <p:txBody>
-          <a:bodyPr anchorCtr="0" anchor="t" bIns="91425" lIns="91425" spcFirstLastPara="1" rIns="91425" wrap="square" tIns="137150">
-            <a:noAutofit/>
-          </a:bodyPr>
-          <a:lstStyle/>
-          <a:p>
-            <a:pPr indent="0" lvl="0" marL="0" rtl="0" algn="ctr">
-              <a:spcBef>
-                <a:spcPts val="0"/>
-              </a:spcBef>
-              <a:spcAft>
-                <a:spcPts val="0"/>
-              </a:spcAft>
-              <a:buNone/>
-            </a:pPr>
-            <a:r>
-              <a:rPr lang="en"/>
-              <a:t>MERGE</a:t>
-            </a:r>
-            <a:endParaRPr/>
-          </a:p>
-        </p:txBody>
-      </p:sp>
-    </p:spTree>
-  </p:cSld>
-  <p:clrMapOvr>
-    <a:masterClrMapping/>
-  </p:clrMapOvr>
-</p:sld>
-</file>
-
-<file path=ppt/slides/slide12.xml><?xml version="1.0" encoding="utf-8"?>
-<p:sld xmlns:a="http://schemas.openxmlformats.org/drawingml/2006/main" xmlns:r="http://schemas.openxmlformats.org/officeDocument/2006/relationships" xmlns:mc="http://schemas.openxmlformats.org/markup-compatibility/2006" xmlns:mv="urn:schemas-microsoft-com:mac:vml" xmlns:p="http://schemas.openxmlformats.org/presentationml/2006/main" xmlns:c="http://schemas.openxmlformats.org/drawingml/2006/chart" xmlns:dgm="http://schemas.openxmlformats.org/drawingml/2006/diagram" xmlns:o="urn:schemas-microsoft-com:office:office" xmlns:v="urn:schemas-microsoft-com:vml" xmlns:pvml="urn:schemas-microsoft-com:office:powerpoint" xmlns:com="http://schemas.openxmlformats.org/drawingml/2006/compatibility" xmlns:p14="http://schemas.microsoft.com/office/powerpoint/2010/main" xmlns:p15="http://schemas.microsoft.com/office/powerpoint/2012/main">
-  <p:cSld>
-    <p:spTree>
-      <p:nvGrpSpPr>
-        <p:cNvPr id="134" name="Shape 134"/>
-        <p:cNvGrpSpPr/>
-        <p:nvPr/>
-      </p:nvGrpSpPr>
-      <p:grpSpPr>
-        <a:xfrm>
-          <a:off x="0" y="0"/>
-          <a:ext cx="0" cy="0"/>
-          <a:chOff x="0" y="0"/>
-          <a:chExt cx="0" cy="0"/>
-        </a:xfrm>
-      </p:grpSpPr>
-      <p:sp>
-        <p:nvSpPr>
-          <p:cNvPr id="135" name="Google Shape;135;p24"/>
-          <p:cNvSpPr/>
-          <p:nvPr/>
-        </p:nvSpPr>
-        <p:spPr>
-          <a:xfrm>
-            <a:off x="2852450" y="914400"/>
-            <a:ext cx="183000" cy="182100"/>
-          </a:xfrm>
-          <a:prstGeom prst="ellipse">
-            <a:avLst/>
-          </a:prstGeom>
-          <a:solidFill>
-            <a:schemeClr val="lt2"/>
-          </a:solidFill>
-          <a:ln cap="flat" cmpd="sng" w="9525">
-            <a:solidFill>
-              <a:schemeClr val="dk2"/>
-            </a:solidFill>
-            <a:prstDash val="solid"/>
-            <a:round/>
-            <a:headEnd len="sm" w="sm" type="none"/>
-            <a:tailEnd len="sm" w="sm" type="none"/>
-          </a:ln>
-        </p:spPr>
-        <p:txBody>
-          <a:bodyPr anchorCtr="0" anchor="ctr" bIns="91425" lIns="91425" spcFirstLastPara="1" rIns="91425" wrap="square" tIns="91425">
-            <a:noAutofit/>
-          </a:bodyPr>
-          <a:lstStyle/>
-          <a:p>
-            <a:pPr indent="0" lvl="0" marL="0" rtl="0" algn="l">
-              <a:spcBef>
-                <a:spcPts val="0"/>
-              </a:spcBef>
-              <a:spcAft>
-                <a:spcPts val="0"/>
-              </a:spcAft>
-              <a:buNone/>
-            </a:pPr>
-            <a:r>
-              <a:t/>
-            </a:r>
-            <a:endParaRPr/>
-          </a:p>
-        </p:txBody>
-      </p:sp>
-      <p:sp>
-        <p:nvSpPr>
-          <p:cNvPr id="136" name="Google Shape;136;p24"/>
-          <p:cNvSpPr/>
-          <p:nvPr/>
-        </p:nvSpPr>
-        <p:spPr>
-          <a:xfrm>
-            <a:off x="3233450" y="1371600"/>
-            <a:ext cx="183000" cy="182100"/>
-          </a:xfrm>
-          <a:prstGeom prst="ellipse">
-            <a:avLst/>
-          </a:prstGeom>
-          <a:solidFill>
-            <a:schemeClr val="lt2"/>
-          </a:solidFill>
-          <a:ln cap="flat" cmpd="sng" w="9525">
-            <a:solidFill>
-              <a:schemeClr val="dk2"/>
-            </a:solidFill>
-            <a:prstDash val="solid"/>
-            <a:round/>
-            <a:headEnd len="sm" w="sm" type="none"/>
-            <a:tailEnd len="sm" w="sm" type="none"/>
-          </a:ln>
-        </p:spPr>
-        <p:txBody>
-          <a:bodyPr anchorCtr="0" anchor="ctr" bIns="91425" lIns="91425" spcFirstLastPara="1" rIns="91425" wrap="square" tIns="91425">
-            <a:noAutofit/>
-          </a:bodyPr>
-          <a:lstStyle/>
-          <a:p>
-            <a:pPr indent="0" lvl="0" marL="0" rtl="0" algn="l">
-              <a:spcBef>
-                <a:spcPts val="0"/>
-              </a:spcBef>
-              <a:spcAft>
-                <a:spcPts val="0"/>
-              </a:spcAft>
-              <a:buNone/>
-            </a:pPr>
-            <a:r>
-              <a:t/>
-            </a:r>
-            <a:endParaRPr/>
-          </a:p>
-        </p:txBody>
-      </p:sp>
-      <p:cxnSp>
-        <p:nvCxnSpPr>
-          <p:cNvPr id="137" name="Google Shape;137;p24"/>
-          <p:cNvCxnSpPr>
-            <a:stCxn id="135" idx="5"/>
-            <a:endCxn id="136" idx="1"/>
-          </p:cNvCxnSpPr>
-          <p:nvPr/>
-        </p:nvCxnSpPr>
-        <p:spPr>
-          <a:xfrm>
-            <a:off x="3008650" y="1069832"/>
-            <a:ext cx="251700" cy="328500"/>
-          </a:xfrm>
-          <a:prstGeom prst="straightConnector1">
-            <a:avLst/>
-          </a:prstGeom>
-          <a:noFill/>
-          <a:ln cap="flat" cmpd="sng" w="9525">
-            <a:solidFill>
-              <a:schemeClr val="dk2"/>
-            </a:solidFill>
-            <a:prstDash val="solid"/>
-            <a:round/>
-            <a:headEnd len="med" w="med" type="none"/>
-            <a:tailEnd len="med" w="med" type="none"/>
-          </a:ln>
-        </p:spPr>
-      </p:cxnSp>
-      <p:sp>
-        <p:nvSpPr>
-          <p:cNvPr id="138" name="Google Shape;138;p24"/>
-          <p:cNvSpPr txBox="1"/>
-          <p:nvPr/>
-        </p:nvSpPr>
-        <p:spPr>
-          <a:xfrm>
-            <a:off x="3568700" y="868350"/>
-            <a:ext cx="1097400" cy="274200"/>
-          </a:xfrm>
-          <a:prstGeom prst="rect">
-            <a:avLst/>
-          </a:prstGeom>
-          <a:noFill/>
-          <a:ln>
-            <a:noFill/>
-          </a:ln>
-        </p:spPr>
-        <p:txBody>
-          <a:bodyPr anchorCtr="0" anchor="t" bIns="0" lIns="0" spcFirstLastPara="1" rIns="0" wrap="square" tIns="0">
-            <a:noAutofit/>
-          </a:bodyPr>
-          <a:lstStyle/>
-          <a:p>
-            <a:pPr indent="0" lvl="0" marL="0" rtl="0" algn="l">
-              <a:spcBef>
-                <a:spcPts val="0"/>
-              </a:spcBef>
-              <a:spcAft>
-                <a:spcPts val="0"/>
-              </a:spcAft>
-              <a:buNone/>
-            </a:pPr>
-            <a:r>
-              <a:rPr lang="en"/>
-              <a:t>Initial commit</a:t>
-            </a:r>
-            <a:endParaRPr/>
-          </a:p>
-        </p:txBody>
-      </p:sp>
-      <p:sp>
-        <p:nvSpPr>
-          <p:cNvPr id="139" name="Google Shape;139;p24"/>
-          <p:cNvSpPr txBox="1"/>
-          <p:nvPr/>
-        </p:nvSpPr>
-        <p:spPr>
-          <a:xfrm>
-            <a:off x="3568700" y="1325550"/>
-            <a:ext cx="1097400" cy="274200"/>
-          </a:xfrm>
-          <a:prstGeom prst="rect">
-            <a:avLst/>
-          </a:prstGeom>
-          <a:noFill/>
-          <a:ln>
-            <a:noFill/>
-          </a:ln>
-        </p:spPr>
-        <p:txBody>
-          <a:bodyPr anchorCtr="0" anchor="t" bIns="0" lIns="0" spcFirstLastPara="1" rIns="0" wrap="square" tIns="0">
-            <a:noAutofit/>
-          </a:bodyPr>
-          <a:lstStyle/>
-          <a:p>
-            <a:pPr indent="0" lvl="0" marL="0" rtl="0" algn="l">
-              <a:spcBef>
-                <a:spcPts val="0"/>
-              </a:spcBef>
-              <a:spcAft>
-                <a:spcPts val="0"/>
-              </a:spcAft>
-              <a:buNone/>
-            </a:pPr>
-            <a:r>
-              <a:rPr lang="en"/>
-              <a:t>Wijziging 1</a:t>
-            </a:r>
-            <a:endParaRPr/>
-          </a:p>
-        </p:txBody>
-      </p:sp>
-      <p:sp>
-        <p:nvSpPr>
-          <p:cNvPr id="140" name="Google Shape;140;p24"/>
-          <p:cNvSpPr txBox="1"/>
-          <p:nvPr/>
-        </p:nvSpPr>
-        <p:spPr>
-          <a:xfrm>
-            <a:off x="2201350" y="914400"/>
-            <a:ext cx="479700" cy="182100"/>
-          </a:xfrm>
-          <a:prstGeom prst="rect">
-            <a:avLst/>
-          </a:prstGeom>
-          <a:solidFill>
-            <a:srgbClr val="DD7E6B"/>
-          </a:solidFill>
-          <a:ln>
-            <a:noFill/>
-          </a:ln>
-        </p:spPr>
-        <p:txBody>
-          <a:bodyPr anchorCtr="0" anchor="t" bIns="0" lIns="0" spcFirstLastPara="1" rIns="0" wrap="square" tIns="0">
-            <a:noAutofit/>
-          </a:bodyPr>
-          <a:lstStyle/>
-          <a:p>
-            <a:pPr indent="0" lvl="0" marL="0" rtl="0" algn="ctr">
-              <a:spcBef>
-                <a:spcPts val="0"/>
-              </a:spcBef>
-              <a:spcAft>
-                <a:spcPts val="0"/>
-              </a:spcAft>
-              <a:buNone/>
-            </a:pPr>
-            <a:r>
-              <a:rPr lang="en" sz="900"/>
-              <a:t>master</a:t>
-            </a:r>
-            <a:endParaRPr sz="900"/>
-          </a:p>
-        </p:txBody>
-      </p:sp>
-      <p:sp>
-        <p:nvSpPr>
-          <p:cNvPr id="141" name="Google Shape;141;p24"/>
-          <p:cNvSpPr txBox="1"/>
-          <p:nvPr/>
-        </p:nvSpPr>
-        <p:spPr>
-          <a:xfrm>
-            <a:off x="1667950" y="1371600"/>
-            <a:ext cx="479700" cy="182100"/>
-          </a:xfrm>
-          <a:prstGeom prst="rect">
-            <a:avLst/>
-          </a:prstGeom>
-          <a:solidFill>
-            <a:srgbClr val="3D85C6"/>
-          </a:solidFill>
-          <a:ln>
-            <a:noFill/>
-          </a:ln>
-        </p:spPr>
-        <p:txBody>
-          <a:bodyPr anchorCtr="0" anchor="t" bIns="0" lIns="0" spcFirstLastPara="1" rIns="0" wrap="square" tIns="0">
-            <a:noAutofit/>
-          </a:bodyPr>
-          <a:lstStyle/>
-          <a:p>
-            <a:pPr indent="0" lvl="0" marL="0" rtl="0" algn="ctr">
-              <a:spcBef>
-                <a:spcPts val="0"/>
-              </a:spcBef>
-              <a:spcAft>
-                <a:spcPts val="0"/>
-              </a:spcAft>
-              <a:buNone/>
-            </a:pPr>
-            <a:r>
-              <a:rPr b="1" lang="en" sz="900"/>
-              <a:t>develop</a:t>
-            </a:r>
-            <a:endParaRPr b="1" sz="900"/>
-          </a:p>
-        </p:txBody>
-      </p:sp>
-      <p:sp>
-        <p:nvSpPr>
-          <p:cNvPr id="142" name="Google Shape;142;p24"/>
-          <p:cNvSpPr txBox="1"/>
-          <p:nvPr/>
-        </p:nvSpPr>
-        <p:spPr>
-          <a:xfrm>
-            <a:off x="0" y="0"/>
-            <a:ext cx="9144000" cy="474000"/>
-          </a:xfrm>
-          <a:prstGeom prst="rect">
-            <a:avLst/>
-          </a:prstGeom>
-          <a:solidFill>
-            <a:srgbClr val="D9D9D9"/>
-          </a:solidFill>
-          <a:ln>
-            <a:noFill/>
-          </a:ln>
-        </p:spPr>
-        <p:txBody>
-          <a:bodyPr anchorCtr="0" anchor="t" bIns="91425" lIns="91425" spcFirstLastPara="1" rIns="91425" wrap="square" tIns="137150">
-            <a:noAutofit/>
-          </a:bodyPr>
-          <a:lstStyle/>
-          <a:p>
-            <a:pPr indent="0" lvl="0" marL="0" rtl="0" algn="ctr">
-              <a:spcBef>
-                <a:spcPts val="0"/>
-              </a:spcBef>
-              <a:spcAft>
-                <a:spcPts val="0"/>
-              </a:spcAft>
-              <a:buNone/>
-            </a:pPr>
-            <a:r>
-              <a:rPr lang="en"/>
-              <a:t>MERGE</a:t>
-            </a:r>
-            <a:endParaRPr/>
-          </a:p>
-        </p:txBody>
-      </p:sp>
-    </p:spTree>
-  </p:cSld>
-  <p:clrMapOvr>
-    <a:masterClrMapping/>
-  </p:clrMapOvr>
-</p:sld>
-</file>
-
-<file path=ppt/slides/slide13.xml><?xml version="1.0" encoding="utf-8"?>
-<p:sld xmlns:a="http://schemas.openxmlformats.org/drawingml/2006/main" xmlns:r="http://schemas.openxmlformats.org/officeDocument/2006/relationships" xmlns:mc="http://schemas.openxmlformats.org/markup-compatibility/2006" xmlns:mv="urn:schemas-microsoft-com:mac:vml" xmlns:p="http://schemas.openxmlformats.org/presentationml/2006/main" xmlns:c="http://schemas.openxmlformats.org/drawingml/2006/chart" xmlns:dgm="http://schemas.openxmlformats.org/drawingml/2006/diagram" xmlns:o="urn:schemas-microsoft-com:office:office" xmlns:v="urn:schemas-microsoft-com:vml" xmlns:pvml="urn:schemas-microsoft-com:office:powerpoint" xmlns:com="http://schemas.openxmlformats.org/drawingml/2006/compatibility" xmlns:p14="http://schemas.microsoft.com/office/powerpoint/2010/main" xmlns:p15="http://schemas.microsoft.com/office/powerpoint/2012/main">
-  <p:cSld>
-    <p:spTree>
-      <p:nvGrpSpPr>
-        <p:cNvPr id="146" name="Shape 146"/>
-        <p:cNvGrpSpPr/>
-        <p:nvPr/>
-      </p:nvGrpSpPr>
-      <p:grpSpPr>
-        <a:xfrm>
-          <a:off x="0" y="0"/>
-          <a:ext cx="0" cy="0"/>
-          <a:chOff x="0" y="0"/>
-          <a:chExt cx="0" cy="0"/>
-        </a:xfrm>
-      </p:grpSpPr>
-      <p:sp>
-        <p:nvSpPr>
-          <p:cNvPr id="147" name="Google Shape;147;p25"/>
-          <p:cNvSpPr/>
-          <p:nvPr/>
-        </p:nvSpPr>
-        <p:spPr>
-          <a:xfrm>
-            <a:off x="2852450" y="914400"/>
-            <a:ext cx="183000" cy="182100"/>
-          </a:xfrm>
-          <a:prstGeom prst="ellipse">
-            <a:avLst/>
-          </a:prstGeom>
-          <a:solidFill>
-            <a:schemeClr val="lt2"/>
-          </a:solidFill>
-          <a:ln cap="flat" cmpd="sng" w="9525">
-            <a:solidFill>
-              <a:schemeClr val="dk2"/>
-            </a:solidFill>
-            <a:prstDash val="solid"/>
-            <a:round/>
-            <a:headEnd len="sm" w="sm" type="none"/>
-            <a:tailEnd len="sm" w="sm" type="none"/>
-          </a:ln>
-        </p:spPr>
-        <p:txBody>
-          <a:bodyPr anchorCtr="0" anchor="ctr" bIns="91425" lIns="91425" spcFirstLastPara="1" rIns="91425" wrap="square" tIns="91425">
-            <a:noAutofit/>
-          </a:bodyPr>
-          <a:lstStyle/>
-          <a:p>
-            <a:pPr indent="0" lvl="0" marL="0" rtl="0" algn="l">
-              <a:spcBef>
-                <a:spcPts val="0"/>
-              </a:spcBef>
-              <a:spcAft>
-                <a:spcPts val="0"/>
-              </a:spcAft>
-              <a:buNone/>
-            </a:pPr>
-            <a:r>
-              <a:t/>
-            </a:r>
-            <a:endParaRPr/>
-          </a:p>
-        </p:txBody>
-      </p:sp>
-      <p:sp>
-        <p:nvSpPr>
-          <p:cNvPr id="148" name="Google Shape;148;p25"/>
-          <p:cNvSpPr/>
-          <p:nvPr/>
-        </p:nvSpPr>
-        <p:spPr>
-          <a:xfrm>
-            <a:off x="3233450" y="1371600"/>
-            <a:ext cx="183000" cy="182100"/>
-          </a:xfrm>
-          <a:prstGeom prst="ellipse">
-            <a:avLst/>
-          </a:prstGeom>
-          <a:solidFill>
-            <a:schemeClr val="lt2"/>
-          </a:solidFill>
-          <a:ln cap="flat" cmpd="sng" w="9525">
-            <a:solidFill>
-              <a:schemeClr val="dk2"/>
-            </a:solidFill>
-            <a:prstDash val="solid"/>
-            <a:round/>
-            <a:headEnd len="sm" w="sm" type="none"/>
-            <a:tailEnd len="sm" w="sm" type="none"/>
-          </a:ln>
-        </p:spPr>
-        <p:txBody>
-          <a:bodyPr anchorCtr="0" anchor="ctr" bIns="91425" lIns="91425" spcFirstLastPara="1" rIns="91425" wrap="square" tIns="91425">
-            <a:noAutofit/>
-          </a:bodyPr>
-          <a:lstStyle/>
-          <a:p>
-            <a:pPr indent="0" lvl="0" marL="0" rtl="0" algn="l">
-              <a:spcBef>
-                <a:spcPts val="0"/>
-              </a:spcBef>
-              <a:spcAft>
-                <a:spcPts val="0"/>
-              </a:spcAft>
-              <a:buNone/>
-            </a:pPr>
-            <a:r>
-              <a:t/>
-            </a:r>
-            <a:endParaRPr/>
-          </a:p>
-        </p:txBody>
-      </p:sp>
-      <p:cxnSp>
-        <p:nvCxnSpPr>
-          <p:cNvPr id="149" name="Google Shape;149;p25"/>
-          <p:cNvCxnSpPr>
-            <a:stCxn id="147" idx="5"/>
-            <a:endCxn id="148" idx="1"/>
-          </p:cNvCxnSpPr>
-          <p:nvPr/>
-        </p:nvCxnSpPr>
-        <p:spPr>
-          <a:xfrm>
-            <a:off x="3008650" y="1069832"/>
-            <a:ext cx="251700" cy="328500"/>
-          </a:xfrm>
-          <a:prstGeom prst="straightConnector1">
-            <a:avLst/>
-          </a:prstGeom>
-          <a:noFill/>
-          <a:ln cap="flat" cmpd="sng" w="9525">
-            <a:solidFill>
-              <a:schemeClr val="dk2"/>
-            </a:solidFill>
-            <a:prstDash val="solid"/>
-            <a:round/>
-            <a:headEnd len="med" w="med" type="none"/>
-            <a:tailEnd len="med" w="med" type="none"/>
-          </a:ln>
-        </p:spPr>
-      </p:cxnSp>
-      <p:sp>
-        <p:nvSpPr>
-          <p:cNvPr id="150" name="Google Shape;150;p25"/>
-          <p:cNvSpPr txBox="1"/>
-          <p:nvPr/>
-        </p:nvSpPr>
-        <p:spPr>
-          <a:xfrm>
-            <a:off x="3568700" y="868350"/>
-            <a:ext cx="1097400" cy="274200"/>
-          </a:xfrm>
-          <a:prstGeom prst="rect">
-            <a:avLst/>
-          </a:prstGeom>
-          <a:noFill/>
-          <a:ln>
-            <a:noFill/>
-          </a:ln>
-        </p:spPr>
-        <p:txBody>
-          <a:bodyPr anchorCtr="0" anchor="t" bIns="0" lIns="0" spcFirstLastPara="1" rIns="0" wrap="square" tIns="0">
-            <a:noAutofit/>
-          </a:bodyPr>
-          <a:lstStyle/>
-          <a:p>
-            <a:pPr indent="0" lvl="0" marL="0" rtl="0" algn="l">
-              <a:spcBef>
-                <a:spcPts val="0"/>
-              </a:spcBef>
-              <a:spcAft>
-                <a:spcPts val="0"/>
-              </a:spcAft>
-              <a:buNone/>
-            </a:pPr>
-            <a:r>
-              <a:rPr lang="en"/>
-              <a:t>Initial commit</a:t>
-            </a:r>
-            <a:endParaRPr/>
-          </a:p>
-        </p:txBody>
-      </p:sp>
-      <p:sp>
-        <p:nvSpPr>
-          <p:cNvPr id="151" name="Google Shape;151;p25"/>
-          <p:cNvSpPr/>
-          <p:nvPr/>
-        </p:nvSpPr>
-        <p:spPr>
-          <a:xfrm>
-            <a:off x="3233450" y="1828800"/>
-            <a:ext cx="183000" cy="182100"/>
-          </a:xfrm>
-          <a:prstGeom prst="ellipse">
-            <a:avLst/>
-          </a:prstGeom>
-          <a:solidFill>
-            <a:schemeClr val="lt2"/>
-          </a:solidFill>
-          <a:ln cap="flat" cmpd="sng" w="9525">
-            <a:solidFill>
-              <a:schemeClr val="dk2"/>
-            </a:solidFill>
-            <a:prstDash val="solid"/>
-            <a:round/>
-            <a:headEnd len="sm" w="sm" type="none"/>
-            <a:tailEnd len="sm" w="sm" type="none"/>
-          </a:ln>
-        </p:spPr>
-        <p:txBody>
-          <a:bodyPr anchorCtr="0" anchor="ctr" bIns="91425" lIns="91425" spcFirstLastPara="1" rIns="91425" wrap="square" tIns="91425">
-            <a:noAutofit/>
-          </a:bodyPr>
-          <a:lstStyle/>
-          <a:p>
-            <a:pPr indent="0" lvl="0" marL="0" rtl="0" algn="l">
-              <a:spcBef>
-                <a:spcPts val="0"/>
-              </a:spcBef>
-              <a:spcAft>
-                <a:spcPts val="0"/>
-              </a:spcAft>
-              <a:buNone/>
-            </a:pPr>
-            <a:r>
-              <a:t/>
-            </a:r>
-            <a:endParaRPr/>
-          </a:p>
-        </p:txBody>
-      </p:sp>
-      <p:sp>
-        <p:nvSpPr>
-          <p:cNvPr id="152" name="Google Shape;152;p25"/>
-          <p:cNvSpPr txBox="1"/>
-          <p:nvPr/>
-        </p:nvSpPr>
-        <p:spPr>
-          <a:xfrm>
-            <a:off x="3568700" y="1325550"/>
-            <a:ext cx="1097400" cy="274200"/>
-          </a:xfrm>
-          <a:prstGeom prst="rect">
-            <a:avLst/>
-          </a:prstGeom>
-          <a:noFill/>
-          <a:ln>
-            <a:noFill/>
-          </a:ln>
-        </p:spPr>
-        <p:txBody>
-          <a:bodyPr anchorCtr="0" anchor="t" bIns="0" lIns="0" spcFirstLastPara="1" rIns="0" wrap="square" tIns="0">
-            <a:noAutofit/>
-          </a:bodyPr>
-          <a:lstStyle/>
-          <a:p>
-            <a:pPr indent="0" lvl="0" marL="0" rtl="0" algn="l">
-              <a:spcBef>
-                <a:spcPts val="0"/>
-              </a:spcBef>
-              <a:spcAft>
-                <a:spcPts val="0"/>
-              </a:spcAft>
-              <a:buNone/>
-            </a:pPr>
-            <a:r>
-              <a:rPr lang="en"/>
-              <a:t>Wijziging 1</a:t>
-            </a:r>
-            <a:endParaRPr/>
-          </a:p>
-        </p:txBody>
-      </p:sp>
-      <p:sp>
-        <p:nvSpPr>
-          <p:cNvPr id="153" name="Google Shape;153;p25"/>
-          <p:cNvSpPr txBox="1"/>
-          <p:nvPr/>
-        </p:nvSpPr>
-        <p:spPr>
-          <a:xfrm>
-            <a:off x="3568700" y="1782750"/>
-            <a:ext cx="1097400" cy="274200"/>
-          </a:xfrm>
-          <a:prstGeom prst="rect">
-            <a:avLst/>
-          </a:prstGeom>
-          <a:noFill/>
-          <a:ln>
-            <a:noFill/>
-          </a:ln>
-        </p:spPr>
-        <p:txBody>
-          <a:bodyPr anchorCtr="0" anchor="t" bIns="0" lIns="0" spcFirstLastPara="1" rIns="0" wrap="square" tIns="0">
-            <a:noAutofit/>
-          </a:bodyPr>
-          <a:lstStyle/>
-          <a:p>
-            <a:pPr indent="0" lvl="0" marL="0" rtl="0" algn="l">
-              <a:spcBef>
-                <a:spcPts val="0"/>
-              </a:spcBef>
-              <a:spcAft>
-                <a:spcPts val="0"/>
-              </a:spcAft>
-              <a:buNone/>
-            </a:pPr>
-            <a:r>
-              <a:rPr lang="en"/>
-              <a:t>Wijziging 2</a:t>
-            </a:r>
-            <a:endParaRPr/>
-          </a:p>
-        </p:txBody>
-      </p:sp>
-      <p:sp>
-        <p:nvSpPr>
-          <p:cNvPr id="154" name="Google Shape;154;p25"/>
-          <p:cNvSpPr txBox="1"/>
-          <p:nvPr/>
-        </p:nvSpPr>
-        <p:spPr>
-          <a:xfrm>
-            <a:off x="2201350" y="914400"/>
-            <a:ext cx="479700" cy="182100"/>
-          </a:xfrm>
-          <a:prstGeom prst="rect">
-            <a:avLst/>
-          </a:prstGeom>
-          <a:solidFill>
-            <a:srgbClr val="DD7E6B"/>
-          </a:solidFill>
-          <a:ln>
-            <a:noFill/>
-          </a:ln>
-        </p:spPr>
-        <p:txBody>
-          <a:bodyPr anchorCtr="0" anchor="t" bIns="0" lIns="0" spcFirstLastPara="1" rIns="0" wrap="square" tIns="0">
-            <a:noAutofit/>
-          </a:bodyPr>
-          <a:lstStyle/>
-          <a:p>
-            <a:pPr indent="0" lvl="0" marL="0" rtl="0" algn="ctr">
-              <a:spcBef>
-                <a:spcPts val="0"/>
-              </a:spcBef>
-              <a:spcAft>
-                <a:spcPts val="0"/>
-              </a:spcAft>
-              <a:buNone/>
-            </a:pPr>
-            <a:r>
-              <a:rPr lang="en" sz="900"/>
-              <a:t>master</a:t>
-            </a:r>
-            <a:endParaRPr sz="900"/>
-          </a:p>
-        </p:txBody>
-      </p:sp>
-      <p:cxnSp>
-        <p:nvCxnSpPr>
-          <p:cNvPr id="155" name="Google Shape;155;p25"/>
-          <p:cNvCxnSpPr>
-            <a:stCxn id="148" idx="4"/>
-            <a:endCxn id="151" idx="0"/>
-          </p:cNvCxnSpPr>
-          <p:nvPr/>
-        </p:nvCxnSpPr>
-        <p:spPr>
-          <a:xfrm>
-            <a:off x="3324950" y="1553700"/>
-            <a:ext cx="0" cy="275100"/>
-          </a:xfrm>
-          <a:prstGeom prst="straightConnector1">
-            <a:avLst/>
-          </a:prstGeom>
-          <a:noFill/>
-          <a:ln cap="flat" cmpd="sng" w="9525">
-            <a:solidFill>
-              <a:schemeClr val="dk2"/>
-            </a:solidFill>
-            <a:prstDash val="solid"/>
-            <a:round/>
-            <a:headEnd len="med" w="med" type="none"/>
-            <a:tailEnd len="med" w="med" type="none"/>
-          </a:ln>
-        </p:spPr>
-      </p:cxnSp>
-      <p:sp>
-        <p:nvSpPr>
-          <p:cNvPr id="156" name="Google Shape;156;p25"/>
-          <p:cNvSpPr txBox="1"/>
-          <p:nvPr/>
-        </p:nvSpPr>
-        <p:spPr>
-          <a:xfrm>
-            <a:off x="1667950" y="1828800"/>
-            <a:ext cx="479700" cy="182100"/>
-          </a:xfrm>
-          <a:prstGeom prst="rect">
-            <a:avLst/>
-          </a:prstGeom>
-          <a:solidFill>
-            <a:srgbClr val="3D85C6"/>
-          </a:solidFill>
-          <a:ln>
-            <a:noFill/>
-          </a:ln>
-        </p:spPr>
-        <p:txBody>
-          <a:bodyPr anchorCtr="0" anchor="t" bIns="0" lIns="0" spcFirstLastPara="1" rIns="0" wrap="square" tIns="0">
-            <a:noAutofit/>
-          </a:bodyPr>
-          <a:lstStyle/>
-          <a:p>
-            <a:pPr indent="0" lvl="0" marL="0" rtl="0" algn="ctr">
-              <a:spcBef>
-                <a:spcPts val="0"/>
-              </a:spcBef>
-              <a:spcAft>
-                <a:spcPts val="0"/>
-              </a:spcAft>
-              <a:buNone/>
-            </a:pPr>
-            <a:r>
-              <a:rPr b="1" lang="en" sz="900"/>
-              <a:t>develop</a:t>
-            </a:r>
-            <a:endParaRPr b="1" sz="900"/>
-          </a:p>
-        </p:txBody>
-      </p:sp>
-      <p:sp>
-        <p:nvSpPr>
-          <p:cNvPr id="157" name="Google Shape;157;p25"/>
-          <p:cNvSpPr txBox="1"/>
-          <p:nvPr/>
-        </p:nvSpPr>
-        <p:spPr>
-          <a:xfrm>
-            <a:off x="0" y="0"/>
-            <a:ext cx="9144000" cy="474000"/>
-          </a:xfrm>
-          <a:prstGeom prst="rect">
-            <a:avLst/>
-          </a:prstGeom>
-          <a:solidFill>
-            <a:srgbClr val="D9D9D9"/>
-          </a:solidFill>
-          <a:ln>
-            <a:noFill/>
-          </a:ln>
-        </p:spPr>
-        <p:txBody>
-          <a:bodyPr anchorCtr="0" anchor="t" bIns="91425" lIns="91425" spcFirstLastPara="1" rIns="91425" wrap="square" tIns="137150">
-            <a:noAutofit/>
-          </a:bodyPr>
-          <a:lstStyle/>
-          <a:p>
-            <a:pPr indent="0" lvl="0" marL="0" rtl="0" algn="ctr">
-              <a:spcBef>
-                <a:spcPts val="0"/>
-              </a:spcBef>
-              <a:spcAft>
-                <a:spcPts val="0"/>
-              </a:spcAft>
-              <a:buNone/>
-            </a:pPr>
-            <a:r>
-              <a:rPr lang="en"/>
-              <a:t>MERGE</a:t>
-            </a:r>
-            <a:endParaRPr/>
-          </a:p>
-        </p:txBody>
-      </p:sp>
-    </p:spTree>
-  </p:cSld>
-  <p:clrMapOvr>
-    <a:masterClrMapping/>
-  </p:clrMapOvr>
-</p:sld>
-</file>
-
-<file path=ppt/slides/slide14.xml><?xml version="1.0" encoding="utf-8"?>
-<p:sld xmlns:a="http://schemas.openxmlformats.org/drawingml/2006/main" xmlns:r="http://schemas.openxmlformats.org/officeDocument/2006/relationships" xmlns:mc="http://schemas.openxmlformats.org/markup-compatibility/2006" xmlns:mv="urn:schemas-microsoft-com:mac:vml" xmlns:p="http://schemas.openxmlformats.org/presentationml/2006/main" xmlns:c="http://schemas.openxmlformats.org/drawingml/2006/chart" xmlns:dgm="http://schemas.openxmlformats.org/drawingml/2006/diagram" xmlns:o="urn:schemas-microsoft-com:office:office" xmlns:v="urn:schemas-microsoft-com:vml" xmlns:pvml="urn:schemas-microsoft-com:office:powerpoint" xmlns:com="http://schemas.openxmlformats.org/drawingml/2006/compatibility" xmlns:p14="http://schemas.microsoft.com/office/powerpoint/2010/main" xmlns:p15="http://schemas.microsoft.com/office/powerpoint/2012/main">
-  <p:cSld>
-    <p:spTree>
-      <p:nvGrpSpPr>
-        <p:cNvPr id="161" name="Shape 161"/>
-        <p:cNvGrpSpPr/>
-        <p:nvPr/>
-      </p:nvGrpSpPr>
-      <p:grpSpPr>
-        <a:xfrm>
-          <a:off x="0" y="0"/>
-          <a:ext cx="0" cy="0"/>
-          <a:chOff x="0" y="0"/>
-          <a:chExt cx="0" cy="0"/>
-        </a:xfrm>
-      </p:grpSpPr>
-      <p:sp>
-        <p:nvSpPr>
-          <p:cNvPr id="162" name="Google Shape;162;p26"/>
-          <p:cNvSpPr/>
-          <p:nvPr/>
-        </p:nvSpPr>
-        <p:spPr>
-          <a:xfrm>
-            <a:off x="2852450" y="914400"/>
-            <a:ext cx="183000" cy="182100"/>
-          </a:xfrm>
-          <a:prstGeom prst="ellipse">
-            <a:avLst/>
-          </a:prstGeom>
-          <a:solidFill>
-            <a:schemeClr val="lt2"/>
-          </a:solidFill>
-          <a:ln cap="flat" cmpd="sng" w="9525">
-            <a:solidFill>
-              <a:schemeClr val="dk2"/>
-            </a:solidFill>
-            <a:prstDash val="solid"/>
-            <a:round/>
-            <a:headEnd len="sm" w="sm" type="none"/>
-            <a:tailEnd len="sm" w="sm" type="none"/>
-          </a:ln>
-        </p:spPr>
-        <p:txBody>
-          <a:bodyPr anchorCtr="0" anchor="ctr" bIns="91425" lIns="91425" spcFirstLastPara="1" rIns="91425" wrap="square" tIns="91425">
-            <a:noAutofit/>
-          </a:bodyPr>
-          <a:lstStyle/>
-          <a:p>
-            <a:pPr indent="0" lvl="0" marL="0" rtl="0" algn="l">
-              <a:spcBef>
-                <a:spcPts val="0"/>
-              </a:spcBef>
-              <a:spcAft>
-                <a:spcPts val="0"/>
-              </a:spcAft>
-              <a:buNone/>
-            </a:pPr>
-            <a:r>
-              <a:t/>
-            </a:r>
-            <a:endParaRPr/>
-          </a:p>
-        </p:txBody>
-      </p:sp>
-      <p:sp>
-        <p:nvSpPr>
-          <p:cNvPr id="163" name="Google Shape;163;p26"/>
-          <p:cNvSpPr/>
-          <p:nvPr/>
-        </p:nvSpPr>
-        <p:spPr>
-          <a:xfrm>
-            <a:off x="3233450" y="1371600"/>
-            <a:ext cx="183000" cy="182100"/>
-          </a:xfrm>
-          <a:prstGeom prst="ellipse">
-            <a:avLst/>
-          </a:prstGeom>
-          <a:solidFill>
-            <a:schemeClr val="lt2"/>
-          </a:solidFill>
-          <a:ln cap="flat" cmpd="sng" w="9525">
-            <a:solidFill>
-              <a:schemeClr val="dk2"/>
-            </a:solidFill>
-            <a:prstDash val="solid"/>
-            <a:round/>
-            <a:headEnd len="sm" w="sm" type="none"/>
-            <a:tailEnd len="sm" w="sm" type="none"/>
-          </a:ln>
-        </p:spPr>
-        <p:txBody>
-          <a:bodyPr anchorCtr="0" anchor="ctr" bIns="91425" lIns="91425" spcFirstLastPara="1" rIns="91425" wrap="square" tIns="91425">
-            <a:noAutofit/>
-          </a:bodyPr>
-          <a:lstStyle/>
-          <a:p>
-            <a:pPr indent="0" lvl="0" marL="0" rtl="0" algn="l">
-              <a:spcBef>
-                <a:spcPts val="0"/>
-              </a:spcBef>
-              <a:spcAft>
-                <a:spcPts val="0"/>
-              </a:spcAft>
-              <a:buNone/>
-            </a:pPr>
-            <a:r>
-              <a:t/>
-            </a:r>
-            <a:endParaRPr/>
-          </a:p>
-        </p:txBody>
-      </p:sp>
-      <p:cxnSp>
-        <p:nvCxnSpPr>
-          <p:cNvPr id="164" name="Google Shape;164;p26"/>
-          <p:cNvCxnSpPr>
-            <a:stCxn id="162" idx="5"/>
-            <a:endCxn id="163" idx="1"/>
-          </p:cNvCxnSpPr>
-          <p:nvPr/>
-        </p:nvCxnSpPr>
-        <p:spPr>
-          <a:xfrm>
-            <a:off x="3008650" y="1069832"/>
-            <a:ext cx="251700" cy="328500"/>
-          </a:xfrm>
-          <a:prstGeom prst="straightConnector1">
-            <a:avLst/>
-          </a:prstGeom>
-          <a:noFill/>
-          <a:ln cap="flat" cmpd="sng" w="9525">
-            <a:solidFill>
-              <a:schemeClr val="dk2"/>
-            </a:solidFill>
-            <a:prstDash val="solid"/>
-            <a:round/>
-            <a:headEnd len="med" w="med" type="none"/>
-            <a:tailEnd len="med" w="med" type="none"/>
-          </a:ln>
-        </p:spPr>
-      </p:cxnSp>
-      <p:sp>
-        <p:nvSpPr>
-          <p:cNvPr id="165" name="Google Shape;165;p26"/>
-          <p:cNvSpPr txBox="1"/>
-          <p:nvPr/>
-        </p:nvSpPr>
-        <p:spPr>
-          <a:xfrm>
-            <a:off x="3568700" y="868350"/>
-            <a:ext cx="1097400" cy="274200"/>
-          </a:xfrm>
-          <a:prstGeom prst="rect">
-            <a:avLst/>
-          </a:prstGeom>
-          <a:noFill/>
-          <a:ln>
-            <a:noFill/>
-          </a:ln>
-        </p:spPr>
-        <p:txBody>
-          <a:bodyPr anchorCtr="0" anchor="t" bIns="0" lIns="0" spcFirstLastPara="1" rIns="0" wrap="square" tIns="0">
-            <a:noAutofit/>
-          </a:bodyPr>
-          <a:lstStyle/>
-          <a:p>
-            <a:pPr indent="0" lvl="0" marL="0" rtl="0" algn="l">
-              <a:spcBef>
-                <a:spcPts val="0"/>
-              </a:spcBef>
-              <a:spcAft>
-                <a:spcPts val="0"/>
-              </a:spcAft>
-              <a:buNone/>
-            </a:pPr>
-            <a:r>
-              <a:rPr lang="en"/>
-              <a:t>Initial commit</a:t>
-            </a:r>
-            <a:endParaRPr/>
-          </a:p>
-        </p:txBody>
-      </p:sp>
-      <p:sp>
-        <p:nvSpPr>
-          <p:cNvPr id="166" name="Google Shape;166;p26"/>
-          <p:cNvSpPr/>
-          <p:nvPr/>
-        </p:nvSpPr>
-        <p:spPr>
-          <a:xfrm>
-            <a:off x="3233450" y="1828800"/>
-            <a:ext cx="183000" cy="182100"/>
-          </a:xfrm>
-          <a:prstGeom prst="ellipse">
-            <a:avLst/>
-          </a:prstGeom>
-          <a:solidFill>
-            <a:schemeClr val="lt2"/>
-          </a:solidFill>
-          <a:ln cap="flat" cmpd="sng" w="9525">
-            <a:solidFill>
-              <a:schemeClr val="dk2"/>
-            </a:solidFill>
-            <a:prstDash val="solid"/>
-            <a:round/>
-            <a:headEnd len="sm" w="sm" type="none"/>
-            <a:tailEnd len="sm" w="sm" type="none"/>
-          </a:ln>
-        </p:spPr>
-        <p:txBody>
-          <a:bodyPr anchorCtr="0" anchor="ctr" bIns="91425" lIns="91425" spcFirstLastPara="1" rIns="91425" wrap="square" tIns="91425">
-            <a:noAutofit/>
-          </a:bodyPr>
-          <a:lstStyle/>
-          <a:p>
-            <a:pPr indent="0" lvl="0" marL="0" rtl="0" algn="l">
-              <a:spcBef>
-                <a:spcPts val="0"/>
-              </a:spcBef>
-              <a:spcAft>
-                <a:spcPts val="0"/>
-              </a:spcAft>
-              <a:buNone/>
-            </a:pPr>
-            <a:r>
-              <a:t/>
-            </a:r>
-            <a:endParaRPr/>
-          </a:p>
-        </p:txBody>
-      </p:sp>
-      <p:sp>
-        <p:nvSpPr>
-          <p:cNvPr id="167" name="Google Shape;167;p26"/>
-          <p:cNvSpPr txBox="1"/>
-          <p:nvPr/>
-        </p:nvSpPr>
-        <p:spPr>
-          <a:xfrm>
-            <a:off x="3568700" y="1325550"/>
-            <a:ext cx="1097400" cy="274200"/>
-          </a:xfrm>
-          <a:prstGeom prst="rect">
-            <a:avLst/>
-          </a:prstGeom>
-          <a:noFill/>
-          <a:ln>
-            <a:noFill/>
-          </a:ln>
-        </p:spPr>
-        <p:txBody>
-          <a:bodyPr anchorCtr="0" anchor="t" bIns="0" lIns="0" spcFirstLastPara="1" rIns="0" wrap="square" tIns="0">
-            <a:noAutofit/>
-          </a:bodyPr>
-          <a:lstStyle/>
-          <a:p>
-            <a:pPr indent="0" lvl="0" marL="0" rtl="0" algn="l">
-              <a:spcBef>
-                <a:spcPts val="0"/>
-              </a:spcBef>
-              <a:spcAft>
-                <a:spcPts val="0"/>
-              </a:spcAft>
-              <a:buNone/>
-            </a:pPr>
-            <a:r>
-              <a:rPr lang="en"/>
-              <a:t>Wijziging 1</a:t>
-            </a:r>
-            <a:endParaRPr/>
-          </a:p>
-        </p:txBody>
-      </p:sp>
-      <p:sp>
-        <p:nvSpPr>
-          <p:cNvPr id="168" name="Google Shape;168;p26"/>
-          <p:cNvSpPr txBox="1"/>
-          <p:nvPr/>
-        </p:nvSpPr>
-        <p:spPr>
-          <a:xfrm>
-            <a:off x="3568700" y="1782750"/>
-            <a:ext cx="1097400" cy="274200"/>
-          </a:xfrm>
-          <a:prstGeom prst="rect">
-            <a:avLst/>
-          </a:prstGeom>
-          <a:noFill/>
-          <a:ln>
-            <a:noFill/>
-          </a:ln>
-        </p:spPr>
-        <p:txBody>
-          <a:bodyPr anchorCtr="0" anchor="t" bIns="0" lIns="0" spcFirstLastPara="1" rIns="0" wrap="square" tIns="0">
-            <a:noAutofit/>
-          </a:bodyPr>
-          <a:lstStyle/>
-          <a:p>
-            <a:pPr indent="0" lvl="0" marL="0" rtl="0" algn="l">
-              <a:spcBef>
-                <a:spcPts val="0"/>
-              </a:spcBef>
-              <a:spcAft>
-                <a:spcPts val="0"/>
-              </a:spcAft>
-              <a:buNone/>
-            </a:pPr>
-            <a:r>
-              <a:rPr lang="en"/>
-              <a:t>Wijziging 2</a:t>
-            </a:r>
-            <a:endParaRPr/>
-          </a:p>
-        </p:txBody>
-      </p:sp>
-      <p:sp>
-        <p:nvSpPr>
-          <p:cNvPr id="169" name="Google Shape;169;p26"/>
-          <p:cNvSpPr txBox="1"/>
-          <p:nvPr/>
-        </p:nvSpPr>
-        <p:spPr>
-          <a:xfrm>
-            <a:off x="2201350" y="2286000"/>
-            <a:ext cx="479700" cy="182100"/>
-          </a:xfrm>
-          <a:prstGeom prst="rect">
-            <a:avLst/>
-          </a:prstGeom>
-          <a:solidFill>
-            <a:srgbClr val="DD7E6B"/>
-          </a:solidFill>
-          <a:ln>
-            <a:noFill/>
-          </a:ln>
-        </p:spPr>
-        <p:txBody>
-          <a:bodyPr anchorCtr="0" anchor="t" bIns="0" lIns="0" spcFirstLastPara="1" rIns="0" wrap="square" tIns="0">
-            <a:noAutofit/>
-          </a:bodyPr>
-          <a:lstStyle/>
-          <a:p>
-            <a:pPr indent="0" lvl="0" marL="0" rtl="0" algn="ctr">
-              <a:spcBef>
-                <a:spcPts val="0"/>
-              </a:spcBef>
-              <a:spcAft>
-                <a:spcPts val="0"/>
-              </a:spcAft>
-              <a:buNone/>
-            </a:pPr>
-            <a:r>
-              <a:rPr lang="en" sz="900"/>
-              <a:t>master</a:t>
-            </a:r>
-            <a:endParaRPr sz="900"/>
-          </a:p>
-        </p:txBody>
-      </p:sp>
-      <p:cxnSp>
-        <p:nvCxnSpPr>
-          <p:cNvPr id="170" name="Google Shape;170;p26"/>
-          <p:cNvCxnSpPr>
-            <a:stCxn id="163" idx="4"/>
-            <a:endCxn id="166" idx="0"/>
-          </p:cNvCxnSpPr>
-          <p:nvPr/>
-        </p:nvCxnSpPr>
-        <p:spPr>
-          <a:xfrm>
-            <a:off x="3324950" y="1553700"/>
-            <a:ext cx="0" cy="275100"/>
-          </a:xfrm>
-          <a:prstGeom prst="straightConnector1">
-            <a:avLst/>
-          </a:prstGeom>
-          <a:noFill/>
-          <a:ln cap="flat" cmpd="sng" w="9525">
-            <a:solidFill>
-              <a:schemeClr val="dk2"/>
-            </a:solidFill>
-            <a:prstDash val="solid"/>
-            <a:round/>
-            <a:headEnd len="med" w="med" type="none"/>
-            <a:tailEnd len="med" w="med" type="none"/>
-          </a:ln>
-        </p:spPr>
-      </p:cxnSp>
-      <p:sp>
-        <p:nvSpPr>
-          <p:cNvPr id="171" name="Google Shape;171;p26"/>
-          <p:cNvSpPr/>
-          <p:nvPr/>
-        </p:nvSpPr>
-        <p:spPr>
-          <a:xfrm>
-            <a:off x="2852928" y="2286000"/>
-            <a:ext cx="183000" cy="182100"/>
-          </a:xfrm>
-          <a:prstGeom prst="ellipse">
-            <a:avLst/>
-          </a:prstGeom>
-          <a:solidFill>
-            <a:schemeClr val="lt2"/>
-          </a:solidFill>
-          <a:ln cap="flat" cmpd="sng" w="9525">
-            <a:solidFill>
-              <a:schemeClr val="dk2"/>
-            </a:solidFill>
-            <a:prstDash val="solid"/>
-            <a:round/>
-            <a:headEnd len="sm" w="sm" type="none"/>
-            <a:tailEnd len="sm" w="sm" type="none"/>
-          </a:ln>
-        </p:spPr>
-        <p:txBody>
-          <a:bodyPr anchorCtr="0" anchor="ctr" bIns="91425" lIns="91425" spcFirstLastPara="1" rIns="91425" wrap="square" tIns="91425">
-            <a:noAutofit/>
-          </a:bodyPr>
-          <a:lstStyle/>
-          <a:p>
-            <a:pPr indent="0" lvl="0" marL="0" rtl="0" algn="l">
-              <a:spcBef>
-                <a:spcPts val="0"/>
-              </a:spcBef>
-              <a:spcAft>
-                <a:spcPts val="0"/>
-              </a:spcAft>
-              <a:buNone/>
-            </a:pPr>
-            <a:r>
-              <a:t/>
-            </a:r>
-            <a:endParaRPr/>
-          </a:p>
-        </p:txBody>
-      </p:sp>
-      <p:cxnSp>
-        <p:nvCxnSpPr>
-          <p:cNvPr id="172" name="Google Shape;172;p26"/>
-          <p:cNvCxnSpPr>
-            <a:stCxn id="162" idx="4"/>
-            <a:endCxn id="171" idx="0"/>
-          </p:cNvCxnSpPr>
-          <p:nvPr/>
-        </p:nvCxnSpPr>
-        <p:spPr>
-          <a:xfrm>
-            <a:off x="2943950" y="1096500"/>
-            <a:ext cx="600" cy="1189500"/>
-          </a:xfrm>
-          <a:prstGeom prst="straightConnector1">
-            <a:avLst/>
-          </a:prstGeom>
-          <a:noFill/>
-          <a:ln cap="flat" cmpd="sng" w="9525">
-            <a:solidFill>
-              <a:schemeClr val="dk2"/>
-            </a:solidFill>
-            <a:prstDash val="solid"/>
-            <a:round/>
-            <a:headEnd len="med" w="med" type="none"/>
-            <a:tailEnd len="med" w="med" type="none"/>
-          </a:ln>
-        </p:spPr>
-      </p:cxnSp>
-      <p:cxnSp>
-        <p:nvCxnSpPr>
-          <p:cNvPr id="173" name="Google Shape;173;p26"/>
-          <p:cNvCxnSpPr>
-            <a:stCxn id="166" idx="3"/>
-            <a:endCxn id="171" idx="7"/>
-          </p:cNvCxnSpPr>
-          <p:nvPr/>
-        </p:nvCxnSpPr>
-        <p:spPr>
-          <a:xfrm flipH="1">
-            <a:off x="3009150" y="1984232"/>
-            <a:ext cx="251100" cy="328500"/>
-          </a:xfrm>
-          <a:prstGeom prst="straightConnector1">
-            <a:avLst/>
-          </a:prstGeom>
-          <a:noFill/>
-          <a:ln cap="flat" cmpd="sng" w="9525">
-            <a:solidFill>
-              <a:schemeClr val="dk2"/>
-            </a:solidFill>
-            <a:prstDash val="solid"/>
-            <a:round/>
-            <a:headEnd len="med" w="med" type="none"/>
-            <a:tailEnd len="med" w="med" type="none"/>
-          </a:ln>
-        </p:spPr>
-      </p:cxnSp>
-      <p:sp>
-        <p:nvSpPr>
-          <p:cNvPr id="174" name="Google Shape;174;p26"/>
-          <p:cNvSpPr txBox="1"/>
-          <p:nvPr/>
-        </p:nvSpPr>
-        <p:spPr>
-          <a:xfrm>
-            <a:off x="1667950" y="2286000"/>
-            <a:ext cx="479700" cy="182100"/>
-          </a:xfrm>
-          <a:prstGeom prst="rect">
-            <a:avLst/>
-          </a:prstGeom>
-          <a:solidFill>
-            <a:srgbClr val="3D85C6"/>
-          </a:solidFill>
-          <a:ln>
-            <a:noFill/>
-          </a:ln>
-        </p:spPr>
-        <p:txBody>
-          <a:bodyPr anchorCtr="0" anchor="t" bIns="0" lIns="0" spcFirstLastPara="1" rIns="0" wrap="square" tIns="0">
-            <a:noAutofit/>
-          </a:bodyPr>
-          <a:lstStyle/>
-          <a:p>
-            <a:pPr indent="0" lvl="0" marL="0" rtl="0" algn="ctr">
-              <a:spcBef>
-                <a:spcPts val="0"/>
-              </a:spcBef>
-              <a:spcAft>
-                <a:spcPts val="0"/>
-              </a:spcAft>
-              <a:buNone/>
-            </a:pPr>
-            <a:r>
-              <a:rPr b="1" lang="en" sz="900"/>
-              <a:t>develop</a:t>
-            </a:r>
-            <a:endParaRPr b="1" sz="900"/>
-          </a:p>
-        </p:txBody>
-      </p:sp>
-      <p:sp>
-        <p:nvSpPr>
-          <p:cNvPr id="175" name="Google Shape;175;p26"/>
-          <p:cNvSpPr txBox="1"/>
-          <p:nvPr/>
-        </p:nvSpPr>
-        <p:spPr>
-          <a:xfrm>
-            <a:off x="3568700" y="2240280"/>
-            <a:ext cx="1097400" cy="274200"/>
-          </a:xfrm>
-          <a:prstGeom prst="rect">
-            <a:avLst/>
-          </a:prstGeom>
-          <a:noFill/>
-          <a:ln>
-            <a:noFill/>
-          </a:ln>
-        </p:spPr>
-        <p:txBody>
-          <a:bodyPr anchorCtr="0" anchor="t" bIns="0" lIns="0" spcFirstLastPara="1" rIns="0" wrap="square" tIns="0">
-            <a:noAutofit/>
-          </a:bodyPr>
-          <a:lstStyle/>
-          <a:p>
-            <a:pPr indent="0" lvl="0" marL="0" rtl="0" algn="l">
-              <a:spcBef>
-                <a:spcPts val="0"/>
-              </a:spcBef>
-              <a:spcAft>
-                <a:spcPts val="0"/>
-              </a:spcAft>
-              <a:buNone/>
-            </a:pPr>
-            <a:r>
-              <a:rPr lang="en"/>
-              <a:t>merge</a:t>
-            </a:r>
-            <a:endParaRPr/>
-          </a:p>
-        </p:txBody>
-      </p:sp>
-      <p:sp>
-        <p:nvSpPr>
-          <p:cNvPr id="176" name="Google Shape;176;p26"/>
-          <p:cNvSpPr txBox="1"/>
-          <p:nvPr/>
-        </p:nvSpPr>
-        <p:spPr>
-          <a:xfrm>
-            <a:off x="0" y="0"/>
-            <a:ext cx="9144000" cy="474000"/>
-          </a:xfrm>
-          <a:prstGeom prst="rect">
-            <a:avLst/>
-          </a:prstGeom>
-          <a:solidFill>
-            <a:srgbClr val="D9D9D9"/>
-          </a:solidFill>
-          <a:ln>
-            <a:noFill/>
-          </a:ln>
-        </p:spPr>
-        <p:txBody>
-          <a:bodyPr anchorCtr="0" anchor="t" bIns="91425" lIns="91425" spcFirstLastPara="1" rIns="91425" wrap="square" tIns="137150">
-            <a:noAutofit/>
-          </a:bodyPr>
-          <a:lstStyle/>
-          <a:p>
-            <a:pPr indent="0" lvl="0" marL="0" rtl="0" algn="ctr">
-              <a:spcBef>
-                <a:spcPts val="0"/>
-              </a:spcBef>
-              <a:spcAft>
-                <a:spcPts val="0"/>
-              </a:spcAft>
-              <a:buNone/>
-            </a:pPr>
-            <a:r>
-              <a:rPr lang="en"/>
-              <a:t>MERGE</a:t>
-            </a:r>
-            <a:endParaRPr/>
-          </a:p>
-        </p:txBody>
-      </p:sp>
-    </p:spTree>
-  </p:cSld>
-  <p:clrMapOvr>
-    <a:masterClrMapping/>
-  </p:clrMapOvr>
-</p:sld>
-</file>
-
-<file path=ppt/slides/slide15.xml><?xml version="1.0" encoding="utf-8"?>
-<p:sld xmlns:a="http://schemas.openxmlformats.org/drawingml/2006/main" xmlns:r="http://schemas.openxmlformats.org/officeDocument/2006/relationships" xmlns:mc="http://schemas.openxmlformats.org/markup-compatibility/2006" xmlns:mv="urn:schemas-microsoft-com:mac:vml" xmlns:p="http://schemas.openxmlformats.org/presentationml/2006/main" xmlns:c="http://schemas.openxmlformats.org/drawingml/2006/chart" xmlns:dgm="http://schemas.openxmlformats.org/drawingml/2006/diagram" xmlns:o="urn:schemas-microsoft-com:office:office" xmlns:v="urn:schemas-microsoft-com:vml" xmlns:pvml="urn:schemas-microsoft-com:office:powerpoint" xmlns:com="http://schemas.openxmlformats.org/drawingml/2006/compatibility" xmlns:p14="http://schemas.microsoft.com/office/powerpoint/2010/main" xmlns:p15="http://schemas.microsoft.com/office/powerpoint/2012/main">
-  <p:cSld>
-    <p:spTree>
-      <p:nvGrpSpPr>
-        <p:cNvPr id="180" name="Shape 180"/>
-        <p:cNvGrpSpPr/>
-        <p:nvPr/>
-      </p:nvGrpSpPr>
-      <p:grpSpPr>
-        <a:xfrm>
-          <a:off x="0" y="0"/>
-          <a:ext cx="0" cy="0"/>
-          <a:chOff x="0" y="0"/>
-          <a:chExt cx="0" cy="0"/>
-        </a:xfrm>
-      </p:grpSpPr>
-      <p:sp>
-        <p:nvSpPr>
-          <p:cNvPr id="181" name="Google Shape;181;p27"/>
-          <p:cNvSpPr/>
-          <p:nvPr/>
-        </p:nvSpPr>
-        <p:spPr>
-          <a:xfrm>
-            <a:off x="2852450" y="914400"/>
-            <a:ext cx="183000" cy="182100"/>
-          </a:xfrm>
-          <a:prstGeom prst="ellipse">
-            <a:avLst/>
-          </a:prstGeom>
-          <a:solidFill>
-            <a:schemeClr val="lt2"/>
-          </a:solidFill>
-          <a:ln cap="flat" cmpd="sng" w="9525">
-            <a:solidFill>
-              <a:schemeClr val="dk2"/>
-            </a:solidFill>
-            <a:prstDash val="solid"/>
-            <a:round/>
-            <a:headEnd len="sm" w="sm" type="none"/>
-            <a:tailEnd len="sm" w="sm" type="none"/>
-          </a:ln>
-        </p:spPr>
-        <p:txBody>
-          <a:bodyPr anchorCtr="0" anchor="ctr" bIns="91425" lIns="91425" spcFirstLastPara="1" rIns="91425" wrap="square" tIns="91425">
-            <a:noAutofit/>
-          </a:bodyPr>
-          <a:lstStyle/>
-          <a:p>
-            <a:pPr indent="0" lvl="0" marL="0" rtl="0" algn="l">
-              <a:spcBef>
-                <a:spcPts val="0"/>
-              </a:spcBef>
-              <a:spcAft>
-                <a:spcPts val="0"/>
-              </a:spcAft>
-              <a:buNone/>
-            </a:pPr>
-            <a:r>
-              <a:t/>
-            </a:r>
-            <a:endParaRPr/>
-          </a:p>
-        </p:txBody>
-      </p:sp>
-      <p:sp>
-        <p:nvSpPr>
-          <p:cNvPr id="182" name="Google Shape;182;p27"/>
-          <p:cNvSpPr/>
-          <p:nvPr/>
-        </p:nvSpPr>
-        <p:spPr>
-          <a:xfrm>
-            <a:off x="3233450" y="1371600"/>
-            <a:ext cx="183000" cy="182100"/>
-          </a:xfrm>
-          <a:prstGeom prst="ellipse">
-            <a:avLst/>
-          </a:prstGeom>
-          <a:solidFill>
-            <a:schemeClr val="lt2"/>
-          </a:solidFill>
-          <a:ln cap="flat" cmpd="sng" w="9525">
-            <a:solidFill>
-              <a:schemeClr val="dk2"/>
-            </a:solidFill>
-            <a:prstDash val="solid"/>
-            <a:round/>
-            <a:headEnd len="sm" w="sm" type="none"/>
-            <a:tailEnd len="sm" w="sm" type="none"/>
-          </a:ln>
-        </p:spPr>
-        <p:txBody>
-          <a:bodyPr anchorCtr="0" anchor="ctr" bIns="91425" lIns="91425" spcFirstLastPara="1" rIns="91425" wrap="square" tIns="91425">
-            <a:noAutofit/>
-          </a:bodyPr>
-          <a:lstStyle/>
-          <a:p>
-            <a:pPr indent="0" lvl="0" marL="0" rtl="0" algn="l">
-              <a:spcBef>
-                <a:spcPts val="0"/>
-              </a:spcBef>
-              <a:spcAft>
-                <a:spcPts val="0"/>
-              </a:spcAft>
-              <a:buNone/>
-            </a:pPr>
-            <a:r>
-              <a:t/>
-            </a:r>
-            <a:endParaRPr/>
-          </a:p>
-        </p:txBody>
-      </p:sp>
-      <p:cxnSp>
-        <p:nvCxnSpPr>
-          <p:cNvPr id="183" name="Google Shape;183;p27"/>
-          <p:cNvCxnSpPr>
-            <a:stCxn id="181" idx="5"/>
-            <a:endCxn id="182" idx="1"/>
-          </p:cNvCxnSpPr>
-          <p:nvPr/>
-        </p:nvCxnSpPr>
-        <p:spPr>
-          <a:xfrm>
-            <a:off x="3008650" y="1069832"/>
-            <a:ext cx="251700" cy="328500"/>
-          </a:xfrm>
-          <a:prstGeom prst="straightConnector1">
-            <a:avLst/>
-          </a:prstGeom>
-          <a:noFill/>
-          <a:ln cap="flat" cmpd="sng" w="9525">
-            <a:solidFill>
-              <a:schemeClr val="dk2"/>
-            </a:solidFill>
-            <a:prstDash val="solid"/>
-            <a:round/>
-            <a:headEnd len="med" w="med" type="none"/>
-            <a:tailEnd len="med" w="med" type="none"/>
-          </a:ln>
-        </p:spPr>
-      </p:cxnSp>
-      <p:sp>
-        <p:nvSpPr>
-          <p:cNvPr id="184" name="Google Shape;184;p27"/>
-          <p:cNvSpPr txBox="1"/>
-          <p:nvPr/>
-        </p:nvSpPr>
-        <p:spPr>
-          <a:xfrm>
-            <a:off x="3568700" y="868350"/>
-            <a:ext cx="1097400" cy="274200"/>
-          </a:xfrm>
-          <a:prstGeom prst="rect">
-            <a:avLst/>
-          </a:prstGeom>
-          <a:noFill/>
-          <a:ln>
-            <a:noFill/>
-          </a:ln>
-        </p:spPr>
-        <p:txBody>
-          <a:bodyPr anchorCtr="0" anchor="t" bIns="0" lIns="0" spcFirstLastPara="1" rIns="0" wrap="square" tIns="0">
-            <a:noAutofit/>
-          </a:bodyPr>
-          <a:lstStyle/>
-          <a:p>
-            <a:pPr indent="0" lvl="0" marL="0" rtl="0" algn="l">
-              <a:spcBef>
-                <a:spcPts val="0"/>
-              </a:spcBef>
-              <a:spcAft>
-                <a:spcPts val="0"/>
-              </a:spcAft>
-              <a:buNone/>
-            </a:pPr>
-            <a:r>
-              <a:rPr lang="en"/>
-              <a:t>Initial commit</a:t>
-            </a:r>
-            <a:endParaRPr/>
-          </a:p>
-        </p:txBody>
-      </p:sp>
-      <p:sp>
-        <p:nvSpPr>
-          <p:cNvPr id="185" name="Google Shape;185;p27"/>
-          <p:cNvSpPr/>
-          <p:nvPr/>
-        </p:nvSpPr>
-        <p:spPr>
-          <a:xfrm>
-            <a:off x="3233450" y="1828800"/>
-            <a:ext cx="183000" cy="182100"/>
-          </a:xfrm>
-          <a:prstGeom prst="ellipse">
-            <a:avLst/>
-          </a:prstGeom>
-          <a:solidFill>
-            <a:schemeClr val="lt2"/>
-          </a:solidFill>
-          <a:ln cap="flat" cmpd="sng" w="9525">
-            <a:solidFill>
-              <a:schemeClr val="dk2"/>
-            </a:solidFill>
-            <a:prstDash val="solid"/>
-            <a:round/>
-            <a:headEnd len="sm" w="sm" type="none"/>
-            <a:tailEnd len="sm" w="sm" type="none"/>
-          </a:ln>
-        </p:spPr>
-        <p:txBody>
-          <a:bodyPr anchorCtr="0" anchor="ctr" bIns="91425" lIns="91425" spcFirstLastPara="1" rIns="91425" wrap="square" tIns="91425">
-            <a:noAutofit/>
-          </a:bodyPr>
-          <a:lstStyle/>
-          <a:p>
-            <a:pPr indent="0" lvl="0" marL="0" rtl="0" algn="l">
-              <a:spcBef>
-                <a:spcPts val="0"/>
-              </a:spcBef>
-              <a:spcAft>
-                <a:spcPts val="0"/>
-              </a:spcAft>
-              <a:buNone/>
-            </a:pPr>
-            <a:r>
-              <a:t/>
-            </a:r>
-            <a:endParaRPr/>
-          </a:p>
-        </p:txBody>
-      </p:sp>
-      <p:sp>
-        <p:nvSpPr>
-          <p:cNvPr id="186" name="Google Shape;186;p27"/>
-          <p:cNvSpPr txBox="1"/>
-          <p:nvPr/>
-        </p:nvSpPr>
-        <p:spPr>
-          <a:xfrm>
-            <a:off x="3568700" y="1325550"/>
-            <a:ext cx="1097400" cy="274200"/>
-          </a:xfrm>
-          <a:prstGeom prst="rect">
-            <a:avLst/>
-          </a:prstGeom>
-          <a:noFill/>
-          <a:ln>
-            <a:noFill/>
-          </a:ln>
-        </p:spPr>
-        <p:txBody>
-          <a:bodyPr anchorCtr="0" anchor="t" bIns="0" lIns="0" spcFirstLastPara="1" rIns="0" wrap="square" tIns="0">
-            <a:noAutofit/>
-          </a:bodyPr>
-          <a:lstStyle/>
-          <a:p>
-            <a:pPr indent="0" lvl="0" marL="0" rtl="0" algn="l">
-              <a:spcBef>
-                <a:spcPts val="0"/>
-              </a:spcBef>
-              <a:spcAft>
-                <a:spcPts val="0"/>
-              </a:spcAft>
-              <a:buNone/>
-            </a:pPr>
-            <a:r>
-              <a:rPr lang="en"/>
-              <a:t>Wijziging 1</a:t>
-            </a:r>
-            <a:endParaRPr/>
-          </a:p>
-        </p:txBody>
-      </p:sp>
-      <p:sp>
-        <p:nvSpPr>
-          <p:cNvPr id="187" name="Google Shape;187;p27"/>
-          <p:cNvSpPr txBox="1"/>
-          <p:nvPr/>
-        </p:nvSpPr>
-        <p:spPr>
-          <a:xfrm>
-            <a:off x="3568700" y="1782750"/>
-            <a:ext cx="1097400" cy="274200"/>
-          </a:xfrm>
-          <a:prstGeom prst="rect">
-            <a:avLst/>
-          </a:prstGeom>
-          <a:noFill/>
-          <a:ln>
-            <a:noFill/>
-          </a:ln>
-        </p:spPr>
-        <p:txBody>
-          <a:bodyPr anchorCtr="0" anchor="t" bIns="0" lIns="0" spcFirstLastPara="1" rIns="0" wrap="square" tIns="0">
-            <a:noAutofit/>
-          </a:bodyPr>
-          <a:lstStyle/>
-          <a:p>
-            <a:pPr indent="0" lvl="0" marL="0" rtl="0" algn="l">
-              <a:spcBef>
-                <a:spcPts val="0"/>
-              </a:spcBef>
-              <a:spcAft>
-                <a:spcPts val="0"/>
-              </a:spcAft>
-              <a:buNone/>
-            </a:pPr>
-            <a:r>
-              <a:rPr lang="en"/>
-              <a:t>Wijziging 2</a:t>
-            </a:r>
-            <a:endParaRPr/>
-          </a:p>
-        </p:txBody>
-      </p:sp>
-      <p:sp>
-        <p:nvSpPr>
-          <p:cNvPr id="188" name="Google Shape;188;p27"/>
-          <p:cNvSpPr txBox="1"/>
-          <p:nvPr/>
-        </p:nvSpPr>
-        <p:spPr>
-          <a:xfrm>
-            <a:off x="2201350" y="2286000"/>
-            <a:ext cx="479700" cy="182100"/>
-          </a:xfrm>
-          <a:prstGeom prst="rect">
-            <a:avLst/>
-          </a:prstGeom>
-          <a:solidFill>
-            <a:srgbClr val="DD7E6B"/>
-          </a:solidFill>
-          <a:ln>
-            <a:noFill/>
-          </a:ln>
-        </p:spPr>
-        <p:txBody>
-          <a:bodyPr anchorCtr="0" anchor="t" bIns="0" lIns="0" spcFirstLastPara="1" rIns="0" wrap="square" tIns="0">
-            <a:noAutofit/>
-          </a:bodyPr>
-          <a:lstStyle/>
-          <a:p>
-            <a:pPr indent="0" lvl="0" marL="0" rtl="0" algn="ctr">
-              <a:spcBef>
-                <a:spcPts val="0"/>
-              </a:spcBef>
-              <a:spcAft>
-                <a:spcPts val="0"/>
-              </a:spcAft>
-              <a:buNone/>
-            </a:pPr>
-            <a:r>
-              <a:rPr lang="en" sz="900"/>
-              <a:t>master</a:t>
-            </a:r>
-            <a:endParaRPr sz="900"/>
-          </a:p>
-        </p:txBody>
-      </p:sp>
-      <p:cxnSp>
-        <p:nvCxnSpPr>
-          <p:cNvPr id="189" name="Google Shape;189;p27"/>
-          <p:cNvCxnSpPr>
-            <a:stCxn id="182" idx="4"/>
-            <a:endCxn id="185" idx="0"/>
-          </p:cNvCxnSpPr>
-          <p:nvPr/>
-        </p:nvCxnSpPr>
-        <p:spPr>
-          <a:xfrm>
-            <a:off x="3324950" y="1553700"/>
-            <a:ext cx="0" cy="275100"/>
-          </a:xfrm>
-          <a:prstGeom prst="straightConnector1">
-            <a:avLst/>
-          </a:prstGeom>
-          <a:noFill/>
-          <a:ln cap="flat" cmpd="sng" w="9525">
-            <a:solidFill>
-              <a:schemeClr val="dk2"/>
-            </a:solidFill>
-            <a:prstDash val="solid"/>
-            <a:round/>
-            <a:headEnd len="med" w="med" type="none"/>
-            <a:tailEnd len="med" w="med" type="none"/>
-          </a:ln>
-        </p:spPr>
-      </p:cxnSp>
-      <p:sp>
-        <p:nvSpPr>
-          <p:cNvPr id="190" name="Google Shape;190;p27"/>
-          <p:cNvSpPr/>
-          <p:nvPr/>
-        </p:nvSpPr>
-        <p:spPr>
-          <a:xfrm>
-            <a:off x="2852928" y="2286000"/>
-            <a:ext cx="183000" cy="182100"/>
-          </a:xfrm>
-          <a:prstGeom prst="ellipse">
-            <a:avLst/>
-          </a:prstGeom>
-          <a:solidFill>
-            <a:schemeClr val="lt2"/>
-          </a:solidFill>
-          <a:ln cap="flat" cmpd="sng" w="9525">
-            <a:solidFill>
-              <a:schemeClr val="dk2"/>
-            </a:solidFill>
-            <a:prstDash val="solid"/>
-            <a:round/>
-            <a:headEnd len="sm" w="sm" type="none"/>
-            <a:tailEnd len="sm" w="sm" type="none"/>
-          </a:ln>
-        </p:spPr>
-        <p:txBody>
-          <a:bodyPr anchorCtr="0" anchor="ctr" bIns="91425" lIns="91425" spcFirstLastPara="1" rIns="91425" wrap="square" tIns="91425">
-            <a:noAutofit/>
-          </a:bodyPr>
-          <a:lstStyle/>
-          <a:p>
-            <a:pPr indent="0" lvl="0" marL="0" rtl="0" algn="l">
-              <a:spcBef>
-                <a:spcPts val="0"/>
-              </a:spcBef>
-              <a:spcAft>
-                <a:spcPts val="0"/>
-              </a:spcAft>
-              <a:buNone/>
-            </a:pPr>
-            <a:r>
-              <a:t/>
-            </a:r>
-            <a:endParaRPr/>
-          </a:p>
-        </p:txBody>
-      </p:sp>
-      <p:cxnSp>
-        <p:nvCxnSpPr>
-          <p:cNvPr id="191" name="Google Shape;191;p27"/>
-          <p:cNvCxnSpPr>
-            <a:stCxn id="181" idx="4"/>
-            <a:endCxn id="190" idx="0"/>
-          </p:cNvCxnSpPr>
-          <p:nvPr/>
-        </p:nvCxnSpPr>
-        <p:spPr>
-          <a:xfrm>
-            <a:off x="2943950" y="1096500"/>
-            <a:ext cx="600" cy="1189500"/>
-          </a:xfrm>
-          <a:prstGeom prst="straightConnector1">
-            <a:avLst/>
-          </a:prstGeom>
-          <a:noFill/>
-          <a:ln cap="flat" cmpd="sng" w="9525">
-            <a:solidFill>
-              <a:schemeClr val="dk2"/>
-            </a:solidFill>
-            <a:prstDash val="solid"/>
-            <a:round/>
-            <a:headEnd len="med" w="med" type="none"/>
-            <a:tailEnd len="med" w="med" type="none"/>
-          </a:ln>
-        </p:spPr>
-      </p:cxnSp>
-      <p:sp>
-        <p:nvSpPr>
-          <p:cNvPr id="192" name="Google Shape;192;p27"/>
-          <p:cNvSpPr txBox="1"/>
-          <p:nvPr/>
-        </p:nvSpPr>
-        <p:spPr>
-          <a:xfrm>
-            <a:off x="1667950" y="1828800"/>
-            <a:ext cx="479700" cy="182100"/>
-          </a:xfrm>
-          <a:prstGeom prst="rect">
-            <a:avLst/>
-          </a:prstGeom>
-          <a:solidFill>
-            <a:srgbClr val="3D85C6"/>
-          </a:solidFill>
-          <a:ln>
-            <a:noFill/>
-          </a:ln>
-        </p:spPr>
-        <p:txBody>
-          <a:bodyPr anchorCtr="0" anchor="t" bIns="0" lIns="0" spcFirstLastPara="1" rIns="0" wrap="square" tIns="0">
-            <a:noAutofit/>
-          </a:bodyPr>
-          <a:lstStyle/>
-          <a:p>
-            <a:pPr indent="0" lvl="0" marL="0" rtl="0" algn="ctr">
-              <a:spcBef>
-                <a:spcPts val="0"/>
-              </a:spcBef>
-              <a:spcAft>
-                <a:spcPts val="0"/>
-              </a:spcAft>
-              <a:buNone/>
-            </a:pPr>
-            <a:r>
-              <a:rPr b="1" lang="en" sz="900"/>
-              <a:t>develop</a:t>
-            </a:r>
-            <a:endParaRPr b="1" sz="900"/>
-          </a:p>
-        </p:txBody>
-      </p:sp>
-      <p:sp>
-        <p:nvSpPr>
-          <p:cNvPr id="193" name="Google Shape;193;p27"/>
-          <p:cNvSpPr txBox="1"/>
-          <p:nvPr/>
-        </p:nvSpPr>
-        <p:spPr>
-          <a:xfrm>
-            <a:off x="3568700" y="2240280"/>
-            <a:ext cx="1097400" cy="274200"/>
-          </a:xfrm>
-          <a:prstGeom prst="rect">
-            <a:avLst/>
-          </a:prstGeom>
-          <a:noFill/>
-          <a:ln>
-            <a:noFill/>
-          </a:ln>
-        </p:spPr>
-        <p:txBody>
-          <a:bodyPr anchorCtr="0" anchor="t" bIns="0" lIns="0" spcFirstLastPara="1" rIns="0" wrap="square" tIns="0">
-            <a:noAutofit/>
-          </a:bodyPr>
-          <a:lstStyle/>
-          <a:p>
-            <a:pPr indent="0" lvl="0" marL="0" rtl="0" algn="l">
-              <a:spcBef>
-                <a:spcPts val="0"/>
-              </a:spcBef>
-              <a:spcAft>
-                <a:spcPts val="0"/>
-              </a:spcAft>
-              <a:buNone/>
-            </a:pPr>
-            <a:r>
-              <a:rPr lang="en"/>
-              <a:t>Wijziging 1</a:t>
-            </a:r>
-            <a:endParaRPr/>
-          </a:p>
-        </p:txBody>
-      </p:sp>
-      <p:sp>
-        <p:nvSpPr>
-          <p:cNvPr id="194" name="Google Shape;194;p27"/>
-          <p:cNvSpPr txBox="1"/>
-          <p:nvPr/>
-        </p:nvSpPr>
-        <p:spPr>
-          <a:xfrm>
-            <a:off x="0" y="0"/>
-            <a:ext cx="9144000" cy="474000"/>
-          </a:xfrm>
-          <a:prstGeom prst="rect">
-            <a:avLst/>
-          </a:prstGeom>
-          <a:solidFill>
-            <a:srgbClr val="D9D9D9"/>
-          </a:solidFill>
-          <a:ln>
-            <a:noFill/>
-          </a:ln>
-        </p:spPr>
-        <p:txBody>
-          <a:bodyPr anchorCtr="0" anchor="t" bIns="91425" lIns="91425" spcFirstLastPara="1" rIns="91425" wrap="square" tIns="137150">
-            <a:noAutofit/>
-          </a:bodyPr>
-          <a:lstStyle/>
-          <a:p>
-            <a:pPr indent="0" lvl="0" marL="0" rtl="0" algn="ctr">
-              <a:spcBef>
-                <a:spcPts val="0"/>
-              </a:spcBef>
-              <a:spcAft>
-                <a:spcPts val="0"/>
-              </a:spcAft>
-              <a:buNone/>
-            </a:pPr>
-            <a:r>
-              <a:rPr lang="en"/>
-              <a:t>REBASE</a:t>
-            </a:r>
-            <a:endParaRPr/>
-          </a:p>
-        </p:txBody>
-      </p:sp>
-    </p:spTree>
-  </p:cSld>
-  <p:clrMapOvr>
-    <a:masterClrMapping/>
-  </p:clrMapOvr>
-</p:sld>
-</file>
-
-<file path=ppt/slides/slide16.xml><?xml version="1.0" encoding="utf-8"?>
-<p:sld xmlns:a="http://schemas.openxmlformats.org/drawingml/2006/main" xmlns:r="http://schemas.openxmlformats.org/officeDocument/2006/relationships" xmlns:mc="http://schemas.openxmlformats.org/markup-compatibility/2006" xmlns:mv="urn:schemas-microsoft-com:mac:vml" xmlns:p="http://schemas.openxmlformats.org/presentationml/2006/main" xmlns:c="http://schemas.openxmlformats.org/drawingml/2006/chart" xmlns:dgm="http://schemas.openxmlformats.org/drawingml/2006/diagram" xmlns:o="urn:schemas-microsoft-com:office:office" xmlns:v="urn:schemas-microsoft-com:vml" xmlns:pvml="urn:schemas-microsoft-com:office:powerpoint" xmlns:com="http://schemas.openxmlformats.org/drawingml/2006/compatibility" xmlns:p14="http://schemas.microsoft.com/office/powerpoint/2010/main" xmlns:p15="http://schemas.microsoft.com/office/powerpoint/2012/main">
-  <p:cSld>
-    <p:spTree>
-      <p:nvGrpSpPr>
-        <p:cNvPr id="198" name="Shape 198"/>
-        <p:cNvGrpSpPr/>
-        <p:nvPr/>
-      </p:nvGrpSpPr>
-      <p:grpSpPr>
-        <a:xfrm>
-          <a:off x="0" y="0"/>
-          <a:ext cx="0" cy="0"/>
-          <a:chOff x="0" y="0"/>
-          <a:chExt cx="0" cy="0"/>
-        </a:xfrm>
-      </p:grpSpPr>
-      <p:sp>
-        <p:nvSpPr>
-          <p:cNvPr id="199" name="Google Shape;199;p28"/>
-          <p:cNvSpPr/>
-          <p:nvPr/>
-        </p:nvSpPr>
-        <p:spPr>
-          <a:xfrm>
-            <a:off x="2852450" y="914400"/>
-            <a:ext cx="183000" cy="182100"/>
-          </a:xfrm>
-          <a:prstGeom prst="ellipse">
-            <a:avLst/>
-          </a:prstGeom>
-          <a:solidFill>
-            <a:schemeClr val="lt2"/>
-          </a:solidFill>
-          <a:ln cap="flat" cmpd="sng" w="9525">
-            <a:solidFill>
-              <a:schemeClr val="dk2"/>
-            </a:solidFill>
-            <a:prstDash val="solid"/>
-            <a:round/>
-            <a:headEnd len="sm" w="sm" type="none"/>
-            <a:tailEnd len="sm" w="sm" type="none"/>
-          </a:ln>
-        </p:spPr>
-        <p:txBody>
-          <a:bodyPr anchorCtr="0" anchor="ctr" bIns="91425" lIns="91425" spcFirstLastPara="1" rIns="91425" wrap="square" tIns="91425">
-            <a:noAutofit/>
-          </a:bodyPr>
-          <a:lstStyle/>
-          <a:p>
-            <a:pPr indent="0" lvl="0" marL="0" rtl="0" algn="l">
-              <a:spcBef>
-                <a:spcPts val="0"/>
-              </a:spcBef>
-              <a:spcAft>
-                <a:spcPts val="0"/>
-              </a:spcAft>
-              <a:buNone/>
-            </a:pPr>
-            <a:r>
-              <a:t/>
-            </a:r>
-            <a:endParaRPr/>
-          </a:p>
-        </p:txBody>
-      </p:sp>
-      <p:sp>
-        <p:nvSpPr>
-          <p:cNvPr id="200" name="Google Shape;200;p28"/>
-          <p:cNvSpPr/>
-          <p:nvPr/>
-        </p:nvSpPr>
-        <p:spPr>
-          <a:xfrm>
-            <a:off x="2852450" y="2789250"/>
-            <a:ext cx="183000" cy="182100"/>
-          </a:xfrm>
-          <a:prstGeom prst="ellipse">
-            <a:avLst/>
-          </a:prstGeom>
-          <a:solidFill>
-            <a:schemeClr val="lt2"/>
-          </a:solidFill>
-          <a:ln cap="flat" cmpd="sng" w="9525">
-            <a:solidFill>
-              <a:schemeClr val="dk2"/>
-            </a:solidFill>
-            <a:prstDash val="solid"/>
-            <a:round/>
-            <a:headEnd len="sm" w="sm" type="none"/>
-            <a:tailEnd len="sm" w="sm" type="none"/>
-          </a:ln>
-        </p:spPr>
-        <p:txBody>
-          <a:bodyPr anchorCtr="0" anchor="ctr" bIns="91425" lIns="91425" spcFirstLastPara="1" rIns="91425" wrap="square" tIns="91425">
-            <a:noAutofit/>
-          </a:bodyPr>
-          <a:lstStyle/>
-          <a:p>
-            <a:pPr indent="0" lvl="0" marL="0" rtl="0" algn="l">
-              <a:spcBef>
-                <a:spcPts val="0"/>
-              </a:spcBef>
-              <a:spcAft>
-                <a:spcPts val="0"/>
-              </a:spcAft>
-              <a:buNone/>
-            </a:pPr>
-            <a:r>
-              <a:t/>
-            </a:r>
-            <a:endParaRPr/>
-          </a:p>
-        </p:txBody>
-      </p:sp>
-      <p:cxnSp>
-        <p:nvCxnSpPr>
-          <p:cNvPr id="201" name="Google Shape;201;p28"/>
-          <p:cNvCxnSpPr>
-            <a:stCxn id="202" idx="4"/>
-            <a:endCxn id="200" idx="0"/>
-          </p:cNvCxnSpPr>
-          <p:nvPr/>
-        </p:nvCxnSpPr>
-        <p:spPr>
-          <a:xfrm flipH="1">
-            <a:off x="2943828" y="2468100"/>
-            <a:ext cx="600" cy="321300"/>
-          </a:xfrm>
-          <a:prstGeom prst="straightConnector1">
-            <a:avLst/>
-          </a:prstGeom>
-          <a:noFill/>
-          <a:ln cap="flat" cmpd="sng" w="9525">
-            <a:solidFill>
-              <a:schemeClr val="dk2"/>
-            </a:solidFill>
-            <a:prstDash val="solid"/>
-            <a:round/>
-            <a:headEnd len="med" w="med" type="none"/>
-            <a:tailEnd len="med" w="med" type="none"/>
-          </a:ln>
-        </p:spPr>
-      </p:cxnSp>
-      <p:sp>
-        <p:nvSpPr>
-          <p:cNvPr id="203" name="Google Shape;203;p28"/>
-          <p:cNvSpPr txBox="1"/>
-          <p:nvPr/>
-        </p:nvSpPr>
-        <p:spPr>
-          <a:xfrm>
-            <a:off x="3568700" y="868350"/>
-            <a:ext cx="1097400" cy="274200"/>
-          </a:xfrm>
-          <a:prstGeom prst="rect">
-            <a:avLst/>
-          </a:prstGeom>
-          <a:noFill/>
-          <a:ln>
-            <a:noFill/>
-          </a:ln>
-        </p:spPr>
-        <p:txBody>
-          <a:bodyPr anchorCtr="0" anchor="t" bIns="0" lIns="0" spcFirstLastPara="1" rIns="0" wrap="square" tIns="0">
-            <a:noAutofit/>
-          </a:bodyPr>
-          <a:lstStyle/>
-          <a:p>
-            <a:pPr indent="0" lvl="0" marL="0" rtl="0" algn="l">
-              <a:spcBef>
-                <a:spcPts val="0"/>
-              </a:spcBef>
-              <a:spcAft>
-                <a:spcPts val="0"/>
-              </a:spcAft>
-              <a:buNone/>
-            </a:pPr>
-            <a:r>
-              <a:rPr lang="en"/>
-              <a:t>Initial commit</a:t>
-            </a:r>
-            <a:endParaRPr/>
-          </a:p>
-        </p:txBody>
-      </p:sp>
-      <p:sp>
-        <p:nvSpPr>
-          <p:cNvPr id="204" name="Google Shape;204;p28"/>
-          <p:cNvSpPr/>
-          <p:nvPr/>
-        </p:nvSpPr>
-        <p:spPr>
-          <a:xfrm>
-            <a:off x="2852450" y="3246450"/>
-            <a:ext cx="183000" cy="182100"/>
-          </a:xfrm>
-          <a:prstGeom prst="ellipse">
-            <a:avLst/>
-          </a:prstGeom>
-          <a:solidFill>
-            <a:schemeClr val="lt2"/>
-          </a:solidFill>
-          <a:ln cap="flat" cmpd="sng" w="9525">
-            <a:solidFill>
-              <a:schemeClr val="dk2"/>
-            </a:solidFill>
-            <a:prstDash val="solid"/>
-            <a:round/>
-            <a:headEnd len="sm" w="sm" type="none"/>
-            <a:tailEnd len="sm" w="sm" type="none"/>
-          </a:ln>
-        </p:spPr>
-        <p:txBody>
-          <a:bodyPr anchorCtr="0" anchor="ctr" bIns="91425" lIns="91425" spcFirstLastPara="1" rIns="91425" wrap="square" tIns="91425">
-            <a:noAutofit/>
-          </a:bodyPr>
-          <a:lstStyle/>
-          <a:p>
-            <a:pPr indent="0" lvl="0" marL="0" rtl="0" algn="l">
-              <a:spcBef>
-                <a:spcPts val="0"/>
-              </a:spcBef>
-              <a:spcAft>
-                <a:spcPts val="0"/>
-              </a:spcAft>
-              <a:buNone/>
-            </a:pPr>
-            <a:r>
-              <a:t/>
-            </a:r>
-            <a:endParaRPr/>
-          </a:p>
-        </p:txBody>
-      </p:sp>
-      <p:sp>
-        <p:nvSpPr>
-          <p:cNvPr id="205" name="Google Shape;205;p28"/>
-          <p:cNvSpPr txBox="1"/>
-          <p:nvPr/>
-        </p:nvSpPr>
-        <p:spPr>
-          <a:xfrm>
-            <a:off x="3568700" y="2743200"/>
-            <a:ext cx="1097400" cy="274200"/>
-          </a:xfrm>
-          <a:prstGeom prst="rect">
-            <a:avLst/>
-          </a:prstGeom>
-          <a:noFill/>
-          <a:ln>
-            <a:noFill/>
-          </a:ln>
-        </p:spPr>
-        <p:txBody>
-          <a:bodyPr anchorCtr="0" anchor="t" bIns="0" lIns="0" spcFirstLastPara="1" rIns="0" wrap="square" tIns="0">
-            <a:noAutofit/>
-          </a:bodyPr>
-          <a:lstStyle/>
-          <a:p>
-            <a:pPr indent="0" lvl="0" marL="0" rtl="0" algn="l">
-              <a:spcBef>
-                <a:spcPts val="0"/>
-              </a:spcBef>
-              <a:spcAft>
-                <a:spcPts val="0"/>
-              </a:spcAft>
-              <a:buNone/>
-            </a:pPr>
-            <a:r>
-              <a:rPr lang="en"/>
-              <a:t>Wijziging 1</a:t>
-            </a:r>
-            <a:endParaRPr/>
-          </a:p>
-        </p:txBody>
-      </p:sp>
-      <p:sp>
-        <p:nvSpPr>
-          <p:cNvPr id="206" name="Google Shape;206;p28"/>
-          <p:cNvSpPr txBox="1"/>
-          <p:nvPr/>
-        </p:nvSpPr>
-        <p:spPr>
-          <a:xfrm>
-            <a:off x="3568700" y="3200400"/>
-            <a:ext cx="1097400" cy="274200"/>
-          </a:xfrm>
-          <a:prstGeom prst="rect">
-            <a:avLst/>
-          </a:prstGeom>
-          <a:noFill/>
-          <a:ln>
-            <a:noFill/>
-          </a:ln>
-        </p:spPr>
-        <p:txBody>
-          <a:bodyPr anchorCtr="0" anchor="t" bIns="0" lIns="0" spcFirstLastPara="1" rIns="0" wrap="square" tIns="0">
-            <a:noAutofit/>
-          </a:bodyPr>
-          <a:lstStyle/>
-          <a:p>
-            <a:pPr indent="0" lvl="0" marL="0" rtl="0" algn="l">
-              <a:spcBef>
-                <a:spcPts val="0"/>
-              </a:spcBef>
-              <a:spcAft>
-                <a:spcPts val="0"/>
-              </a:spcAft>
-              <a:buNone/>
-            </a:pPr>
-            <a:r>
-              <a:rPr lang="en"/>
-              <a:t>Wijziging 2</a:t>
-            </a:r>
-            <a:endParaRPr/>
-          </a:p>
-        </p:txBody>
-      </p:sp>
-      <p:sp>
-        <p:nvSpPr>
-          <p:cNvPr id="207" name="Google Shape;207;p28"/>
-          <p:cNvSpPr txBox="1"/>
-          <p:nvPr/>
-        </p:nvSpPr>
-        <p:spPr>
-          <a:xfrm>
-            <a:off x="2201350" y="3200400"/>
-            <a:ext cx="479700" cy="182100"/>
-          </a:xfrm>
-          <a:prstGeom prst="rect">
-            <a:avLst/>
-          </a:prstGeom>
-          <a:solidFill>
-            <a:srgbClr val="DD7E6B"/>
-          </a:solidFill>
-          <a:ln>
-            <a:noFill/>
-          </a:ln>
-        </p:spPr>
-        <p:txBody>
-          <a:bodyPr anchorCtr="0" anchor="t" bIns="0" lIns="0" spcFirstLastPara="1" rIns="0" wrap="square" tIns="0">
-            <a:noAutofit/>
-          </a:bodyPr>
-          <a:lstStyle/>
-          <a:p>
-            <a:pPr indent="0" lvl="0" marL="0" rtl="0" algn="ctr">
-              <a:spcBef>
-                <a:spcPts val="0"/>
-              </a:spcBef>
-              <a:spcAft>
-                <a:spcPts val="0"/>
-              </a:spcAft>
-              <a:buNone/>
-            </a:pPr>
-            <a:r>
-              <a:rPr lang="en" sz="900"/>
-              <a:t>master</a:t>
-            </a:r>
-            <a:endParaRPr sz="900"/>
-          </a:p>
-        </p:txBody>
-      </p:sp>
-      <p:cxnSp>
-        <p:nvCxnSpPr>
-          <p:cNvPr id="208" name="Google Shape;208;p28"/>
-          <p:cNvCxnSpPr>
-            <a:stCxn id="200" idx="4"/>
-            <a:endCxn id="204" idx="0"/>
-          </p:cNvCxnSpPr>
-          <p:nvPr/>
-        </p:nvCxnSpPr>
-        <p:spPr>
-          <a:xfrm>
-            <a:off x="2943950" y="2971350"/>
-            <a:ext cx="0" cy="275100"/>
-          </a:xfrm>
-          <a:prstGeom prst="straightConnector1">
-            <a:avLst/>
-          </a:prstGeom>
-          <a:noFill/>
-          <a:ln cap="flat" cmpd="sng" w="9525">
-            <a:solidFill>
-              <a:schemeClr val="dk2"/>
-            </a:solidFill>
-            <a:prstDash val="solid"/>
-            <a:round/>
-            <a:headEnd len="med" w="med" type="none"/>
-            <a:tailEnd len="med" w="med" type="none"/>
-          </a:ln>
-        </p:spPr>
-      </p:cxnSp>
-      <p:sp>
-        <p:nvSpPr>
-          <p:cNvPr id="202" name="Google Shape;202;p28"/>
-          <p:cNvSpPr/>
-          <p:nvPr/>
-        </p:nvSpPr>
-        <p:spPr>
-          <a:xfrm>
-            <a:off x="2852928" y="2286000"/>
-            <a:ext cx="183000" cy="182100"/>
-          </a:xfrm>
-          <a:prstGeom prst="ellipse">
-            <a:avLst/>
-          </a:prstGeom>
-          <a:solidFill>
-            <a:schemeClr val="lt2"/>
-          </a:solidFill>
-          <a:ln cap="flat" cmpd="sng" w="9525">
-            <a:solidFill>
-              <a:schemeClr val="dk2"/>
-            </a:solidFill>
-            <a:prstDash val="solid"/>
-            <a:round/>
-            <a:headEnd len="sm" w="sm" type="none"/>
-            <a:tailEnd len="sm" w="sm" type="none"/>
-          </a:ln>
-        </p:spPr>
-        <p:txBody>
-          <a:bodyPr anchorCtr="0" anchor="ctr" bIns="91425" lIns="91425" spcFirstLastPara="1" rIns="91425" wrap="square" tIns="91425">
-            <a:noAutofit/>
-          </a:bodyPr>
-          <a:lstStyle/>
-          <a:p>
-            <a:pPr indent="0" lvl="0" marL="0" rtl="0" algn="l">
-              <a:spcBef>
-                <a:spcPts val="0"/>
-              </a:spcBef>
-              <a:spcAft>
-                <a:spcPts val="0"/>
-              </a:spcAft>
-              <a:buNone/>
-            </a:pPr>
-            <a:r>
-              <a:t/>
-            </a:r>
-            <a:endParaRPr/>
-          </a:p>
-        </p:txBody>
-      </p:sp>
-      <p:cxnSp>
-        <p:nvCxnSpPr>
-          <p:cNvPr id="209" name="Google Shape;209;p28"/>
-          <p:cNvCxnSpPr>
-            <a:stCxn id="199" idx="4"/>
-            <a:endCxn id="202" idx="0"/>
-          </p:cNvCxnSpPr>
-          <p:nvPr/>
-        </p:nvCxnSpPr>
-        <p:spPr>
-          <a:xfrm>
-            <a:off x="2943950" y="1096500"/>
-            <a:ext cx="600" cy="1189500"/>
-          </a:xfrm>
-          <a:prstGeom prst="straightConnector1">
-            <a:avLst/>
-          </a:prstGeom>
-          <a:noFill/>
-          <a:ln cap="flat" cmpd="sng" w="9525">
-            <a:solidFill>
-              <a:schemeClr val="dk2"/>
-            </a:solidFill>
-            <a:prstDash val="solid"/>
-            <a:round/>
-            <a:headEnd len="med" w="med" type="none"/>
-            <a:tailEnd len="med" w="med" type="none"/>
-          </a:ln>
-        </p:spPr>
-      </p:cxnSp>
-      <p:sp>
-        <p:nvSpPr>
-          <p:cNvPr id="210" name="Google Shape;210;p28"/>
-          <p:cNvSpPr txBox="1"/>
-          <p:nvPr/>
-        </p:nvSpPr>
-        <p:spPr>
-          <a:xfrm>
-            <a:off x="1667950" y="3200400"/>
-            <a:ext cx="479700" cy="182100"/>
-          </a:xfrm>
-          <a:prstGeom prst="rect">
-            <a:avLst/>
-          </a:prstGeom>
-          <a:solidFill>
-            <a:srgbClr val="3D85C6"/>
-          </a:solidFill>
-          <a:ln>
-            <a:noFill/>
-          </a:ln>
-        </p:spPr>
-        <p:txBody>
-          <a:bodyPr anchorCtr="0" anchor="t" bIns="0" lIns="0" spcFirstLastPara="1" rIns="0" wrap="square" tIns="0">
-            <a:noAutofit/>
-          </a:bodyPr>
-          <a:lstStyle/>
-          <a:p>
-            <a:pPr indent="0" lvl="0" marL="0" rtl="0" algn="ctr">
-              <a:spcBef>
-                <a:spcPts val="0"/>
-              </a:spcBef>
-              <a:spcAft>
-                <a:spcPts val="0"/>
-              </a:spcAft>
-              <a:buNone/>
-            </a:pPr>
-            <a:r>
-              <a:rPr b="1" lang="en" sz="900"/>
-              <a:t>develop</a:t>
-            </a:r>
-            <a:endParaRPr b="1" sz="900"/>
-          </a:p>
-        </p:txBody>
-      </p:sp>
-      <p:sp>
-        <p:nvSpPr>
-          <p:cNvPr id="211" name="Google Shape;211;p28"/>
-          <p:cNvSpPr txBox="1"/>
-          <p:nvPr/>
-        </p:nvSpPr>
-        <p:spPr>
-          <a:xfrm>
-            <a:off x="3568700" y="2240280"/>
-            <a:ext cx="1097400" cy="274200"/>
-          </a:xfrm>
-          <a:prstGeom prst="rect">
-            <a:avLst/>
-          </a:prstGeom>
-          <a:noFill/>
-          <a:ln>
-            <a:noFill/>
-          </a:ln>
-        </p:spPr>
-        <p:txBody>
-          <a:bodyPr anchorCtr="0" anchor="t" bIns="0" lIns="0" spcFirstLastPara="1" rIns="0" wrap="square" tIns="0">
-            <a:noAutofit/>
-          </a:bodyPr>
-          <a:lstStyle/>
-          <a:p>
-            <a:pPr indent="0" lvl="0" marL="0" rtl="0" algn="l">
-              <a:spcBef>
-                <a:spcPts val="0"/>
-              </a:spcBef>
-              <a:spcAft>
-                <a:spcPts val="0"/>
-              </a:spcAft>
-              <a:buNone/>
-            </a:pPr>
-            <a:r>
-              <a:rPr lang="en"/>
-              <a:t>merge</a:t>
-            </a:r>
-            <a:endParaRPr/>
-          </a:p>
-        </p:txBody>
-      </p:sp>
-      <p:sp>
-        <p:nvSpPr>
-          <p:cNvPr id="212" name="Google Shape;212;p28"/>
-          <p:cNvSpPr txBox="1"/>
-          <p:nvPr/>
-        </p:nvSpPr>
-        <p:spPr>
-          <a:xfrm>
-            <a:off x="0" y="0"/>
-            <a:ext cx="9144000" cy="474000"/>
-          </a:xfrm>
-          <a:prstGeom prst="rect">
-            <a:avLst/>
-          </a:prstGeom>
-          <a:solidFill>
-            <a:srgbClr val="D9D9D9"/>
-          </a:solidFill>
-          <a:ln>
-            <a:noFill/>
-          </a:ln>
-        </p:spPr>
-        <p:txBody>
-          <a:bodyPr anchorCtr="0" anchor="t" bIns="91425" lIns="91425" spcFirstLastPara="1" rIns="91425" wrap="square" tIns="137150">
-            <a:noAutofit/>
-          </a:bodyPr>
-          <a:lstStyle/>
-          <a:p>
-            <a:pPr indent="0" lvl="0" marL="0" rtl="0" algn="ctr">
-              <a:spcBef>
-                <a:spcPts val="0"/>
-              </a:spcBef>
-              <a:spcAft>
-                <a:spcPts val="0"/>
-              </a:spcAft>
-              <a:buNone/>
-            </a:pPr>
-            <a:r>
-              <a:rPr lang="en"/>
-              <a:t>REBASE</a:t>
-            </a:r>
-            <a:endParaRPr/>
-          </a:p>
-        </p:txBody>
-      </p:sp>
-    </p:spTree>
-  </p:cSld>
-  <p:clrMapOvr>
-    <a:masterClrMapping/>
-  </p:clrMapOvr>
-</p:sld>
-</file>
-
 <file path=ppt/slides/slide2.xml><?xml version="1.0" encoding="utf-8"?>
 <p:sld xmlns:a="http://schemas.openxmlformats.org/drawingml/2006/main" xmlns:r="http://schemas.openxmlformats.org/officeDocument/2006/relationships" xmlns:mc="http://schemas.openxmlformats.org/markup-compatibility/2006" xmlns:mv="urn:schemas-microsoft-com:mac:vml" xmlns:p="http://schemas.openxmlformats.org/presentationml/2006/main" xmlns:c="http://schemas.openxmlformats.org/drawingml/2006/chart" xmlns:dgm="http://schemas.openxmlformats.org/drawingml/2006/diagram" xmlns:o="urn:schemas-microsoft-com:office:office" xmlns:v="urn:schemas-microsoft-com:vml" xmlns:pvml="urn:schemas-microsoft-com:office:powerpoint" xmlns:com="http://schemas.openxmlformats.org/drawingml/2006/compatibility" xmlns:p14="http://schemas.microsoft.com/office/powerpoint/2010/main" xmlns:p15="http://schemas.microsoft.com/office/powerpoint/2012/main">
   <p:cSld>
@@ -10396,1050 +6091,6 @@
           </a:ln>
         </p:spPr>
       </p:pic>
-    </p:spTree>
-  </p:cSld>
-  <p:clrMapOvr>
-    <a:masterClrMapping/>
-  </p:clrMapOvr>
-</p:sld>
-</file>
-
-<file path=ppt/slides/slide6.xml><?xml version="1.0" encoding="utf-8"?>
-<p:sld xmlns:a="http://schemas.openxmlformats.org/drawingml/2006/main" xmlns:r="http://schemas.openxmlformats.org/officeDocument/2006/relationships" xmlns:mc="http://schemas.openxmlformats.org/markup-compatibility/2006" xmlns:mv="urn:schemas-microsoft-com:mac:vml" xmlns:p="http://schemas.openxmlformats.org/presentationml/2006/main" xmlns:c="http://schemas.openxmlformats.org/drawingml/2006/chart" xmlns:dgm="http://schemas.openxmlformats.org/drawingml/2006/diagram" xmlns:o="urn:schemas-microsoft-com:office:office" xmlns:v="urn:schemas-microsoft-com:vml" xmlns:pvml="urn:schemas-microsoft-com:office:powerpoint" xmlns:com="http://schemas.openxmlformats.org/drawingml/2006/compatibility" xmlns:p14="http://schemas.microsoft.com/office/powerpoint/2010/main" xmlns:p15="http://schemas.microsoft.com/office/powerpoint/2012/main">
-  <p:cSld>
-    <p:spTree>
-      <p:nvGrpSpPr>
-        <p:cNvPr id="78" name="Shape 78"/>
-        <p:cNvGrpSpPr/>
-        <p:nvPr/>
-      </p:nvGrpSpPr>
-      <p:grpSpPr>
-        <a:xfrm>
-          <a:off x="0" y="0"/>
-          <a:ext cx="0" cy="0"/>
-          <a:chOff x="0" y="0"/>
-          <a:chExt cx="0" cy="0"/>
-        </a:xfrm>
-      </p:grpSpPr>
-      <p:sp>
-        <p:nvSpPr>
-          <p:cNvPr id="79" name="Google Shape;79;p18"/>
-          <p:cNvSpPr/>
-          <p:nvPr/>
-        </p:nvSpPr>
-        <p:spPr>
-          <a:xfrm>
-            <a:off x="2852450" y="914400"/>
-            <a:ext cx="183000" cy="182100"/>
-          </a:xfrm>
-          <a:prstGeom prst="ellipse">
-            <a:avLst/>
-          </a:prstGeom>
-          <a:solidFill>
-            <a:schemeClr val="lt2"/>
-          </a:solidFill>
-          <a:ln cap="flat" cmpd="sng" w="9525">
-            <a:solidFill>
-              <a:schemeClr val="dk2"/>
-            </a:solidFill>
-            <a:prstDash val="solid"/>
-            <a:round/>
-            <a:headEnd len="sm" w="sm" type="none"/>
-            <a:tailEnd len="sm" w="sm" type="none"/>
-          </a:ln>
-        </p:spPr>
-        <p:txBody>
-          <a:bodyPr anchorCtr="0" anchor="ctr" bIns="91425" lIns="91425" spcFirstLastPara="1" rIns="91425" wrap="square" tIns="91425">
-            <a:noAutofit/>
-          </a:bodyPr>
-          <a:lstStyle/>
-          <a:p>
-            <a:pPr indent="0" lvl="0" marL="0" rtl="0" algn="l">
-              <a:spcBef>
-                <a:spcPts val="0"/>
-              </a:spcBef>
-              <a:spcAft>
-                <a:spcPts val="0"/>
-              </a:spcAft>
-              <a:buNone/>
-            </a:pPr>
-            <a:r>
-              <a:t/>
-            </a:r>
-            <a:endParaRPr/>
-          </a:p>
-        </p:txBody>
-      </p:sp>
-      <p:sp>
-        <p:nvSpPr>
-          <p:cNvPr id="80" name="Google Shape;80;p18"/>
-          <p:cNvSpPr txBox="1"/>
-          <p:nvPr/>
-        </p:nvSpPr>
-        <p:spPr>
-          <a:xfrm>
-            <a:off x="3111500" y="868350"/>
-            <a:ext cx="1097400" cy="274200"/>
-          </a:xfrm>
-          <a:prstGeom prst="rect">
-            <a:avLst/>
-          </a:prstGeom>
-          <a:noFill/>
-          <a:ln>
-            <a:noFill/>
-          </a:ln>
-        </p:spPr>
-        <p:txBody>
-          <a:bodyPr anchorCtr="0" anchor="t" bIns="0" lIns="0" spcFirstLastPara="1" rIns="0" wrap="square" tIns="0">
-            <a:noAutofit/>
-          </a:bodyPr>
-          <a:lstStyle/>
-          <a:p>
-            <a:pPr indent="0" lvl="0" marL="0" rtl="0" algn="l">
-              <a:spcBef>
-                <a:spcPts val="0"/>
-              </a:spcBef>
-              <a:spcAft>
-                <a:spcPts val="0"/>
-              </a:spcAft>
-              <a:buNone/>
-            </a:pPr>
-            <a:r>
-              <a:rPr lang="en"/>
-              <a:t>Initial commit</a:t>
-            </a:r>
-            <a:endParaRPr/>
-          </a:p>
-        </p:txBody>
-      </p:sp>
-      <p:sp>
-        <p:nvSpPr>
-          <p:cNvPr id="81" name="Google Shape;81;p18"/>
-          <p:cNvSpPr txBox="1"/>
-          <p:nvPr/>
-        </p:nvSpPr>
-        <p:spPr>
-          <a:xfrm>
-            <a:off x="2201350" y="914400"/>
-            <a:ext cx="479700" cy="182100"/>
-          </a:xfrm>
-          <a:prstGeom prst="rect">
-            <a:avLst/>
-          </a:prstGeom>
-          <a:solidFill>
-            <a:srgbClr val="DD7E6B"/>
-          </a:solidFill>
-          <a:ln>
-            <a:noFill/>
-          </a:ln>
-        </p:spPr>
-        <p:txBody>
-          <a:bodyPr anchorCtr="0" anchor="t" bIns="0" lIns="0" spcFirstLastPara="1" rIns="0" wrap="square" tIns="0">
-            <a:noAutofit/>
-          </a:bodyPr>
-          <a:lstStyle/>
-          <a:p>
-            <a:pPr indent="0" lvl="0" marL="0" rtl="0" algn="ctr">
-              <a:spcBef>
-                <a:spcPts val="0"/>
-              </a:spcBef>
-              <a:spcAft>
-                <a:spcPts val="0"/>
-              </a:spcAft>
-              <a:buNone/>
-            </a:pPr>
-            <a:r>
-              <a:rPr lang="en" sz="900"/>
-              <a:t>master</a:t>
-            </a:r>
-            <a:endParaRPr sz="900"/>
-          </a:p>
-        </p:txBody>
-      </p:sp>
-    </p:spTree>
-  </p:cSld>
-  <p:clrMapOvr>
-    <a:masterClrMapping/>
-  </p:clrMapOvr>
-</p:sld>
-</file>
-
-<file path=ppt/slides/slide7.xml><?xml version="1.0" encoding="utf-8"?>
-<p:sld xmlns:a="http://schemas.openxmlformats.org/drawingml/2006/main" xmlns:r="http://schemas.openxmlformats.org/officeDocument/2006/relationships" xmlns:mc="http://schemas.openxmlformats.org/markup-compatibility/2006" xmlns:mv="urn:schemas-microsoft-com:mac:vml" xmlns:p="http://schemas.openxmlformats.org/presentationml/2006/main" xmlns:c="http://schemas.openxmlformats.org/drawingml/2006/chart" xmlns:dgm="http://schemas.openxmlformats.org/drawingml/2006/diagram" xmlns:o="urn:schemas-microsoft-com:office:office" xmlns:v="urn:schemas-microsoft-com:vml" xmlns:pvml="urn:schemas-microsoft-com:office:powerpoint" xmlns:com="http://schemas.openxmlformats.org/drawingml/2006/compatibility" xmlns:p14="http://schemas.microsoft.com/office/powerpoint/2010/main" xmlns:p15="http://schemas.microsoft.com/office/powerpoint/2012/main">
-  <p:cSld>
-    <p:spTree>
-      <p:nvGrpSpPr>
-        <p:cNvPr id="85" name="Shape 85"/>
-        <p:cNvGrpSpPr/>
-        <p:nvPr/>
-      </p:nvGrpSpPr>
-      <p:grpSpPr>
-        <a:xfrm>
-          <a:off x="0" y="0"/>
-          <a:ext cx="0" cy="0"/>
-          <a:chOff x="0" y="0"/>
-          <a:chExt cx="0" cy="0"/>
-        </a:xfrm>
-      </p:grpSpPr>
-      <p:sp>
-        <p:nvSpPr>
-          <p:cNvPr id="86" name="Google Shape;86;p19"/>
-          <p:cNvSpPr/>
-          <p:nvPr/>
-        </p:nvSpPr>
-        <p:spPr>
-          <a:xfrm>
-            <a:off x="2852450" y="914400"/>
-            <a:ext cx="183000" cy="182100"/>
-          </a:xfrm>
-          <a:prstGeom prst="ellipse">
-            <a:avLst/>
-          </a:prstGeom>
-          <a:solidFill>
-            <a:schemeClr val="lt2"/>
-          </a:solidFill>
-          <a:ln cap="flat" cmpd="sng" w="9525">
-            <a:solidFill>
-              <a:schemeClr val="dk2"/>
-            </a:solidFill>
-            <a:prstDash val="solid"/>
-            <a:round/>
-            <a:headEnd len="sm" w="sm" type="none"/>
-            <a:tailEnd len="sm" w="sm" type="none"/>
-          </a:ln>
-        </p:spPr>
-        <p:txBody>
-          <a:bodyPr anchorCtr="0" anchor="ctr" bIns="91425" lIns="91425" spcFirstLastPara="1" rIns="91425" wrap="square" tIns="91425">
-            <a:noAutofit/>
-          </a:bodyPr>
-          <a:lstStyle/>
-          <a:p>
-            <a:pPr indent="0" lvl="0" marL="0" rtl="0" algn="l">
-              <a:spcBef>
-                <a:spcPts val="0"/>
-              </a:spcBef>
-              <a:spcAft>
-                <a:spcPts val="0"/>
-              </a:spcAft>
-              <a:buNone/>
-            </a:pPr>
-            <a:r>
-              <a:t/>
-            </a:r>
-            <a:endParaRPr/>
-          </a:p>
-        </p:txBody>
-      </p:sp>
-      <p:sp>
-        <p:nvSpPr>
-          <p:cNvPr id="87" name="Google Shape;87;p19"/>
-          <p:cNvSpPr/>
-          <p:nvPr/>
-        </p:nvSpPr>
-        <p:spPr>
-          <a:xfrm>
-            <a:off x="2852450" y="1371600"/>
-            <a:ext cx="183000" cy="182100"/>
-          </a:xfrm>
-          <a:prstGeom prst="ellipse">
-            <a:avLst/>
-          </a:prstGeom>
-          <a:solidFill>
-            <a:schemeClr val="lt2"/>
-          </a:solidFill>
-          <a:ln cap="flat" cmpd="sng" w="9525">
-            <a:solidFill>
-              <a:schemeClr val="dk2"/>
-            </a:solidFill>
-            <a:prstDash val="solid"/>
-            <a:round/>
-            <a:headEnd len="sm" w="sm" type="none"/>
-            <a:tailEnd len="sm" w="sm" type="none"/>
-          </a:ln>
-        </p:spPr>
-        <p:txBody>
-          <a:bodyPr anchorCtr="0" anchor="ctr" bIns="91425" lIns="91425" spcFirstLastPara="1" rIns="91425" wrap="square" tIns="91425">
-            <a:noAutofit/>
-          </a:bodyPr>
-          <a:lstStyle/>
-          <a:p>
-            <a:pPr indent="0" lvl="0" marL="0" rtl="0" algn="l">
-              <a:spcBef>
-                <a:spcPts val="0"/>
-              </a:spcBef>
-              <a:spcAft>
-                <a:spcPts val="0"/>
-              </a:spcAft>
-              <a:buNone/>
-            </a:pPr>
-            <a:r>
-              <a:t/>
-            </a:r>
-            <a:endParaRPr/>
-          </a:p>
-        </p:txBody>
-      </p:sp>
-      <p:cxnSp>
-        <p:nvCxnSpPr>
-          <p:cNvPr id="88" name="Google Shape;88;p19"/>
-          <p:cNvCxnSpPr>
-            <a:stCxn id="86" idx="4"/>
-            <a:endCxn id="87" idx="0"/>
-          </p:cNvCxnSpPr>
-          <p:nvPr/>
-        </p:nvCxnSpPr>
-        <p:spPr>
-          <a:xfrm>
-            <a:off x="2943950" y="1096500"/>
-            <a:ext cx="0" cy="275100"/>
-          </a:xfrm>
-          <a:prstGeom prst="straightConnector1">
-            <a:avLst/>
-          </a:prstGeom>
-          <a:noFill/>
-          <a:ln cap="flat" cmpd="sng" w="9525">
-            <a:solidFill>
-              <a:schemeClr val="dk2"/>
-            </a:solidFill>
-            <a:prstDash val="solid"/>
-            <a:round/>
-            <a:headEnd len="med" w="med" type="none"/>
-            <a:tailEnd len="med" w="med" type="none"/>
-          </a:ln>
-        </p:spPr>
-      </p:cxnSp>
-      <p:sp>
-        <p:nvSpPr>
-          <p:cNvPr id="89" name="Google Shape;89;p19"/>
-          <p:cNvSpPr txBox="1"/>
-          <p:nvPr/>
-        </p:nvSpPr>
-        <p:spPr>
-          <a:xfrm>
-            <a:off x="3111500" y="868350"/>
-            <a:ext cx="1097400" cy="274200"/>
-          </a:xfrm>
-          <a:prstGeom prst="rect">
-            <a:avLst/>
-          </a:prstGeom>
-          <a:noFill/>
-          <a:ln>
-            <a:noFill/>
-          </a:ln>
-        </p:spPr>
-        <p:txBody>
-          <a:bodyPr anchorCtr="0" anchor="t" bIns="0" lIns="0" spcFirstLastPara="1" rIns="0" wrap="square" tIns="0">
-            <a:noAutofit/>
-          </a:bodyPr>
-          <a:lstStyle/>
-          <a:p>
-            <a:pPr indent="0" lvl="0" marL="0" rtl="0" algn="l">
-              <a:spcBef>
-                <a:spcPts val="0"/>
-              </a:spcBef>
-              <a:spcAft>
-                <a:spcPts val="0"/>
-              </a:spcAft>
-              <a:buNone/>
-            </a:pPr>
-            <a:r>
-              <a:rPr lang="en"/>
-              <a:t>Initial commit</a:t>
-            </a:r>
-            <a:endParaRPr/>
-          </a:p>
-        </p:txBody>
-      </p:sp>
-      <p:sp>
-        <p:nvSpPr>
-          <p:cNvPr id="90" name="Google Shape;90;p19"/>
-          <p:cNvSpPr txBox="1"/>
-          <p:nvPr/>
-        </p:nvSpPr>
-        <p:spPr>
-          <a:xfrm>
-            <a:off x="3111500" y="1325550"/>
-            <a:ext cx="1097400" cy="274200"/>
-          </a:xfrm>
-          <a:prstGeom prst="rect">
-            <a:avLst/>
-          </a:prstGeom>
-          <a:noFill/>
-          <a:ln>
-            <a:noFill/>
-          </a:ln>
-        </p:spPr>
-        <p:txBody>
-          <a:bodyPr anchorCtr="0" anchor="t" bIns="0" lIns="0" spcFirstLastPara="1" rIns="0" wrap="square" tIns="0">
-            <a:noAutofit/>
-          </a:bodyPr>
-          <a:lstStyle/>
-          <a:p>
-            <a:pPr indent="0" lvl="0" marL="0" rtl="0" algn="l">
-              <a:spcBef>
-                <a:spcPts val="0"/>
-              </a:spcBef>
-              <a:spcAft>
-                <a:spcPts val="0"/>
-              </a:spcAft>
-              <a:buNone/>
-            </a:pPr>
-            <a:r>
-              <a:rPr lang="en"/>
-              <a:t>Wijziging 1</a:t>
-            </a:r>
-            <a:endParaRPr/>
-          </a:p>
-        </p:txBody>
-      </p:sp>
-      <p:sp>
-        <p:nvSpPr>
-          <p:cNvPr id="91" name="Google Shape;91;p19"/>
-          <p:cNvSpPr txBox="1"/>
-          <p:nvPr/>
-        </p:nvSpPr>
-        <p:spPr>
-          <a:xfrm>
-            <a:off x="2201350" y="1371600"/>
-            <a:ext cx="479700" cy="182100"/>
-          </a:xfrm>
-          <a:prstGeom prst="rect">
-            <a:avLst/>
-          </a:prstGeom>
-          <a:solidFill>
-            <a:srgbClr val="DD7E6B"/>
-          </a:solidFill>
-          <a:ln>
-            <a:noFill/>
-          </a:ln>
-        </p:spPr>
-        <p:txBody>
-          <a:bodyPr anchorCtr="0" anchor="t" bIns="0" lIns="0" spcFirstLastPara="1" rIns="0" wrap="square" tIns="0">
-            <a:noAutofit/>
-          </a:bodyPr>
-          <a:lstStyle/>
-          <a:p>
-            <a:pPr indent="0" lvl="0" marL="0" rtl="0" algn="ctr">
-              <a:spcBef>
-                <a:spcPts val="0"/>
-              </a:spcBef>
-              <a:spcAft>
-                <a:spcPts val="0"/>
-              </a:spcAft>
-              <a:buNone/>
-            </a:pPr>
-            <a:r>
-              <a:rPr lang="en" sz="900"/>
-              <a:t>master</a:t>
-            </a:r>
-            <a:endParaRPr sz="900"/>
-          </a:p>
-        </p:txBody>
-      </p:sp>
-    </p:spTree>
-  </p:cSld>
-  <p:clrMapOvr>
-    <a:masterClrMapping/>
-  </p:clrMapOvr>
-</p:sld>
-</file>
-
-<file path=ppt/slides/slide8.xml><?xml version="1.0" encoding="utf-8"?>
-<p:sld xmlns:a="http://schemas.openxmlformats.org/drawingml/2006/main" xmlns:r="http://schemas.openxmlformats.org/officeDocument/2006/relationships" xmlns:mc="http://schemas.openxmlformats.org/markup-compatibility/2006" xmlns:mv="urn:schemas-microsoft-com:mac:vml" xmlns:p="http://schemas.openxmlformats.org/presentationml/2006/main" xmlns:c="http://schemas.openxmlformats.org/drawingml/2006/chart" xmlns:dgm="http://schemas.openxmlformats.org/drawingml/2006/diagram" xmlns:o="urn:schemas-microsoft-com:office:office" xmlns:v="urn:schemas-microsoft-com:vml" xmlns:pvml="urn:schemas-microsoft-com:office:powerpoint" xmlns:com="http://schemas.openxmlformats.org/drawingml/2006/compatibility" xmlns:p14="http://schemas.microsoft.com/office/powerpoint/2010/main" xmlns:p15="http://schemas.microsoft.com/office/powerpoint/2012/main">
-  <p:cSld>
-    <p:spTree>
-      <p:nvGrpSpPr>
-        <p:cNvPr id="95" name="Shape 95"/>
-        <p:cNvGrpSpPr/>
-        <p:nvPr/>
-      </p:nvGrpSpPr>
-      <p:grpSpPr>
-        <a:xfrm>
-          <a:off x="0" y="0"/>
-          <a:ext cx="0" cy="0"/>
-          <a:chOff x="0" y="0"/>
-          <a:chExt cx="0" cy="0"/>
-        </a:xfrm>
-      </p:grpSpPr>
-      <p:sp>
-        <p:nvSpPr>
-          <p:cNvPr id="96" name="Google Shape;96;p20"/>
-          <p:cNvSpPr/>
-          <p:nvPr/>
-        </p:nvSpPr>
-        <p:spPr>
-          <a:xfrm>
-            <a:off x="2852450" y="914400"/>
-            <a:ext cx="183000" cy="182100"/>
-          </a:xfrm>
-          <a:prstGeom prst="ellipse">
-            <a:avLst/>
-          </a:prstGeom>
-          <a:solidFill>
-            <a:schemeClr val="lt2"/>
-          </a:solidFill>
-          <a:ln cap="flat" cmpd="sng" w="9525">
-            <a:solidFill>
-              <a:schemeClr val="dk2"/>
-            </a:solidFill>
-            <a:prstDash val="solid"/>
-            <a:round/>
-            <a:headEnd len="sm" w="sm" type="none"/>
-            <a:tailEnd len="sm" w="sm" type="none"/>
-          </a:ln>
-        </p:spPr>
-        <p:txBody>
-          <a:bodyPr anchorCtr="0" anchor="ctr" bIns="91425" lIns="91425" spcFirstLastPara="1" rIns="91425" wrap="square" tIns="91425">
-            <a:noAutofit/>
-          </a:bodyPr>
-          <a:lstStyle/>
-          <a:p>
-            <a:pPr indent="0" lvl="0" marL="0" rtl="0" algn="l">
-              <a:spcBef>
-                <a:spcPts val="0"/>
-              </a:spcBef>
-              <a:spcAft>
-                <a:spcPts val="0"/>
-              </a:spcAft>
-              <a:buNone/>
-            </a:pPr>
-            <a:r>
-              <a:t/>
-            </a:r>
-            <a:endParaRPr/>
-          </a:p>
-        </p:txBody>
-      </p:sp>
-      <p:sp>
-        <p:nvSpPr>
-          <p:cNvPr id="97" name="Google Shape;97;p20"/>
-          <p:cNvSpPr/>
-          <p:nvPr/>
-        </p:nvSpPr>
-        <p:spPr>
-          <a:xfrm>
-            <a:off x="2852450" y="1371600"/>
-            <a:ext cx="183000" cy="182100"/>
-          </a:xfrm>
-          <a:prstGeom prst="ellipse">
-            <a:avLst/>
-          </a:prstGeom>
-          <a:solidFill>
-            <a:schemeClr val="lt2"/>
-          </a:solidFill>
-          <a:ln cap="flat" cmpd="sng" w="9525">
-            <a:solidFill>
-              <a:schemeClr val="dk2"/>
-            </a:solidFill>
-            <a:prstDash val="solid"/>
-            <a:round/>
-            <a:headEnd len="sm" w="sm" type="none"/>
-            <a:tailEnd len="sm" w="sm" type="none"/>
-          </a:ln>
-        </p:spPr>
-        <p:txBody>
-          <a:bodyPr anchorCtr="0" anchor="ctr" bIns="91425" lIns="91425" spcFirstLastPara="1" rIns="91425" wrap="square" tIns="91425">
-            <a:noAutofit/>
-          </a:bodyPr>
-          <a:lstStyle/>
-          <a:p>
-            <a:pPr indent="0" lvl="0" marL="0" rtl="0" algn="l">
-              <a:spcBef>
-                <a:spcPts val="0"/>
-              </a:spcBef>
-              <a:spcAft>
-                <a:spcPts val="0"/>
-              </a:spcAft>
-              <a:buNone/>
-            </a:pPr>
-            <a:r>
-              <a:t/>
-            </a:r>
-            <a:endParaRPr/>
-          </a:p>
-        </p:txBody>
-      </p:sp>
-      <p:cxnSp>
-        <p:nvCxnSpPr>
-          <p:cNvPr id="98" name="Google Shape;98;p20"/>
-          <p:cNvCxnSpPr>
-            <a:stCxn id="96" idx="4"/>
-            <a:endCxn id="97" idx="0"/>
-          </p:cNvCxnSpPr>
-          <p:nvPr/>
-        </p:nvCxnSpPr>
-        <p:spPr>
-          <a:xfrm>
-            <a:off x="2943950" y="1096500"/>
-            <a:ext cx="0" cy="275100"/>
-          </a:xfrm>
-          <a:prstGeom prst="straightConnector1">
-            <a:avLst/>
-          </a:prstGeom>
-          <a:noFill/>
-          <a:ln cap="flat" cmpd="sng" w="9525">
-            <a:solidFill>
-              <a:schemeClr val="dk2"/>
-            </a:solidFill>
-            <a:prstDash val="solid"/>
-            <a:round/>
-            <a:headEnd len="med" w="med" type="none"/>
-            <a:tailEnd len="med" w="med" type="none"/>
-          </a:ln>
-        </p:spPr>
-      </p:cxnSp>
-      <p:sp>
-        <p:nvSpPr>
-          <p:cNvPr id="99" name="Google Shape;99;p20"/>
-          <p:cNvSpPr txBox="1"/>
-          <p:nvPr/>
-        </p:nvSpPr>
-        <p:spPr>
-          <a:xfrm>
-            <a:off x="3111500" y="868350"/>
-            <a:ext cx="1097400" cy="274200"/>
-          </a:xfrm>
-          <a:prstGeom prst="rect">
-            <a:avLst/>
-          </a:prstGeom>
-          <a:noFill/>
-          <a:ln>
-            <a:noFill/>
-          </a:ln>
-        </p:spPr>
-        <p:txBody>
-          <a:bodyPr anchorCtr="0" anchor="t" bIns="0" lIns="0" spcFirstLastPara="1" rIns="0" wrap="square" tIns="0">
-            <a:noAutofit/>
-          </a:bodyPr>
-          <a:lstStyle/>
-          <a:p>
-            <a:pPr indent="0" lvl="0" marL="0" rtl="0" algn="l">
-              <a:spcBef>
-                <a:spcPts val="0"/>
-              </a:spcBef>
-              <a:spcAft>
-                <a:spcPts val="0"/>
-              </a:spcAft>
-              <a:buNone/>
-            </a:pPr>
-            <a:r>
-              <a:rPr lang="en"/>
-              <a:t>Initial commit</a:t>
-            </a:r>
-            <a:endParaRPr/>
-          </a:p>
-        </p:txBody>
-      </p:sp>
-      <p:sp>
-        <p:nvSpPr>
-          <p:cNvPr id="100" name="Google Shape;100;p20"/>
-          <p:cNvSpPr/>
-          <p:nvPr/>
-        </p:nvSpPr>
-        <p:spPr>
-          <a:xfrm>
-            <a:off x="2852450" y="1828800"/>
-            <a:ext cx="183000" cy="182100"/>
-          </a:xfrm>
-          <a:prstGeom prst="ellipse">
-            <a:avLst/>
-          </a:prstGeom>
-          <a:solidFill>
-            <a:schemeClr val="lt2"/>
-          </a:solidFill>
-          <a:ln cap="flat" cmpd="sng" w="9525">
-            <a:solidFill>
-              <a:schemeClr val="dk2"/>
-            </a:solidFill>
-            <a:prstDash val="solid"/>
-            <a:round/>
-            <a:headEnd len="sm" w="sm" type="none"/>
-            <a:tailEnd len="sm" w="sm" type="none"/>
-          </a:ln>
-        </p:spPr>
-        <p:txBody>
-          <a:bodyPr anchorCtr="0" anchor="ctr" bIns="91425" lIns="91425" spcFirstLastPara="1" rIns="91425" wrap="square" tIns="91425">
-            <a:noAutofit/>
-          </a:bodyPr>
-          <a:lstStyle/>
-          <a:p>
-            <a:pPr indent="0" lvl="0" marL="0" rtl="0" algn="l">
-              <a:spcBef>
-                <a:spcPts val="0"/>
-              </a:spcBef>
-              <a:spcAft>
-                <a:spcPts val="0"/>
-              </a:spcAft>
-              <a:buNone/>
-            </a:pPr>
-            <a:r>
-              <a:t/>
-            </a:r>
-            <a:endParaRPr/>
-          </a:p>
-        </p:txBody>
-      </p:sp>
-      <p:sp>
-        <p:nvSpPr>
-          <p:cNvPr id="101" name="Google Shape;101;p20"/>
-          <p:cNvSpPr txBox="1"/>
-          <p:nvPr/>
-        </p:nvSpPr>
-        <p:spPr>
-          <a:xfrm>
-            <a:off x="3111500" y="1325550"/>
-            <a:ext cx="1097400" cy="274200"/>
-          </a:xfrm>
-          <a:prstGeom prst="rect">
-            <a:avLst/>
-          </a:prstGeom>
-          <a:noFill/>
-          <a:ln>
-            <a:noFill/>
-          </a:ln>
-        </p:spPr>
-        <p:txBody>
-          <a:bodyPr anchorCtr="0" anchor="t" bIns="0" lIns="0" spcFirstLastPara="1" rIns="0" wrap="square" tIns="0">
-            <a:noAutofit/>
-          </a:bodyPr>
-          <a:lstStyle/>
-          <a:p>
-            <a:pPr indent="0" lvl="0" marL="0" rtl="0" algn="l">
-              <a:spcBef>
-                <a:spcPts val="0"/>
-              </a:spcBef>
-              <a:spcAft>
-                <a:spcPts val="0"/>
-              </a:spcAft>
-              <a:buNone/>
-            </a:pPr>
-            <a:r>
-              <a:rPr lang="en"/>
-              <a:t>Wijziging 1</a:t>
-            </a:r>
-            <a:endParaRPr/>
-          </a:p>
-        </p:txBody>
-      </p:sp>
-      <p:sp>
-        <p:nvSpPr>
-          <p:cNvPr id="102" name="Google Shape;102;p20"/>
-          <p:cNvSpPr txBox="1"/>
-          <p:nvPr/>
-        </p:nvSpPr>
-        <p:spPr>
-          <a:xfrm>
-            <a:off x="3111500" y="1782750"/>
-            <a:ext cx="1097400" cy="274200"/>
-          </a:xfrm>
-          <a:prstGeom prst="rect">
-            <a:avLst/>
-          </a:prstGeom>
-          <a:noFill/>
-          <a:ln>
-            <a:noFill/>
-          </a:ln>
-        </p:spPr>
-        <p:txBody>
-          <a:bodyPr anchorCtr="0" anchor="t" bIns="0" lIns="0" spcFirstLastPara="1" rIns="0" wrap="square" tIns="0">
-            <a:noAutofit/>
-          </a:bodyPr>
-          <a:lstStyle/>
-          <a:p>
-            <a:pPr indent="0" lvl="0" marL="0" rtl="0" algn="l">
-              <a:spcBef>
-                <a:spcPts val="0"/>
-              </a:spcBef>
-              <a:spcAft>
-                <a:spcPts val="0"/>
-              </a:spcAft>
-              <a:buNone/>
-            </a:pPr>
-            <a:r>
-              <a:rPr lang="en"/>
-              <a:t>Wijziging 2</a:t>
-            </a:r>
-            <a:endParaRPr/>
-          </a:p>
-        </p:txBody>
-      </p:sp>
-      <p:sp>
-        <p:nvSpPr>
-          <p:cNvPr id="103" name="Google Shape;103;p20"/>
-          <p:cNvSpPr txBox="1"/>
-          <p:nvPr/>
-        </p:nvSpPr>
-        <p:spPr>
-          <a:xfrm>
-            <a:off x="2201350" y="1828800"/>
-            <a:ext cx="479700" cy="182100"/>
-          </a:xfrm>
-          <a:prstGeom prst="rect">
-            <a:avLst/>
-          </a:prstGeom>
-          <a:solidFill>
-            <a:srgbClr val="DD7E6B"/>
-          </a:solidFill>
-          <a:ln>
-            <a:noFill/>
-          </a:ln>
-        </p:spPr>
-        <p:txBody>
-          <a:bodyPr anchorCtr="0" anchor="t" bIns="0" lIns="0" spcFirstLastPara="1" rIns="0" wrap="square" tIns="0">
-            <a:noAutofit/>
-          </a:bodyPr>
-          <a:lstStyle/>
-          <a:p>
-            <a:pPr indent="0" lvl="0" marL="0" rtl="0" algn="ctr">
-              <a:spcBef>
-                <a:spcPts val="0"/>
-              </a:spcBef>
-              <a:spcAft>
-                <a:spcPts val="0"/>
-              </a:spcAft>
-              <a:buNone/>
-            </a:pPr>
-            <a:r>
-              <a:rPr lang="en" sz="900"/>
-              <a:t>master</a:t>
-            </a:r>
-            <a:endParaRPr sz="900"/>
-          </a:p>
-        </p:txBody>
-      </p:sp>
-      <p:cxnSp>
-        <p:nvCxnSpPr>
-          <p:cNvPr id="104" name="Google Shape;104;p20"/>
-          <p:cNvCxnSpPr>
-            <a:stCxn id="97" idx="4"/>
-            <a:endCxn id="100" idx="0"/>
-          </p:cNvCxnSpPr>
-          <p:nvPr/>
-        </p:nvCxnSpPr>
-        <p:spPr>
-          <a:xfrm>
-            <a:off x="2943950" y="1553700"/>
-            <a:ext cx="0" cy="275100"/>
-          </a:xfrm>
-          <a:prstGeom prst="straightConnector1">
-            <a:avLst/>
-          </a:prstGeom>
-          <a:noFill/>
-          <a:ln cap="flat" cmpd="sng" w="9525">
-            <a:solidFill>
-              <a:schemeClr val="dk2"/>
-            </a:solidFill>
-            <a:prstDash val="solid"/>
-            <a:round/>
-            <a:headEnd len="med" w="med" type="none"/>
-            <a:tailEnd len="med" w="med" type="none"/>
-          </a:ln>
-        </p:spPr>
-      </p:cxnSp>
-    </p:spTree>
-  </p:cSld>
-  <p:clrMapOvr>
-    <a:masterClrMapping/>
-  </p:clrMapOvr>
-</p:sld>
-</file>
-
-<file path=ppt/slides/slide9.xml><?xml version="1.0" encoding="utf-8"?>
-<p:sld xmlns:a="http://schemas.openxmlformats.org/drawingml/2006/main" xmlns:r="http://schemas.openxmlformats.org/officeDocument/2006/relationships" xmlns:mc="http://schemas.openxmlformats.org/markup-compatibility/2006" xmlns:mv="urn:schemas-microsoft-com:mac:vml" xmlns:p="http://schemas.openxmlformats.org/presentationml/2006/main" xmlns:c="http://schemas.openxmlformats.org/drawingml/2006/chart" xmlns:dgm="http://schemas.openxmlformats.org/drawingml/2006/diagram" xmlns:o="urn:schemas-microsoft-com:office:office" xmlns:v="urn:schemas-microsoft-com:vml" xmlns:pvml="urn:schemas-microsoft-com:office:powerpoint" xmlns:com="http://schemas.openxmlformats.org/drawingml/2006/compatibility" xmlns:p14="http://schemas.microsoft.com/office/powerpoint/2010/main" xmlns:p15="http://schemas.microsoft.com/office/powerpoint/2012/main">
-  <p:cSld>
-    <p:spTree>
-      <p:nvGrpSpPr>
-        <p:cNvPr id="108" name="Shape 108"/>
-        <p:cNvGrpSpPr/>
-        <p:nvPr/>
-      </p:nvGrpSpPr>
-      <p:grpSpPr>
-        <a:xfrm>
-          <a:off x="0" y="0"/>
-          <a:ext cx="0" cy="0"/>
-          <a:chOff x="0" y="0"/>
-          <a:chExt cx="0" cy="0"/>
-        </a:xfrm>
-      </p:grpSpPr>
-      <p:sp>
-        <p:nvSpPr>
-          <p:cNvPr id="109" name="Google Shape;109;p21"/>
-          <p:cNvSpPr/>
-          <p:nvPr/>
-        </p:nvSpPr>
-        <p:spPr>
-          <a:xfrm>
-            <a:off x="2852450" y="914400"/>
-            <a:ext cx="183000" cy="182100"/>
-          </a:xfrm>
-          <a:prstGeom prst="ellipse">
-            <a:avLst/>
-          </a:prstGeom>
-          <a:solidFill>
-            <a:schemeClr val="lt2"/>
-          </a:solidFill>
-          <a:ln cap="flat" cmpd="sng" w="9525">
-            <a:solidFill>
-              <a:schemeClr val="dk2"/>
-            </a:solidFill>
-            <a:prstDash val="solid"/>
-            <a:round/>
-            <a:headEnd len="sm" w="sm" type="none"/>
-            <a:tailEnd len="sm" w="sm" type="none"/>
-          </a:ln>
-        </p:spPr>
-        <p:txBody>
-          <a:bodyPr anchorCtr="0" anchor="ctr" bIns="91425" lIns="91425" spcFirstLastPara="1" rIns="91425" wrap="square" tIns="91425">
-            <a:noAutofit/>
-          </a:bodyPr>
-          <a:lstStyle/>
-          <a:p>
-            <a:pPr indent="0" lvl="0" marL="0" rtl="0" algn="l">
-              <a:spcBef>
-                <a:spcPts val="0"/>
-              </a:spcBef>
-              <a:spcAft>
-                <a:spcPts val="0"/>
-              </a:spcAft>
-              <a:buNone/>
-            </a:pPr>
-            <a:r>
-              <a:t/>
-            </a:r>
-            <a:endParaRPr/>
-          </a:p>
-        </p:txBody>
-      </p:sp>
-      <p:sp>
-        <p:nvSpPr>
-          <p:cNvPr id="110" name="Google Shape;110;p21"/>
-          <p:cNvSpPr txBox="1"/>
-          <p:nvPr/>
-        </p:nvSpPr>
-        <p:spPr>
-          <a:xfrm>
-            <a:off x="3568700" y="868350"/>
-            <a:ext cx="1097400" cy="274200"/>
-          </a:xfrm>
-          <a:prstGeom prst="rect">
-            <a:avLst/>
-          </a:prstGeom>
-          <a:noFill/>
-          <a:ln>
-            <a:noFill/>
-          </a:ln>
-        </p:spPr>
-        <p:txBody>
-          <a:bodyPr anchorCtr="0" anchor="t" bIns="0" lIns="0" spcFirstLastPara="1" rIns="0" wrap="square" tIns="0">
-            <a:noAutofit/>
-          </a:bodyPr>
-          <a:lstStyle/>
-          <a:p>
-            <a:pPr indent="0" lvl="0" marL="0" rtl="0" algn="l">
-              <a:spcBef>
-                <a:spcPts val="0"/>
-              </a:spcBef>
-              <a:spcAft>
-                <a:spcPts val="0"/>
-              </a:spcAft>
-              <a:buNone/>
-            </a:pPr>
-            <a:r>
-              <a:rPr lang="en"/>
-              <a:t>Initial commit</a:t>
-            </a:r>
-            <a:endParaRPr/>
-          </a:p>
-        </p:txBody>
-      </p:sp>
-      <p:sp>
-        <p:nvSpPr>
-          <p:cNvPr id="111" name="Google Shape;111;p21"/>
-          <p:cNvSpPr txBox="1"/>
-          <p:nvPr/>
-        </p:nvSpPr>
-        <p:spPr>
-          <a:xfrm>
-            <a:off x="2201350" y="914400"/>
-            <a:ext cx="479700" cy="182100"/>
-          </a:xfrm>
-          <a:prstGeom prst="rect">
-            <a:avLst/>
-          </a:prstGeom>
-          <a:solidFill>
-            <a:srgbClr val="DD7E6B"/>
-          </a:solidFill>
-          <a:ln>
-            <a:noFill/>
-          </a:ln>
-        </p:spPr>
-        <p:txBody>
-          <a:bodyPr anchorCtr="0" anchor="t" bIns="0" lIns="0" spcFirstLastPara="1" rIns="0" wrap="square" tIns="0">
-            <a:noAutofit/>
-          </a:bodyPr>
-          <a:lstStyle/>
-          <a:p>
-            <a:pPr indent="0" lvl="0" marL="0" rtl="0" algn="ctr">
-              <a:spcBef>
-                <a:spcPts val="0"/>
-              </a:spcBef>
-              <a:spcAft>
-                <a:spcPts val="0"/>
-              </a:spcAft>
-              <a:buNone/>
-            </a:pPr>
-            <a:r>
-              <a:rPr b="1" lang="en" sz="900"/>
-              <a:t>master</a:t>
-            </a:r>
-            <a:endParaRPr b="1" sz="900"/>
-          </a:p>
-        </p:txBody>
-      </p:sp>
-      <p:sp>
-        <p:nvSpPr>
-          <p:cNvPr id="112" name="Google Shape;112;p21"/>
-          <p:cNvSpPr txBox="1"/>
-          <p:nvPr/>
-        </p:nvSpPr>
-        <p:spPr>
-          <a:xfrm>
-            <a:off x="0" y="0"/>
-            <a:ext cx="9144000" cy="474000"/>
-          </a:xfrm>
-          <a:prstGeom prst="rect">
-            <a:avLst/>
-          </a:prstGeom>
-          <a:solidFill>
-            <a:srgbClr val="D9D9D9"/>
-          </a:solidFill>
-          <a:ln>
-            <a:noFill/>
-          </a:ln>
-        </p:spPr>
-        <p:txBody>
-          <a:bodyPr anchorCtr="0" anchor="t" bIns="91425" lIns="91425" spcFirstLastPara="1" rIns="91425" wrap="square" tIns="137150">
-            <a:noAutofit/>
-          </a:bodyPr>
-          <a:lstStyle/>
-          <a:p>
-            <a:pPr indent="0" lvl="0" marL="0" rtl="0" algn="ctr">
-              <a:spcBef>
-                <a:spcPts val="0"/>
-              </a:spcBef>
-              <a:spcAft>
-                <a:spcPts val="0"/>
-              </a:spcAft>
-              <a:buNone/>
-            </a:pPr>
-            <a:r>
-              <a:rPr lang="en"/>
-              <a:t>MERGE</a:t>
-            </a:r>
-            <a:endParaRPr/>
-          </a:p>
-        </p:txBody>
-      </p:sp>
     </p:spTree>
   </p:cSld>
   <p:clrMapOvr>
